--- a/06. PROTOTYPES AND INHERITANCE/06. JS-Advanced-Prototypes-and-Inheritance.pptx
+++ b/06. PROTOTYPES AND INHERITANCE/06. JS-Advanced-Prototypes-and-Inheritance.pptx
@@ -5,10 +5,10 @@
     <p:sldMasterId id="2147483675" r:id="rId1"/>
   </p:sldMasterIdLst>
   <p:notesMasterIdLst>
-    <p:notesMasterId r:id="rId31"/>
+    <p:notesMasterId r:id="rId33"/>
   </p:notesMasterIdLst>
   <p:handoutMasterIdLst>
-    <p:handoutMasterId r:id="rId32"/>
+    <p:handoutMasterId r:id="rId34"/>
   </p:handoutMasterIdLst>
   <p:sldIdLst>
     <p:sldId id="274" r:id="rId2"/>
@@ -32,14 +32,16 @@
     <p:sldId id="561" r:id="rId20"/>
     <p:sldId id="562" r:id="rId21"/>
     <p:sldId id="563" r:id="rId22"/>
-    <p:sldId id="564" r:id="rId23"/>
-    <p:sldId id="565" r:id="rId24"/>
-    <p:sldId id="542" r:id="rId25"/>
-    <p:sldId id="544" r:id="rId26"/>
-    <p:sldId id="581" r:id="rId27"/>
-    <p:sldId id="582" r:id="rId28"/>
-    <p:sldId id="547" r:id="rId29"/>
-    <p:sldId id="548" r:id="rId30"/>
+    <p:sldId id="583" r:id="rId23"/>
+    <p:sldId id="584" r:id="rId24"/>
+    <p:sldId id="564" r:id="rId25"/>
+    <p:sldId id="565" r:id="rId26"/>
+    <p:sldId id="542" r:id="rId27"/>
+    <p:sldId id="544" r:id="rId28"/>
+    <p:sldId id="581" r:id="rId29"/>
+    <p:sldId id="582" r:id="rId30"/>
+    <p:sldId id="547" r:id="rId31"/>
+    <p:sldId id="548" r:id="rId32"/>
   </p:sldIdLst>
   <p:sldSz cx="12192000" cy="6858000"/>
   <p:notesSz cx="6858000" cy="9144000"/>
@@ -176,6 +178,8 @@
             <p14:sldId id="561"/>
             <p14:sldId id="562"/>
             <p14:sldId id="563"/>
+            <p14:sldId id="583"/>
+            <p14:sldId id="584"/>
             <p14:sldId id="564"/>
             <p14:sldId id="565"/>
           </p14:sldIdLst>
@@ -307,7 +311,7 @@
           <a:p>
             <a:fld id="{4E087215-0C8F-4762-A664-737A353EC9A4}" type="datetimeFigureOut">
               <a:rPr lang="bg-BG" smtClean="0"/>
-              <a:t>28.6.2019 г.</a:t>
+              <a:t>11.09.2019</a:t>
             </a:fld>
             <a:endParaRPr lang="bg-BG"/>
           </a:p>
@@ -484,7 +488,7 @@
           <a:p>
             <a:fld id="{72D84649-876A-46C9-8472-14CB09C070D8}" type="datetimeFigureOut">
               <a:rPr lang="en-US" smtClean="0"/>
-              <a:t>6/28/2019</a:t>
+              <a:t>9/11/2019</a:t>
             </a:fld>
             <a:endParaRPr lang="en-US" dirty="0"/>
           </a:p>
@@ -904,21 +908,23 @@
       </p:grpSpPr>
       <p:sp>
         <p:nvSpPr>
-          <p:cNvPr id="2" name="Slide Image Placeholder 1"/>
+          <p:cNvPr id="445442" name="Rectangle 2"/>
           <p:cNvSpPr>
-            <a:spLocks noGrp="1" noRot="1" noChangeAspect="1"/>
+            <a:spLocks noGrp="1" noRot="1" noChangeAspect="1" noChangeArrowheads="1" noTextEdit="1"/>
           </p:cNvSpPr>
           <p:nvPr>
             <p:ph type="sldImg"/>
           </p:nvPr>
         </p:nvSpPr>
-        <p:spPr/>
+        <p:spPr>
+          <a:ln/>
+        </p:spPr>
       </p:sp>
       <p:sp>
         <p:nvSpPr>
-          <p:cNvPr id="3" name="Notes Placeholder 2"/>
+          <p:cNvPr id="445443" name="Rectangle 3"/>
           <p:cNvSpPr>
-            <a:spLocks noGrp="1"/>
+            <a:spLocks noGrp="1" noChangeArrowheads="1"/>
           </p:cNvSpPr>
           <p:nvPr>
             <p:ph type="body" idx="1"/>
@@ -929,121 +935,14 @@
           <a:bodyPr/>
           <a:lstStyle/>
           <a:p>
-            <a:endParaRPr lang="en-US" dirty="0"/>
-          </a:p>
-        </p:txBody>
-      </p:sp>
-      <p:sp>
-        <p:nvSpPr>
-          <p:cNvPr id="4" name="Footer Placeholder 3"/>
-          <p:cNvSpPr>
-            <a:spLocks noGrp="1"/>
-          </p:cNvSpPr>
-          <p:nvPr>
-            <p:ph type="ftr" sz="quarter" idx="10"/>
-          </p:nvPr>
-        </p:nvSpPr>
-        <p:spPr/>
-        <p:txBody>
-          <a:bodyPr/>
-          <a:lstStyle/>
-          <a:p>
-            <a:r>
-              <a:rPr lang="en-US" sz="1000" dirty="0">
-                <a:solidFill>
-                  <a:prstClr val="black"/>
-                </a:solidFill>
-              </a:rPr>
-              <a:t>© Software University Foundation - </a:t>
-            </a:r>
-            <a:r>
-              <a:rPr lang="en-US" sz="1000" u="sng" dirty="0">
-                <a:solidFill>
-                  <a:prstClr val="black"/>
-                </a:solidFill>
-                <a:hlinkClick r:id="rId3"/>
-              </a:rPr>
-              <a:t>http://softuni.org</a:t>
-            </a:r>
-            <a:endParaRPr lang="en-US" sz="1000" dirty="0">
-              <a:solidFill>
-                <a:prstClr val="black"/>
-              </a:solidFill>
-            </a:endParaRPr>
-          </a:p>
-          <a:p>
-            <a:r>
-              <a:rPr lang="en-US" sz="1000" dirty="0">
-                <a:solidFill>
-                  <a:prstClr val="black"/>
-                </a:solidFill>
-              </a:rPr>
-              <a:t>This work is licensed under the </a:t>
-            </a:r>
-            <a:r>
-              <a:rPr lang="en-US" sz="1000" u="sng" noProof="1">
-                <a:solidFill>
-                  <a:prstClr val="black"/>
-                </a:solidFill>
-                <a:hlinkClick r:id="rId4"/>
-              </a:rPr>
-              <a:t>Creative Commons Attribution-NonCommercial-ShareAlike</a:t>
-            </a:r>
-            <a:r>
-              <a:rPr lang="en-US" sz="1000" noProof="1">
-                <a:solidFill>
-                  <a:prstClr val="black"/>
-                </a:solidFill>
-              </a:rPr>
-              <a:t> </a:t>
-            </a:r>
-            <a:r>
-              <a:rPr lang="en-US" sz="1000" dirty="0">
-                <a:solidFill>
-                  <a:prstClr val="black"/>
-                </a:solidFill>
-              </a:rPr>
-              <a:t>license.</a:t>
-            </a:r>
-          </a:p>
-        </p:txBody>
-      </p:sp>
-      <p:sp>
-        <p:nvSpPr>
-          <p:cNvPr id="5" name="Slide Number Placeholder 4"/>
-          <p:cNvSpPr>
-            <a:spLocks noGrp="1"/>
-          </p:cNvSpPr>
-          <p:nvPr>
-            <p:ph type="sldNum" sz="quarter" idx="11"/>
-          </p:nvPr>
-        </p:nvSpPr>
-        <p:spPr/>
-        <p:txBody>
-          <a:bodyPr/>
-          <a:lstStyle/>
-          <a:p>
-            <a:fld id="{3EBA5BD7-F043-4D1B-AA17-CD412FC534DE}" type="slidenum">
-              <a:rPr lang="en-US" smtClean="0">
-                <a:solidFill>
-                  <a:prstClr val="black"/>
-                </a:solidFill>
-              </a:rPr>
-              <a:pPr/>
-              <a:t>28</a:t>
-            </a:fld>
-            <a:endParaRPr lang="en-US" dirty="0">
-              <a:solidFill>
-                <a:prstClr val="black"/>
-              </a:solidFill>
-            </a:endParaRPr>
+            <a:endParaRPr lang="bg-BG"/>
           </a:p>
         </p:txBody>
       </p:sp>
     </p:spTree>
     <p:extLst>
       <p:ext uri="{BB962C8B-B14F-4D97-AF65-F5344CB8AC3E}">
-        <p14:creationId xmlns:p14="http://schemas.microsoft.com/office/powerpoint/2010/main" val="2140378518"/>
+        <p14:creationId xmlns:p14="http://schemas.microsoft.com/office/powerpoint/2010/main" val="2187444530"/>
       </p:ext>
     </p:extLst>
   </p:cSld>
@@ -1054,6 +953,69 @@
 </file>
 
 <file path=ppt/notesSlides/notesSlide11.xml><?xml version="1.0" encoding="utf-8"?>
+<p:notes xmlns:a="http://schemas.openxmlformats.org/drawingml/2006/main" xmlns:r="http://schemas.openxmlformats.org/officeDocument/2006/relationships" xmlns:p="http://schemas.openxmlformats.org/presentationml/2006/main">
+  <p:cSld>
+    <p:spTree>
+      <p:nvGrpSpPr>
+        <p:cNvPr id="1" name=""/>
+        <p:cNvGrpSpPr/>
+        <p:nvPr/>
+      </p:nvGrpSpPr>
+      <p:grpSpPr>
+        <a:xfrm>
+          <a:off x="0" y="0"/>
+          <a:ext cx="0" cy="0"/>
+          <a:chOff x="0" y="0"/>
+          <a:chExt cx="0" cy="0"/>
+        </a:xfrm>
+      </p:grpSpPr>
+      <p:sp>
+        <p:nvSpPr>
+          <p:cNvPr id="445442" name="Rectangle 2"/>
+          <p:cNvSpPr>
+            <a:spLocks noGrp="1" noRot="1" noChangeAspect="1" noChangeArrowheads="1" noTextEdit="1"/>
+          </p:cNvSpPr>
+          <p:nvPr>
+            <p:ph type="sldImg"/>
+          </p:nvPr>
+        </p:nvSpPr>
+        <p:spPr>
+          <a:ln/>
+        </p:spPr>
+      </p:sp>
+      <p:sp>
+        <p:nvSpPr>
+          <p:cNvPr id="445443" name="Rectangle 3"/>
+          <p:cNvSpPr>
+            <a:spLocks noGrp="1" noChangeArrowheads="1"/>
+          </p:cNvSpPr>
+          <p:nvPr>
+            <p:ph type="body" idx="1"/>
+          </p:nvPr>
+        </p:nvSpPr>
+        <p:spPr/>
+        <p:txBody>
+          <a:bodyPr/>
+          <a:lstStyle/>
+          <a:p>
+            <a:endParaRPr lang="bg-BG"/>
+          </a:p>
+        </p:txBody>
+      </p:sp>
+    </p:spTree>
+    <p:extLst>
+      <p:ext uri="{BB962C8B-B14F-4D97-AF65-F5344CB8AC3E}">
+        <p14:creationId xmlns:p14="http://schemas.microsoft.com/office/powerpoint/2010/main" val="3736973869"/>
+      </p:ext>
+    </p:extLst>
+  </p:cSld>
+  <p:clrMapOvr>
+    <a:masterClrMapping/>
+  </p:clrMapOvr>
+</p:notes>
+</file>
+
+<file path=ppt/notesSlides/notesSlide12.xml><?xml version="1.0" encoding="utf-8"?>
 <p:notes xmlns:a="http://schemas.openxmlformats.org/drawingml/2006/main" xmlns:r="http://schemas.openxmlformats.org/officeDocument/2006/relationships" xmlns:p="http://schemas.openxmlformats.org/presentationml/2006/main">
   <p:cSld>
     <p:spTree>
@@ -1117,34 +1079,60 @@
           <a:lstStyle/>
           <a:p>
             <a:r>
-              <a:rPr lang="en-US" sz="1000" dirty="0"/>
+              <a:rPr lang="en-US" sz="1000" dirty="0">
+                <a:solidFill>
+                  <a:prstClr val="black"/>
+                </a:solidFill>
+              </a:rPr>
               <a:t>© Software University Foundation - </a:t>
             </a:r>
             <a:r>
               <a:rPr lang="en-US" sz="1000" u="sng" dirty="0">
+                <a:solidFill>
+                  <a:prstClr val="black"/>
+                </a:solidFill>
                 <a:hlinkClick r:id="rId3"/>
               </a:rPr>
               <a:t>http://softuni.org</a:t>
             </a:r>
-            <a:endParaRPr lang="en-US" sz="1000" dirty="0"/>
-          </a:p>
-          <a:p>
-            <a:r>
-              <a:rPr lang="en-US" sz="1000" dirty="0"/>
+            <a:endParaRPr lang="en-US" sz="1000" dirty="0">
+              <a:solidFill>
+                <a:prstClr val="black"/>
+              </a:solidFill>
+            </a:endParaRPr>
+          </a:p>
+          <a:p>
+            <a:r>
+              <a:rPr lang="en-US" sz="1000" dirty="0">
+                <a:solidFill>
+                  <a:prstClr val="black"/>
+                </a:solidFill>
+              </a:rPr>
               <a:t>This work is licensed under the </a:t>
             </a:r>
             <a:r>
               <a:rPr lang="en-US" sz="1000" u="sng" noProof="1">
+                <a:solidFill>
+                  <a:prstClr val="black"/>
+                </a:solidFill>
                 <a:hlinkClick r:id="rId4"/>
               </a:rPr>
               <a:t>Creative Commons Attribution-NonCommercial-ShareAlike</a:t>
             </a:r>
             <a:r>
-              <a:rPr lang="en-US" sz="1000" noProof="1"/>
+              <a:rPr lang="en-US" sz="1000" noProof="1">
+                <a:solidFill>
+                  <a:prstClr val="black"/>
+                </a:solidFill>
+              </a:rPr>
               <a:t> </a:t>
             </a:r>
             <a:r>
-              <a:rPr lang="en-US" sz="1000" dirty="0"/>
+              <a:rPr lang="en-US" sz="1000" dirty="0">
+                <a:solidFill>
+                  <a:prstClr val="black"/>
+                </a:solidFill>
+              </a:rPr>
               <a:t>license.</a:t>
             </a:r>
           </a:p>
@@ -1166,9 +1154,151 @@
           <a:lstStyle/>
           <a:p>
             <a:fld id="{3EBA5BD7-F043-4D1B-AA17-CD412FC534DE}" type="slidenum">
+              <a:rPr lang="en-US" smtClean="0">
+                <a:solidFill>
+                  <a:prstClr val="black"/>
+                </a:solidFill>
+              </a:rPr>
+              <a:pPr/>
+              <a:t>30</a:t>
+            </a:fld>
+            <a:endParaRPr lang="en-US" dirty="0">
+              <a:solidFill>
+                <a:prstClr val="black"/>
+              </a:solidFill>
+            </a:endParaRPr>
+          </a:p>
+        </p:txBody>
+      </p:sp>
+    </p:spTree>
+    <p:extLst>
+      <p:ext uri="{BB962C8B-B14F-4D97-AF65-F5344CB8AC3E}">
+        <p14:creationId xmlns:p14="http://schemas.microsoft.com/office/powerpoint/2010/main" val="2140378518"/>
+      </p:ext>
+    </p:extLst>
+  </p:cSld>
+  <p:clrMapOvr>
+    <a:masterClrMapping/>
+  </p:clrMapOvr>
+</p:notes>
+</file>
+
+<file path=ppt/notesSlides/notesSlide13.xml><?xml version="1.0" encoding="utf-8"?>
+<p:notes xmlns:a="http://schemas.openxmlformats.org/drawingml/2006/main" xmlns:r="http://schemas.openxmlformats.org/officeDocument/2006/relationships" xmlns:p="http://schemas.openxmlformats.org/presentationml/2006/main">
+  <p:cSld>
+    <p:spTree>
+      <p:nvGrpSpPr>
+        <p:cNvPr id="1" name=""/>
+        <p:cNvGrpSpPr/>
+        <p:nvPr/>
+      </p:nvGrpSpPr>
+      <p:grpSpPr>
+        <a:xfrm>
+          <a:off x="0" y="0"/>
+          <a:ext cx="0" cy="0"/>
+          <a:chOff x="0" y="0"/>
+          <a:chExt cx="0" cy="0"/>
+        </a:xfrm>
+      </p:grpSpPr>
+      <p:sp>
+        <p:nvSpPr>
+          <p:cNvPr id="2" name="Slide Image Placeholder 1"/>
+          <p:cNvSpPr>
+            <a:spLocks noGrp="1" noRot="1" noChangeAspect="1"/>
+          </p:cNvSpPr>
+          <p:nvPr>
+            <p:ph type="sldImg"/>
+          </p:nvPr>
+        </p:nvSpPr>
+        <p:spPr/>
+      </p:sp>
+      <p:sp>
+        <p:nvSpPr>
+          <p:cNvPr id="3" name="Notes Placeholder 2"/>
+          <p:cNvSpPr>
+            <a:spLocks noGrp="1"/>
+          </p:cNvSpPr>
+          <p:nvPr>
+            <p:ph type="body" idx="1"/>
+          </p:nvPr>
+        </p:nvSpPr>
+        <p:spPr/>
+        <p:txBody>
+          <a:bodyPr/>
+          <a:lstStyle/>
+          <a:p>
+            <a:endParaRPr lang="en-US" dirty="0"/>
+          </a:p>
+        </p:txBody>
+      </p:sp>
+      <p:sp>
+        <p:nvSpPr>
+          <p:cNvPr id="4" name="Footer Placeholder 3"/>
+          <p:cNvSpPr>
+            <a:spLocks noGrp="1"/>
+          </p:cNvSpPr>
+          <p:nvPr>
+            <p:ph type="ftr" sz="quarter" idx="10"/>
+          </p:nvPr>
+        </p:nvSpPr>
+        <p:spPr/>
+        <p:txBody>
+          <a:bodyPr/>
+          <a:lstStyle/>
+          <a:p>
+            <a:r>
+              <a:rPr lang="en-US" sz="1000" dirty="0"/>
+              <a:t>© Software University Foundation - </a:t>
+            </a:r>
+            <a:r>
+              <a:rPr lang="en-US" sz="1000" u="sng" dirty="0">
+                <a:hlinkClick r:id="rId3"/>
+              </a:rPr>
+              <a:t>http://softuni.org</a:t>
+            </a:r>
+            <a:endParaRPr lang="en-US" sz="1000" dirty="0"/>
+          </a:p>
+          <a:p>
+            <a:r>
+              <a:rPr lang="en-US" sz="1000" dirty="0"/>
+              <a:t>This work is licensed under the </a:t>
+            </a:r>
+            <a:r>
+              <a:rPr lang="en-US" sz="1000" u="sng" noProof="1">
+                <a:hlinkClick r:id="rId4"/>
+              </a:rPr>
+              <a:t>Creative Commons Attribution-NonCommercial-ShareAlike</a:t>
+            </a:r>
+            <a:r>
+              <a:rPr lang="en-US" sz="1000" noProof="1"/>
+              <a:t> </a:t>
+            </a:r>
+            <a:r>
+              <a:rPr lang="en-US" sz="1000" dirty="0"/>
+              <a:t>license.</a:t>
+            </a:r>
+          </a:p>
+        </p:txBody>
+      </p:sp>
+      <p:sp>
+        <p:nvSpPr>
+          <p:cNvPr id="5" name="Slide Number Placeholder 4"/>
+          <p:cNvSpPr>
+            <a:spLocks noGrp="1"/>
+          </p:cNvSpPr>
+          <p:nvPr>
+            <p:ph type="sldNum" sz="quarter" idx="11"/>
+          </p:nvPr>
+        </p:nvSpPr>
+        <p:spPr/>
+        <p:txBody>
+          <a:bodyPr/>
+          <a:lstStyle/>
+          <a:p>
+            <a:fld id="{3EBA5BD7-F043-4D1B-AA17-CD412FC534DE}" type="slidenum">
               <a:rPr lang="en-US" smtClean="0"/>
               <a:pPr/>
-              <a:t>29</a:t>
+              <a:t>31</a:t>
             </a:fld>
             <a:endParaRPr lang="en-US" dirty="0"/>
           </a:p>
@@ -1669,18 +1799,18 @@
           <a:bodyPr/>
           <a:lstStyle/>
           <a:p>
-            <a:endParaRPr lang="en-US" dirty="0"/>
+            <a:endParaRPr lang="bg-BG" dirty="0"/>
           </a:p>
         </p:txBody>
       </p:sp>
       <p:sp>
         <p:nvSpPr>
-          <p:cNvPr id="4" name="Footer Placeholder 3"/>
+          <p:cNvPr id="4" name="Slide Number Placeholder 3"/>
           <p:cNvSpPr>
             <a:spLocks noGrp="1"/>
           </p:cNvSpPr>
           <p:nvPr>
-            <p:ph type="ftr" sz="quarter" idx="10"/>
+            <p:ph type="sldNum" sz="quarter" idx="5"/>
           </p:nvPr>
         </p:nvSpPr>
         <p:spPr/>
@@ -1688,59 +1818,9 @@
           <a:bodyPr/>
           <a:lstStyle/>
           <a:p>
-            <a:r>
-              <a:rPr lang="en-US" sz="1000" dirty="0"/>
-              <a:t>© Software University Foundation - </a:t>
-            </a:r>
-            <a:r>
-              <a:rPr lang="en-US" sz="1000" u="sng" dirty="0">
-                <a:hlinkClick r:id="rId3"/>
-              </a:rPr>
-              <a:t>http://softuni.org</a:t>
-            </a:r>
-            <a:endParaRPr lang="en-US" sz="1000" dirty="0"/>
-          </a:p>
-          <a:p>
-            <a:r>
-              <a:rPr lang="en-US" sz="1000" dirty="0"/>
-              <a:t>This work is licensed under the </a:t>
-            </a:r>
-            <a:r>
-              <a:rPr lang="en-US" sz="1000" u="sng" noProof="1">
-                <a:hlinkClick r:id="rId4"/>
-              </a:rPr>
-              <a:t>Creative Commons Attribution-NonCommercial-ShareAlike</a:t>
-            </a:r>
-            <a:r>
-              <a:rPr lang="en-US" sz="1000" noProof="1"/>
-              <a:t> </a:t>
-            </a:r>
-            <a:r>
-              <a:rPr lang="en-US" sz="1000" dirty="0"/>
-              <a:t>license.</a:t>
-            </a:r>
-          </a:p>
-        </p:txBody>
-      </p:sp>
-      <p:sp>
-        <p:nvSpPr>
-          <p:cNvPr id="5" name="Slide Number Placeholder 4"/>
-          <p:cNvSpPr>
-            <a:spLocks noGrp="1"/>
-          </p:cNvSpPr>
-          <p:nvPr>
-            <p:ph type="sldNum" sz="quarter" idx="11"/>
-          </p:nvPr>
-        </p:nvSpPr>
-        <p:spPr/>
-        <p:txBody>
-          <a:bodyPr/>
-          <a:lstStyle/>
-          <a:p>
-            <a:fld id="{3EBA5BD7-F043-4D1B-AA17-CD412FC534DE}" type="slidenum">
+            <a:fld id="{2BF067CD-8E6B-4360-9AA8-C5DF2A48A6D1}" type="slidenum">
               <a:rPr lang="en-US" smtClean="0"/>
-              <a:pPr/>
-              <a:t>24</a:t>
+              <a:t>22</a:t>
             </a:fld>
             <a:endParaRPr lang="en-US" dirty="0"/>
           </a:p>
@@ -1749,7 +1829,7 @@
     </p:spTree>
     <p:extLst>
       <p:ext uri="{BB962C8B-B14F-4D97-AF65-F5344CB8AC3E}">
-        <p14:creationId xmlns:p14="http://schemas.microsoft.com/office/powerpoint/2010/main" val="1320566255"/>
+        <p14:creationId xmlns:p14="http://schemas.microsoft.com/office/powerpoint/2010/main" val="2707984895"/>
       </p:ext>
     </p:extLst>
   </p:cSld>
@@ -1803,18 +1883,18 @@
           <a:bodyPr/>
           <a:lstStyle/>
           <a:p>
-            <a:endParaRPr lang="en-US" dirty="0"/>
+            <a:endParaRPr lang="bg-BG" dirty="0"/>
           </a:p>
         </p:txBody>
       </p:sp>
       <p:sp>
         <p:nvSpPr>
-          <p:cNvPr id="4" name="Footer Placeholder 3"/>
+          <p:cNvPr id="4" name="Slide Number Placeholder 3"/>
           <p:cNvSpPr>
             <a:spLocks noGrp="1"/>
           </p:cNvSpPr>
           <p:nvPr>
-            <p:ph type="ftr" sz="quarter" idx="10"/>
+            <p:ph type="sldNum" sz="quarter" idx="5"/>
           </p:nvPr>
         </p:nvSpPr>
         <p:spPr/>
@@ -1822,102 +1902,18 @@
           <a:bodyPr/>
           <a:lstStyle/>
           <a:p>
-            <a:r>
-              <a:rPr lang="en-US" sz="1000" dirty="0">
-                <a:solidFill>
-                  <a:prstClr val="black"/>
-                </a:solidFill>
-              </a:rPr>
-              <a:t>© Software University Foundation - </a:t>
-            </a:r>
-            <a:r>
-              <a:rPr lang="en-US" sz="1000" u="sng" dirty="0">
-                <a:solidFill>
-                  <a:prstClr val="black"/>
-                </a:solidFill>
-                <a:hlinkClick r:id="rId3"/>
-              </a:rPr>
-              <a:t>http://softuni.org</a:t>
-            </a:r>
-            <a:endParaRPr lang="en-US" sz="1000" dirty="0">
-              <a:solidFill>
-                <a:prstClr val="black"/>
-              </a:solidFill>
-            </a:endParaRPr>
-          </a:p>
-          <a:p>
-            <a:r>
-              <a:rPr lang="en-US" sz="1000" dirty="0">
-                <a:solidFill>
-                  <a:prstClr val="black"/>
-                </a:solidFill>
-              </a:rPr>
-              <a:t>This work is licensed under the </a:t>
-            </a:r>
-            <a:r>
-              <a:rPr lang="en-US" sz="1000" u="sng" noProof="1">
-                <a:solidFill>
-                  <a:prstClr val="black"/>
-                </a:solidFill>
-                <a:hlinkClick r:id="rId4"/>
-              </a:rPr>
-              <a:t>Creative Commons Attribution-NonCommercial-ShareAlike</a:t>
-            </a:r>
-            <a:r>
-              <a:rPr lang="en-US" sz="1000" noProof="1">
-                <a:solidFill>
-                  <a:prstClr val="black"/>
-                </a:solidFill>
-              </a:rPr>
-              <a:t> </a:t>
-            </a:r>
-            <a:r>
-              <a:rPr lang="en-US" sz="1000" dirty="0">
-                <a:solidFill>
-                  <a:prstClr val="black"/>
-                </a:solidFill>
-              </a:rPr>
-              <a:t>license.</a:t>
-            </a:r>
-          </a:p>
-        </p:txBody>
-      </p:sp>
-      <p:sp>
-        <p:nvSpPr>
-          <p:cNvPr id="5" name="Slide Number Placeholder 4"/>
-          <p:cNvSpPr>
-            <a:spLocks noGrp="1"/>
-          </p:cNvSpPr>
-          <p:nvPr>
-            <p:ph type="sldNum" sz="quarter" idx="11"/>
-          </p:nvPr>
-        </p:nvSpPr>
-        <p:spPr/>
-        <p:txBody>
-          <a:bodyPr/>
-          <a:lstStyle/>
-          <a:p>
-            <a:fld id="{3EBA5BD7-F043-4D1B-AA17-CD412FC534DE}" type="slidenum">
-              <a:rPr lang="en-US" smtClean="0">
-                <a:solidFill>
-                  <a:prstClr val="black"/>
-                </a:solidFill>
-              </a:rPr>
-              <a:pPr/>
-              <a:t>25</a:t>
+            <a:fld id="{2BF067CD-8E6B-4360-9AA8-C5DF2A48A6D1}" type="slidenum">
+              <a:rPr lang="en-US" smtClean="0"/>
+              <a:t>23</a:t>
             </a:fld>
-            <a:endParaRPr lang="en-US" dirty="0">
-              <a:solidFill>
-                <a:prstClr val="black"/>
-              </a:solidFill>
-            </a:endParaRPr>
+            <a:endParaRPr lang="en-US" dirty="0"/>
           </a:p>
         </p:txBody>
       </p:sp>
     </p:spTree>
     <p:extLst>
       <p:ext uri="{BB962C8B-B14F-4D97-AF65-F5344CB8AC3E}">
-        <p14:creationId xmlns:p14="http://schemas.microsoft.com/office/powerpoint/2010/main" val="2576515760"/>
+        <p14:creationId xmlns:p14="http://schemas.microsoft.com/office/powerpoint/2010/main" val="3043971061"/>
       </p:ext>
     </p:extLst>
   </p:cSld>
@@ -1946,23 +1942,21 @@
       </p:grpSpPr>
       <p:sp>
         <p:nvSpPr>
-          <p:cNvPr id="445442" name="Rectangle 2"/>
+          <p:cNvPr id="2" name="Slide Image Placeholder 1"/>
           <p:cNvSpPr>
-            <a:spLocks noGrp="1" noRot="1" noChangeAspect="1" noChangeArrowheads="1" noTextEdit="1"/>
+            <a:spLocks noGrp="1" noRot="1" noChangeAspect="1"/>
           </p:cNvSpPr>
           <p:nvPr>
             <p:ph type="sldImg"/>
           </p:nvPr>
         </p:nvSpPr>
-        <p:spPr>
-          <a:ln/>
-        </p:spPr>
+        <p:spPr/>
       </p:sp>
       <p:sp>
         <p:nvSpPr>
-          <p:cNvPr id="445443" name="Rectangle 3"/>
+          <p:cNvPr id="3" name="Notes Placeholder 2"/>
           <p:cNvSpPr>
-            <a:spLocks noGrp="1" noChangeArrowheads="1"/>
+            <a:spLocks noGrp="1"/>
           </p:cNvSpPr>
           <p:nvPr>
             <p:ph type="body" idx="1"/>
@@ -1973,14 +1967,87 @@
           <a:bodyPr/>
           <a:lstStyle/>
           <a:p>
-            <a:endParaRPr lang="bg-BG"/>
+            <a:endParaRPr lang="en-US" dirty="0"/>
+          </a:p>
+        </p:txBody>
+      </p:sp>
+      <p:sp>
+        <p:nvSpPr>
+          <p:cNvPr id="4" name="Footer Placeholder 3"/>
+          <p:cNvSpPr>
+            <a:spLocks noGrp="1"/>
+          </p:cNvSpPr>
+          <p:nvPr>
+            <p:ph type="ftr" sz="quarter" idx="10"/>
+          </p:nvPr>
+        </p:nvSpPr>
+        <p:spPr/>
+        <p:txBody>
+          <a:bodyPr/>
+          <a:lstStyle/>
+          <a:p>
+            <a:r>
+              <a:rPr lang="en-US" sz="1000" dirty="0"/>
+              <a:t>© Software University Foundation - </a:t>
+            </a:r>
+            <a:r>
+              <a:rPr lang="en-US" sz="1000" u="sng" dirty="0">
+                <a:hlinkClick r:id="rId3"/>
+              </a:rPr>
+              <a:t>http://softuni.org</a:t>
+            </a:r>
+            <a:endParaRPr lang="en-US" sz="1000" dirty="0"/>
+          </a:p>
+          <a:p>
+            <a:r>
+              <a:rPr lang="en-US" sz="1000" dirty="0"/>
+              <a:t>This work is licensed under the </a:t>
+            </a:r>
+            <a:r>
+              <a:rPr lang="en-US" sz="1000" u="sng" noProof="1">
+                <a:hlinkClick r:id="rId4"/>
+              </a:rPr>
+              <a:t>Creative Commons Attribution-NonCommercial-ShareAlike</a:t>
+            </a:r>
+            <a:r>
+              <a:rPr lang="en-US" sz="1000" noProof="1"/>
+              <a:t> </a:t>
+            </a:r>
+            <a:r>
+              <a:rPr lang="en-US" sz="1000" dirty="0"/>
+              <a:t>license.</a:t>
+            </a:r>
+          </a:p>
+        </p:txBody>
+      </p:sp>
+      <p:sp>
+        <p:nvSpPr>
+          <p:cNvPr id="5" name="Slide Number Placeholder 4"/>
+          <p:cNvSpPr>
+            <a:spLocks noGrp="1"/>
+          </p:cNvSpPr>
+          <p:nvPr>
+            <p:ph type="sldNum" sz="quarter" idx="11"/>
+          </p:nvPr>
+        </p:nvSpPr>
+        <p:spPr/>
+        <p:txBody>
+          <a:bodyPr/>
+          <a:lstStyle/>
+          <a:p>
+            <a:fld id="{3EBA5BD7-F043-4D1B-AA17-CD412FC534DE}" type="slidenum">
+              <a:rPr lang="en-US" smtClean="0"/>
+              <a:pPr/>
+              <a:t>26</a:t>
+            </a:fld>
+            <a:endParaRPr lang="en-US" dirty="0"/>
           </a:p>
         </p:txBody>
       </p:sp>
     </p:spTree>
     <p:extLst>
       <p:ext uri="{BB962C8B-B14F-4D97-AF65-F5344CB8AC3E}">
-        <p14:creationId xmlns:p14="http://schemas.microsoft.com/office/powerpoint/2010/main" val="2187444530"/>
+        <p14:creationId xmlns:p14="http://schemas.microsoft.com/office/powerpoint/2010/main" val="1320566255"/>
       </p:ext>
     </p:extLst>
   </p:cSld>
@@ -2009,23 +2076,21 @@
       </p:grpSpPr>
       <p:sp>
         <p:nvSpPr>
-          <p:cNvPr id="445442" name="Rectangle 2"/>
+          <p:cNvPr id="2" name="Slide Image Placeholder 1"/>
           <p:cNvSpPr>
-            <a:spLocks noGrp="1" noRot="1" noChangeAspect="1" noChangeArrowheads="1" noTextEdit="1"/>
+            <a:spLocks noGrp="1" noRot="1" noChangeAspect="1"/>
           </p:cNvSpPr>
           <p:nvPr>
             <p:ph type="sldImg"/>
           </p:nvPr>
         </p:nvSpPr>
-        <p:spPr>
-          <a:ln/>
-        </p:spPr>
+        <p:spPr/>
       </p:sp>
       <p:sp>
         <p:nvSpPr>
-          <p:cNvPr id="445443" name="Rectangle 3"/>
+          <p:cNvPr id="3" name="Notes Placeholder 2"/>
           <p:cNvSpPr>
-            <a:spLocks noGrp="1" noChangeArrowheads="1"/>
+            <a:spLocks noGrp="1"/>
           </p:cNvSpPr>
           <p:nvPr>
             <p:ph type="body" idx="1"/>
@@ -2036,14 +2101,121 @@
           <a:bodyPr/>
           <a:lstStyle/>
           <a:p>
-            <a:endParaRPr lang="bg-BG"/>
+            <a:endParaRPr lang="en-US" dirty="0"/>
+          </a:p>
+        </p:txBody>
+      </p:sp>
+      <p:sp>
+        <p:nvSpPr>
+          <p:cNvPr id="4" name="Footer Placeholder 3"/>
+          <p:cNvSpPr>
+            <a:spLocks noGrp="1"/>
+          </p:cNvSpPr>
+          <p:nvPr>
+            <p:ph type="ftr" sz="quarter" idx="10"/>
+          </p:nvPr>
+        </p:nvSpPr>
+        <p:spPr/>
+        <p:txBody>
+          <a:bodyPr/>
+          <a:lstStyle/>
+          <a:p>
+            <a:r>
+              <a:rPr lang="en-US" sz="1000" dirty="0">
+                <a:solidFill>
+                  <a:prstClr val="black"/>
+                </a:solidFill>
+              </a:rPr>
+              <a:t>© Software University Foundation - </a:t>
+            </a:r>
+            <a:r>
+              <a:rPr lang="en-US" sz="1000" u="sng" dirty="0">
+                <a:solidFill>
+                  <a:prstClr val="black"/>
+                </a:solidFill>
+                <a:hlinkClick r:id="rId3"/>
+              </a:rPr>
+              <a:t>http://softuni.org</a:t>
+            </a:r>
+            <a:endParaRPr lang="en-US" sz="1000" dirty="0">
+              <a:solidFill>
+                <a:prstClr val="black"/>
+              </a:solidFill>
+            </a:endParaRPr>
+          </a:p>
+          <a:p>
+            <a:r>
+              <a:rPr lang="en-US" sz="1000" dirty="0">
+                <a:solidFill>
+                  <a:prstClr val="black"/>
+                </a:solidFill>
+              </a:rPr>
+              <a:t>This work is licensed under the </a:t>
+            </a:r>
+            <a:r>
+              <a:rPr lang="en-US" sz="1000" u="sng" noProof="1">
+                <a:solidFill>
+                  <a:prstClr val="black"/>
+                </a:solidFill>
+                <a:hlinkClick r:id="rId4"/>
+              </a:rPr>
+              <a:t>Creative Commons Attribution-NonCommercial-ShareAlike</a:t>
+            </a:r>
+            <a:r>
+              <a:rPr lang="en-US" sz="1000" noProof="1">
+                <a:solidFill>
+                  <a:prstClr val="black"/>
+                </a:solidFill>
+              </a:rPr>
+              <a:t> </a:t>
+            </a:r>
+            <a:r>
+              <a:rPr lang="en-US" sz="1000" dirty="0">
+                <a:solidFill>
+                  <a:prstClr val="black"/>
+                </a:solidFill>
+              </a:rPr>
+              <a:t>license.</a:t>
+            </a:r>
+          </a:p>
+        </p:txBody>
+      </p:sp>
+      <p:sp>
+        <p:nvSpPr>
+          <p:cNvPr id="5" name="Slide Number Placeholder 4"/>
+          <p:cNvSpPr>
+            <a:spLocks noGrp="1"/>
+          </p:cNvSpPr>
+          <p:nvPr>
+            <p:ph type="sldNum" sz="quarter" idx="11"/>
+          </p:nvPr>
+        </p:nvSpPr>
+        <p:spPr/>
+        <p:txBody>
+          <a:bodyPr/>
+          <a:lstStyle/>
+          <a:p>
+            <a:fld id="{3EBA5BD7-F043-4D1B-AA17-CD412FC534DE}" type="slidenum">
+              <a:rPr lang="en-US" smtClean="0">
+                <a:solidFill>
+                  <a:prstClr val="black"/>
+                </a:solidFill>
+              </a:rPr>
+              <a:pPr/>
+              <a:t>27</a:t>
+            </a:fld>
+            <a:endParaRPr lang="en-US" dirty="0">
+              <a:solidFill>
+                <a:prstClr val="black"/>
+              </a:solidFill>
+            </a:endParaRPr>
           </a:p>
         </p:txBody>
       </p:sp>
     </p:spTree>
     <p:extLst>
       <p:ext uri="{BB962C8B-B14F-4D97-AF65-F5344CB8AC3E}">
-        <p14:creationId xmlns:p14="http://schemas.microsoft.com/office/powerpoint/2010/main" val="3736973869"/>
+        <p14:creationId xmlns:p14="http://schemas.microsoft.com/office/powerpoint/2010/main" val="2576515760"/>
       </p:ext>
     </p:extLst>
   </p:cSld>
@@ -3424,7 +3596,7 @@
             <a:fld id="{055373AC-9AA7-423B-BA00-BA1C74164DBD}" type="datetime1">
               <a:rPr lang="en-US" smtClean="0"/>
               <a:pPr/>
-              <a:t>6/28/2019</a:t>
+              <a:t>9/11/2019</a:t>
             </a:fld>
             <a:endParaRPr lang="en-US" dirty="0"/>
           </a:p>
@@ -3902,7 +4074,7 @@
             <a:fld id="{055373AC-9AA7-423B-BA00-BA1C74164DBD}" type="datetime1">
               <a:rPr lang="en-US" smtClean="0"/>
               <a:pPr/>
-              <a:t>6/28/2019</a:t>
+              <a:t>9/11/2019</a:t>
             </a:fld>
             <a:endParaRPr lang="en-US" dirty="0"/>
           </a:p>
@@ -5260,7 +5432,7 @@
             <a:fld id="{055373AC-9AA7-423B-BA00-BA1C74164DBD}" type="datetime1">
               <a:rPr lang="en-US" smtClean="0"/>
               <a:pPr/>
-              <a:t>6/28/2019</a:t>
+              <a:t>9/11/2019</a:t>
             </a:fld>
             <a:endParaRPr lang="en-US" dirty="0"/>
           </a:p>
@@ -7080,7 +7252,7 @@
             <a:fld id="{055373AC-9AA7-423B-BA00-BA1C74164DBD}" type="datetime1">
               <a:rPr lang="en-US" smtClean="0"/>
               <a:pPr/>
-              <a:t>6/28/2019</a:t>
+              <a:t>9/11/2019</a:t>
             </a:fld>
             <a:endParaRPr lang="en-US" dirty="0"/>
           </a:p>
@@ -7517,7 +7689,7 @@
             <a:fld id="{055373AC-9AA7-423B-BA00-BA1C74164DBD}" type="datetime1">
               <a:rPr lang="en-US" smtClean="0"/>
               <a:pPr/>
-              <a:t>6/28/2019</a:t>
+              <a:t>9/11/2019</a:t>
             </a:fld>
             <a:endParaRPr lang="en-US" dirty="0"/>
           </a:p>
@@ -8231,7 +8403,7 @@
             <a:fld id="{055373AC-9AA7-423B-BA00-BA1C74164DBD}" type="datetime1">
               <a:rPr lang="en-US" smtClean="0"/>
               <a:pPr/>
-              <a:t>6/28/2019</a:t>
+              <a:t>9/11/2019</a:t>
             </a:fld>
             <a:endParaRPr lang="en-US" dirty="0"/>
           </a:p>
@@ -8642,7 +8814,7 @@
             <a:fld id="{055373AC-9AA7-423B-BA00-BA1C74164DBD}" type="datetime1">
               <a:rPr lang="en-US" smtClean="0"/>
               <a:pPr/>
-              <a:t>6/28/2019</a:t>
+              <a:t>9/11/2019</a:t>
             </a:fld>
             <a:endParaRPr lang="en-US" dirty="0"/>
           </a:p>
@@ -9011,7 +9183,7 @@
             <a:fld id="{055373AC-9AA7-423B-BA00-BA1C74164DBD}" type="datetime1">
               <a:rPr lang="en-US" smtClean="0"/>
               <a:pPr/>
-              <a:t>6/28/2019</a:t>
+              <a:t>9/11/2019</a:t>
             </a:fld>
             <a:endParaRPr lang="en-US" dirty="0"/>
           </a:p>
@@ -9679,7 +9851,7 @@
             <a:fld id="{055373AC-9AA7-423B-BA00-BA1C74164DBD}" type="datetime1">
               <a:rPr lang="en-US" smtClean="0"/>
               <a:pPr/>
-              <a:t>6/28/2019</a:t>
+              <a:t>9/11/2019</a:t>
             </a:fld>
             <a:endParaRPr lang="en-US" dirty="0"/>
           </a:p>
@@ -10140,7 +10312,7 @@
             <a:fld id="{055373AC-9AA7-423B-BA00-BA1C74164DBD}" type="datetime1">
               <a:rPr lang="en-US" smtClean="0"/>
               <a:pPr/>
-              <a:t>6/28/2019</a:t>
+              <a:t>9/11/2019</a:t>
             </a:fld>
             <a:endParaRPr lang="en-US" dirty="0"/>
           </a:p>
@@ -10324,7 +10496,7 @@
             <a:fld id="{055373AC-9AA7-423B-BA00-BA1C74164DBD}" type="datetime1">
               <a:rPr lang="en-US" smtClean="0"/>
               <a:pPr/>
-              <a:t>6/28/2019</a:t>
+              <a:t>9/11/2019</a:t>
             </a:fld>
             <a:endParaRPr lang="en-US" dirty="0"/>
           </a:p>
@@ -24641,6 +24813,3516 @@
       </p:grpSpPr>
       <p:sp>
         <p:nvSpPr>
+          <p:cNvPr id="4" name="Title 3"/>
+          <p:cNvSpPr>
+            <a:spLocks noGrp="1"/>
+          </p:cNvSpPr>
+          <p:nvPr>
+            <p:ph type="title"/>
+          </p:nvPr>
+        </p:nvSpPr>
+        <p:spPr/>
+        <p:txBody>
+          <a:bodyPr/>
+          <a:lstStyle/>
+          <a:p>
+            <a:r>
+              <a:rPr lang="en-US" dirty="0"/>
+              <a:t>Object and Class Prototype Chain</a:t>
+            </a:r>
+            <a:endParaRPr lang="bg-BG" dirty="0"/>
+          </a:p>
+        </p:txBody>
+      </p:sp>
+      <p:sp>
+        <p:nvSpPr>
+          <p:cNvPr id="5" name="Slide Number Placeholder 4"/>
+          <p:cNvSpPr>
+            <a:spLocks noGrp="1"/>
+          </p:cNvSpPr>
+          <p:nvPr>
+            <p:ph type="sldNum" sz="quarter" idx="14"/>
+          </p:nvPr>
+        </p:nvSpPr>
+        <p:spPr/>
+        <p:txBody>
+          <a:bodyPr/>
+          <a:lstStyle/>
+          <a:p>
+            <a:fld id="{C014DD1E-5D91-48A3-AD6D-45FBA980D106}" type="slidenum">
+              <a:rPr lang="en-US" smtClean="0"/>
+              <a:pPr/>
+              <a:t>22</a:t>
+            </a:fld>
+            <a:endParaRPr lang="en-US" dirty="0"/>
+          </a:p>
+        </p:txBody>
+      </p:sp>
+      <p:sp>
+        <p:nvSpPr>
+          <p:cNvPr id="34" name="TextBox 44">
+            <a:extLst>
+              <a:ext uri="{FF2B5EF4-FFF2-40B4-BE49-F238E27FC236}">
+                <a16:creationId xmlns:a16="http://schemas.microsoft.com/office/drawing/2014/main" id="{C025806F-21B0-4D8D-A6F9-A20DC9FDDC73}"/>
+              </a:ext>
+            </a:extLst>
+          </p:cNvPr>
+          <p:cNvSpPr txBox="1"/>
+          <p:nvPr/>
+        </p:nvSpPr>
+        <p:spPr>
+          <a:xfrm>
+            <a:off x="4554728" y="1049020"/>
+            <a:ext cx="1905000" cy="523220"/>
+          </a:xfrm>
+          <a:prstGeom prst="rect">
+            <a:avLst/>
+          </a:prstGeom>
+          <a:noFill/>
+        </p:spPr>
+        <p:txBody>
+          <a:bodyPr wrap="square" rtlCol="0">
+            <a:spAutoFit/>
+          </a:bodyPr>
+          <a:lstStyle>
+            <a:defPPr>
+              <a:defRPr lang="en-US"/>
+            </a:defPPr>
+            <a:lvl1pPr marL="0" algn="l" defTabSz="1218987" rtl="0" eaLnBrk="1" latinLnBrk="0" hangingPunct="1">
+              <a:defRPr sz="2400" kern="1200">
+                <a:solidFill>
+                  <a:schemeClr val="tx1"/>
+                </a:solidFill>
+                <a:latin typeface="+mn-lt"/>
+                <a:ea typeface="+mn-ea"/>
+                <a:cs typeface="+mn-cs"/>
+              </a:defRPr>
+            </a:lvl1pPr>
+            <a:lvl2pPr marL="609493" algn="l" defTabSz="1218987" rtl="0" eaLnBrk="1" latinLnBrk="0" hangingPunct="1">
+              <a:defRPr sz="2400" kern="1200">
+                <a:solidFill>
+                  <a:schemeClr val="tx1"/>
+                </a:solidFill>
+                <a:latin typeface="+mn-lt"/>
+                <a:ea typeface="+mn-ea"/>
+                <a:cs typeface="+mn-cs"/>
+              </a:defRPr>
+            </a:lvl2pPr>
+            <a:lvl3pPr marL="1218987" algn="l" defTabSz="1218987" rtl="0" eaLnBrk="1" latinLnBrk="0" hangingPunct="1">
+              <a:defRPr sz="2400" kern="1200">
+                <a:solidFill>
+                  <a:schemeClr val="tx1"/>
+                </a:solidFill>
+                <a:latin typeface="+mn-lt"/>
+                <a:ea typeface="+mn-ea"/>
+                <a:cs typeface="+mn-cs"/>
+              </a:defRPr>
+            </a:lvl3pPr>
+            <a:lvl4pPr marL="1828480" algn="l" defTabSz="1218987" rtl="0" eaLnBrk="1" latinLnBrk="0" hangingPunct="1">
+              <a:defRPr sz="2400" kern="1200">
+                <a:solidFill>
+                  <a:schemeClr val="tx1"/>
+                </a:solidFill>
+                <a:latin typeface="+mn-lt"/>
+                <a:ea typeface="+mn-ea"/>
+                <a:cs typeface="+mn-cs"/>
+              </a:defRPr>
+            </a:lvl4pPr>
+            <a:lvl5pPr marL="2437973" algn="l" defTabSz="1218987" rtl="0" eaLnBrk="1" latinLnBrk="0" hangingPunct="1">
+              <a:defRPr sz="2400" kern="1200">
+                <a:solidFill>
+                  <a:schemeClr val="tx1"/>
+                </a:solidFill>
+                <a:latin typeface="+mn-lt"/>
+                <a:ea typeface="+mn-ea"/>
+                <a:cs typeface="+mn-cs"/>
+              </a:defRPr>
+            </a:lvl5pPr>
+            <a:lvl6pPr marL="3047467" algn="l" defTabSz="1218987" rtl="0" eaLnBrk="1" latinLnBrk="0" hangingPunct="1">
+              <a:defRPr sz="2400" kern="1200">
+                <a:solidFill>
+                  <a:schemeClr val="tx1"/>
+                </a:solidFill>
+                <a:latin typeface="+mn-lt"/>
+                <a:ea typeface="+mn-ea"/>
+                <a:cs typeface="+mn-cs"/>
+              </a:defRPr>
+            </a:lvl6pPr>
+            <a:lvl7pPr marL="3656960" algn="l" defTabSz="1218987" rtl="0" eaLnBrk="1" latinLnBrk="0" hangingPunct="1">
+              <a:defRPr sz="2400" kern="1200">
+                <a:solidFill>
+                  <a:schemeClr val="tx1"/>
+                </a:solidFill>
+                <a:latin typeface="+mn-lt"/>
+                <a:ea typeface="+mn-ea"/>
+                <a:cs typeface="+mn-cs"/>
+              </a:defRPr>
+            </a:lvl7pPr>
+            <a:lvl8pPr marL="4266453" algn="l" defTabSz="1218987" rtl="0" eaLnBrk="1" latinLnBrk="0" hangingPunct="1">
+              <a:defRPr sz="2400" kern="1200">
+                <a:solidFill>
+                  <a:schemeClr val="tx1"/>
+                </a:solidFill>
+                <a:latin typeface="+mn-lt"/>
+                <a:ea typeface="+mn-ea"/>
+                <a:cs typeface="+mn-cs"/>
+              </a:defRPr>
+            </a:lvl8pPr>
+            <a:lvl9pPr marL="4875947" algn="l" defTabSz="1218987" rtl="0" eaLnBrk="1" latinLnBrk="0" hangingPunct="1">
+              <a:defRPr sz="2400" kern="1200">
+                <a:solidFill>
+                  <a:schemeClr val="tx1"/>
+                </a:solidFill>
+                <a:latin typeface="+mn-lt"/>
+                <a:ea typeface="+mn-ea"/>
+                <a:cs typeface="+mn-cs"/>
+              </a:defRPr>
+            </a:lvl9pPr>
+          </a:lstStyle>
+          <a:p>
+            <a:r>
+              <a:rPr lang="en-US" sz="2800" b="1" dirty="0">
+                <a:effectLst>
+                  <a:outerShdw blurRad="38100" dist="38100" dir="2700000" algn="tl">
+                    <a:srgbClr val="000000">
+                      <a:alpha val="43137"/>
+                    </a:srgbClr>
+                  </a:outerShdw>
+                </a:effectLst>
+                <a:latin typeface="Consolas" panose="020B0609020204030204" pitchFamily="49" charset="0"/>
+              </a:rPr>
+              <a:t>extend</a:t>
+            </a:r>
+          </a:p>
+        </p:txBody>
+      </p:sp>
+      <p:grpSp>
+        <p:nvGrpSpPr>
+          <p:cNvPr id="59" name="Group 58">
+            <a:extLst>
+              <a:ext uri="{FF2B5EF4-FFF2-40B4-BE49-F238E27FC236}">
+                <a16:creationId xmlns:a16="http://schemas.microsoft.com/office/drawing/2014/main" id="{52654D7F-BEB8-4A6E-9881-8CF8B71AB508}"/>
+              </a:ext>
+            </a:extLst>
+          </p:cNvPr>
+          <p:cNvGrpSpPr/>
+          <p:nvPr/>
+        </p:nvGrpSpPr>
+        <p:grpSpPr>
+          <a:xfrm>
+            <a:off x="513259" y="1310630"/>
+            <a:ext cx="11165481" cy="4397773"/>
+            <a:chOff x="259229" y="1309295"/>
+            <a:chExt cx="11165481" cy="4397773"/>
+          </a:xfrm>
+        </p:grpSpPr>
+        <p:grpSp>
+          <p:nvGrpSpPr>
+            <p:cNvPr id="7" name="Group 6"/>
+            <p:cNvGrpSpPr/>
+            <p:nvPr/>
+          </p:nvGrpSpPr>
+          <p:grpSpPr>
+            <a:xfrm>
+              <a:off x="4442830" y="3231133"/>
+              <a:ext cx="3074344" cy="1542496"/>
+              <a:chOff x="3960812" y="3276600"/>
+              <a:chExt cx="3074344" cy="1542496"/>
+            </a:xfrm>
+          </p:grpSpPr>
+          <p:sp>
+            <p:nvSpPr>
+              <p:cNvPr id="8" name="Rectangle: Rounded Corners 6"/>
+              <p:cNvSpPr/>
+              <p:nvPr/>
+            </p:nvSpPr>
+            <p:spPr>
+              <a:xfrm>
+                <a:off x="3960812" y="3276600"/>
+                <a:ext cx="3074344" cy="1542496"/>
+              </a:xfrm>
+              <a:prstGeom prst="roundRect">
+                <a:avLst>
+                  <a:gd name="adj" fmla="val 5385"/>
+                </a:avLst>
+              </a:prstGeom>
+              <a:ln>
+                <a:prstDash val="dash"/>
+              </a:ln>
+            </p:spPr>
+            <p:style>
+              <a:lnRef idx="2">
+                <a:schemeClr val="accent6">
+                  <a:shade val="50000"/>
+                </a:schemeClr>
+              </a:lnRef>
+              <a:fillRef idx="1">
+                <a:schemeClr val="accent6"/>
+              </a:fillRef>
+              <a:effectRef idx="0">
+                <a:schemeClr val="accent6"/>
+              </a:effectRef>
+              <a:fontRef idx="minor">
+                <a:schemeClr val="lt1"/>
+              </a:fontRef>
+            </p:style>
+            <p:txBody>
+              <a:bodyPr rtlCol="0" anchor="t"/>
+              <a:lstStyle/>
+              <a:p>
+                <a:endParaRPr lang="en-US" sz="2800" b="1" dirty="0">
+                  <a:solidFill>
+                    <a:schemeClr val="tx1"/>
+                  </a:solidFill>
+                  <a:latin typeface="Consolas" panose="020B0609020204030204" pitchFamily="49" charset="0"/>
+                </a:endParaRPr>
+              </a:p>
+            </p:txBody>
+          </p:sp>
+          <p:sp>
+            <p:nvSpPr>
+              <p:cNvPr id="9" name="Rectangle 8"/>
+              <p:cNvSpPr/>
+              <p:nvPr/>
+            </p:nvSpPr>
+            <p:spPr>
+              <a:xfrm>
+                <a:off x="4856861" y="4133294"/>
+                <a:ext cx="1832439" cy="523220"/>
+              </a:xfrm>
+              <a:prstGeom prst="rect">
+                <a:avLst/>
+              </a:prstGeom>
+              <a:ln>
+                <a:prstDash val="dash"/>
+              </a:ln>
+            </p:spPr>
+            <p:style>
+              <a:lnRef idx="2">
+                <a:schemeClr val="accent6">
+                  <a:shade val="50000"/>
+                </a:schemeClr>
+              </a:lnRef>
+              <a:fillRef idx="1">
+                <a:schemeClr val="accent6"/>
+              </a:fillRef>
+              <a:effectRef idx="0">
+                <a:schemeClr val="accent6"/>
+              </a:effectRef>
+              <a:fontRef idx="minor">
+                <a:schemeClr val="lt1"/>
+              </a:fontRef>
+            </p:style>
+            <p:txBody>
+              <a:bodyPr rtlCol="0" anchor="t"/>
+              <a:lstStyle/>
+              <a:p>
+                <a:r>
+                  <a:rPr lang="en-US" sz="2400" b="1" dirty="0">
+                    <a:solidFill>
+                      <a:schemeClr val="bg1"/>
+                    </a:solidFill>
+                    <a:latin typeface="Consolas" panose="020B0609020204030204" pitchFamily="49" charset="0"/>
+                  </a:rPr>
+                  <a:t>__proto__</a:t>
+                </a:r>
+              </a:p>
+            </p:txBody>
+          </p:sp>
+          <p:sp>
+            <p:nvSpPr>
+              <p:cNvPr id="10" name="Oval 9"/>
+              <p:cNvSpPr/>
+              <p:nvPr/>
+            </p:nvSpPr>
+            <p:spPr>
+              <a:xfrm>
+                <a:off x="4427249" y="4269610"/>
+                <a:ext cx="321960" cy="306000"/>
+              </a:xfrm>
+              <a:prstGeom prst="ellipse">
+                <a:avLst/>
+              </a:prstGeom>
+              <a:ln>
+                <a:prstDash val="dash"/>
+              </a:ln>
+            </p:spPr>
+            <p:style>
+              <a:lnRef idx="2">
+                <a:schemeClr val="accent6">
+                  <a:shade val="50000"/>
+                </a:schemeClr>
+              </a:lnRef>
+              <a:fillRef idx="1">
+                <a:schemeClr val="accent6"/>
+              </a:fillRef>
+              <a:effectRef idx="0">
+                <a:schemeClr val="accent6"/>
+              </a:effectRef>
+              <a:fontRef idx="minor">
+                <a:schemeClr val="lt1"/>
+              </a:fontRef>
+            </p:style>
+            <p:txBody>
+              <a:bodyPr rtlCol="0" anchor="t"/>
+              <a:lstStyle/>
+              <a:p>
+                <a:endParaRPr lang="en-US" sz="2800" b="1">
+                  <a:solidFill>
+                    <a:schemeClr val="tx1"/>
+                  </a:solidFill>
+                  <a:latin typeface="Consolas" panose="020B0609020204030204" pitchFamily="49" charset="0"/>
+                </a:endParaRPr>
+              </a:p>
+            </p:txBody>
+          </p:sp>
+          <p:sp>
+            <p:nvSpPr>
+              <p:cNvPr id="11" name="Rectangle: Rounded Corners 13"/>
+              <p:cNvSpPr/>
+              <p:nvPr/>
+            </p:nvSpPr>
+            <p:spPr>
+              <a:xfrm>
+                <a:off x="4334186" y="3465357"/>
+                <a:ext cx="2355114" cy="539172"/>
+              </a:xfrm>
+              <a:prstGeom prst="roundRect">
+                <a:avLst>
+                  <a:gd name="adj" fmla="val 5319"/>
+                </a:avLst>
+              </a:prstGeom>
+              <a:ln>
+                <a:prstDash val="dash"/>
+              </a:ln>
+            </p:spPr>
+            <p:style>
+              <a:lnRef idx="2">
+                <a:schemeClr val="accent6">
+                  <a:shade val="50000"/>
+                </a:schemeClr>
+              </a:lnRef>
+              <a:fillRef idx="1">
+                <a:schemeClr val="accent6"/>
+              </a:fillRef>
+              <a:effectRef idx="0">
+                <a:schemeClr val="accent6"/>
+              </a:effectRef>
+              <a:fontRef idx="minor">
+                <a:schemeClr val="lt1"/>
+              </a:fontRef>
+            </p:style>
+            <p:txBody>
+              <a:bodyPr rtlCol="0" anchor="t"/>
+              <a:lstStyle/>
+              <a:p>
+                <a:pPr algn="ctr"/>
+                <a:r>
+                  <a:rPr lang="en-US" sz="2600" b="1" noProof="1">
+                    <a:solidFill>
+                      <a:schemeClr val="tx1"/>
+                    </a:solidFill>
+                    <a:latin typeface="Consolas" panose="020B0609020204030204" pitchFamily="49" charset="0"/>
+                  </a:rPr>
+                  <a:t>toString()</a:t>
+                </a:r>
+              </a:p>
+            </p:txBody>
+          </p:sp>
+        </p:grpSp>
+        <p:grpSp>
+          <p:nvGrpSpPr>
+            <p:cNvPr id="12" name="Group 11"/>
+            <p:cNvGrpSpPr/>
+            <p:nvPr/>
+          </p:nvGrpSpPr>
+          <p:grpSpPr>
+            <a:xfrm>
+              <a:off x="8350366" y="2395471"/>
+              <a:ext cx="3074344" cy="2588009"/>
+              <a:chOff x="8457309" y="4038600"/>
+              <a:chExt cx="3074344" cy="2543018"/>
+            </a:xfrm>
+          </p:grpSpPr>
+          <p:sp>
+            <p:nvSpPr>
+              <p:cNvPr id="13" name="Rectangle: Rounded Corners 6"/>
+              <p:cNvSpPr/>
+              <p:nvPr/>
+            </p:nvSpPr>
+            <p:spPr>
+              <a:xfrm>
+                <a:off x="8457309" y="4038600"/>
+                <a:ext cx="3074344" cy="2543018"/>
+              </a:xfrm>
+              <a:prstGeom prst="roundRect">
+                <a:avLst>
+                  <a:gd name="adj" fmla="val 5385"/>
+                </a:avLst>
+              </a:prstGeom>
+              <a:ln>
+                <a:prstDash val="dash"/>
+              </a:ln>
+            </p:spPr>
+            <p:style>
+              <a:lnRef idx="2">
+                <a:schemeClr val="accent6">
+                  <a:shade val="50000"/>
+                </a:schemeClr>
+              </a:lnRef>
+              <a:fillRef idx="1">
+                <a:schemeClr val="accent6"/>
+              </a:fillRef>
+              <a:effectRef idx="0">
+                <a:schemeClr val="accent6"/>
+              </a:effectRef>
+              <a:fontRef idx="minor">
+                <a:schemeClr val="lt1"/>
+              </a:fontRef>
+            </p:style>
+            <p:txBody>
+              <a:bodyPr rtlCol="0" anchor="t"/>
+              <a:lstStyle/>
+              <a:p>
+                <a:endParaRPr lang="en-US" sz="2800" b="1" dirty="0">
+                  <a:solidFill>
+                    <a:schemeClr val="tx1"/>
+                  </a:solidFill>
+                  <a:latin typeface="Consolas" panose="020B0609020204030204" pitchFamily="49" charset="0"/>
+                </a:endParaRPr>
+              </a:p>
+            </p:txBody>
+          </p:sp>
+          <p:sp>
+            <p:nvSpPr>
+              <p:cNvPr id="14" name="Rectangle 13"/>
+              <p:cNvSpPr/>
+              <p:nvPr/>
+            </p:nvSpPr>
+            <p:spPr>
+              <a:xfrm>
+                <a:off x="9353358" y="5895816"/>
+                <a:ext cx="1951837" cy="523220"/>
+              </a:xfrm>
+              <a:prstGeom prst="rect">
+                <a:avLst/>
+              </a:prstGeom>
+              <a:ln>
+                <a:prstDash val="dash"/>
+              </a:ln>
+            </p:spPr>
+            <p:style>
+              <a:lnRef idx="2">
+                <a:schemeClr val="accent6">
+                  <a:shade val="50000"/>
+                </a:schemeClr>
+              </a:lnRef>
+              <a:fillRef idx="1">
+                <a:schemeClr val="accent6"/>
+              </a:fillRef>
+              <a:effectRef idx="0">
+                <a:schemeClr val="accent6"/>
+              </a:effectRef>
+              <a:fontRef idx="minor">
+                <a:schemeClr val="lt1"/>
+              </a:fontRef>
+            </p:style>
+            <p:txBody>
+              <a:bodyPr rtlCol="0" anchor="t"/>
+              <a:lstStyle/>
+              <a:p>
+                <a:pPr algn="ctr"/>
+                <a:r>
+                  <a:rPr lang="en-US" sz="2400" b="1" dirty="0">
+                    <a:solidFill>
+                      <a:schemeClr val="bg1"/>
+                    </a:solidFill>
+                    <a:latin typeface="Consolas" panose="020B0609020204030204" pitchFamily="49" charset="0"/>
+                  </a:rPr>
+                  <a:t>__proto__</a:t>
+                </a:r>
+              </a:p>
+            </p:txBody>
+          </p:sp>
+          <p:sp>
+            <p:nvSpPr>
+              <p:cNvPr id="15" name="Oval 14"/>
+              <p:cNvSpPr/>
+              <p:nvPr/>
+            </p:nvSpPr>
+            <p:spPr>
+              <a:xfrm>
+                <a:off x="8923746" y="6032132"/>
+                <a:ext cx="321960" cy="306000"/>
+              </a:xfrm>
+              <a:prstGeom prst="ellipse">
+                <a:avLst/>
+              </a:prstGeom>
+              <a:ln>
+                <a:prstDash val="dash"/>
+              </a:ln>
+            </p:spPr>
+            <p:style>
+              <a:lnRef idx="2">
+                <a:schemeClr val="accent6">
+                  <a:shade val="50000"/>
+                </a:schemeClr>
+              </a:lnRef>
+              <a:fillRef idx="1">
+                <a:schemeClr val="accent6"/>
+              </a:fillRef>
+              <a:effectRef idx="0">
+                <a:schemeClr val="accent6"/>
+              </a:effectRef>
+              <a:fontRef idx="minor">
+                <a:schemeClr val="lt1"/>
+              </a:fontRef>
+            </p:style>
+            <p:txBody>
+              <a:bodyPr rtlCol="0" anchor="t"/>
+              <a:lstStyle/>
+              <a:p>
+                <a:endParaRPr lang="en-US" sz="2800" b="1">
+                  <a:solidFill>
+                    <a:schemeClr val="tx1"/>
+                  </a:solidFill>
+                  <a:latin typeface="Consolas" panose="020B0609020204030204" pitchFamily="49" charset="0"/>
+                </a:endParaRPr>
+              </a:p>
+            </p:txBody>
+          </p:sp>
+          <p:sp>
+            <p:nvSpPr>
+              <p:cNvPr id="16" name="Rectangle: Rounded Corners 13"/>
+              <p:cNvSpPr/>
+              <p:nvPr/>
+            </p:nvSpPr>
+            <p:spPr>
+              <a:xfrm>
+                <a:off x="8830685" y="5322190"/>
+                <a:ext cx="2474510" cy="466456"/>
+              </a:xfrm>
+              <a:prstGeom prst="roundRect">
+                <a:avLst>
+                  <a:gd name="adj" fmla="val 5319"/>
+                </a:avLst>
+              </a:prstGeom>
+              <a:ln>
+                <a:prstDash val="dash"/>
+              </a:ln>
+            </p:spPr>
+            <p:style>
+              <a:lnRef idx="2">
+                <a:schemeClr val="accent6">
+                  <a:shade val="50000"/>
+                </a:schemeClr>
+              </a:lnRef>
+              <a:fillRef idx="1">
+                <a:schemeClr val="accent6"/>
+              </a:fillRef>
+              <a:effectRef idx="0">
+                <a:schemeClr val="accent6"/>
+              </a:effectRef>
+              <a:fontRef idx="minor">
+                <a:schemeClr val="lt1"/>
+              </a:fontRef>
+            </p:style>
+            <p:txBody>
+              <a:bodyPr rtlCol="0" anchor="t"/>
+              <a:lstStyle/>
+              <a:p>
+                <a:pPr algn="ctr"/>
+                <a:r>
+                  <a:rPr lang="en-US" sz="2600" b="1" dirty="0">
+                    <a:solidFill>
+                      <a:schemeClr val="tx1"/>
+                    </a:solidFill>
+                    <a:latin typeface="Consolas" panose="020B0609020204030204" pitchFamily="49" charset="0"/>
+                  </a:rPr>
+                  <a:t>subject</a:t>
+                </a:r>
+              </a:p>
+            </p:txBody>
+          </p:sp>
+          <p:sp>
+            <p:nvSpPr>
+              <p:cNvPr id="17" name="Rectangle: Rounded Corners 13"/>
+              <p:cNvSpPr/>
+              <p:nvPr/>
+            </p:nvSpPr>
+            <p:spPr>
+              <a:xfrm>
+                <a:off x="8830682" y="4222011"/>
+                <a:ext cx="2474512" cy="448380"/>
+              </a:xfrm>
+              <a:prstGeom prst="roundRect">
+                <a:avLst>
+                  <a:gd name="adj" fmla="val 5319"/>
+                </a:avLst>
+              </a:prstGeom>
+              <a:ln>
+                <a:prstDash val="dash"/>
+              </a:ln>
+            </p:spPr>
+            <p:style>
+              <a:lnRef idx="2">
+                <a:schemeClr val="accent6">
+                  <a:shade val="50000"/>
+                </a:schemeClr>
+              </a:lnRef>
+              <a:fillRef idx="1">
+                <a:schemeClr val="accent6"/>
+              </a:fillRef>
+              <a:effectRef idx="0">
+                <a:schemeClr val="accent6"/>
+              </a:effectRef>
+              <a:fontRef idx="minor">
+                <a:schemeClr val="lt1"/>
+              </a:fontRef>
+            </p:style>
+            <p:txBody>
+              <a:bodyPr rtlCol="0" anchor="t"/>
+              <a:lstStyle/>
+              <a:p>
+                <a:pPr algn="ctr"/>
+                <a:r>
+                  <a:rPr lang="en-US" sz="2600" b="1" dirty="0">
+                    <a:solidFill>
+                      <a:schemeClr val="tx1"/>
+                    </a:solidFill>
+                    <a:latin typeface="Consolas" panose="020B0609020204030204" pitchFamily="49" charset="0"/>
+                  </a:rPr>
+                  <a:t>name</a:t>
+                </a:r>
+              </a:p>
+            </p:txBody>
+          </p:sp>
+          <p:sp>
+            <p:nvSpPr>
+              <p:cNvPr id="18" name="Rectangle: Rounded Corners 13"/>
+              <p:cNvSpPr/>
+              <p:nvPr/>
+            </p:nvSpPr>
+            <p:spPr>
+              <a:xfrm>
+                <a:off x="8830683" y="4777560"/>
+                <a:ext cx="2474511" cy="449884"/>
+              </a:xfrm>
+              <a:prstGeom prst="roundRect">
+                <a:avLst>
+                  <a:gd name="adj" fmla="val 5319"/>
+                </a:avLst>
+              </a:prstGeom>
+              <a:ln>
+                <a:prstDash val="dash"/>
+              </a:ln>
+            </p:spPr>
+            <p:style>
+              <a:lnRef idx="2">
+                <a:schemeClr val="accent6">
+                  <a:shade val="50000"/>
+                </a:schemeClr>
+              </a:lnRef>
+              <a:fillRef idx="1">
+                <a:schemeClr val="accent6"/>
+              </a:fillRef>
+              <a:effectRef idx="0">
+                <a:schemeClr val="accent6"/>
+              </a:effectRef>
+              <a:fontRef idx="minor">
+                <a:schemeClr val="lt1"/>
+              </a:fontRef>
+            </p:style>
+            <p:txBody>
+              <a:bodyPr rtlCol="0" anchor="t"/>
+              <a:lstStyle/>
+              <a:p>
+                <a:pPr algn="ctr"/>
+                <a:r>
+                  <a:rPr lang="en-US" sz="2600" b="1" dirty="0">
+                    <a:solidFill>
+                      <a:schemeClr val="tx1"/>
+                    </a:solidFill>
+                    <a:latin typeface="Consolas" panose="020B0609020204030204" pitchFamily="49" charset="0"/>
+                  </a:rPr>
+                  <a:t>email</a:t>
+                </a:r>
+              </a:p>
+            </p:txBody>
+          </p:sp>
+        </p:grpSp>
+        <p:grpSp>
+          <p:nvGrpSpPr>
+            <p:cNvPr id="19" name="Group 18"/>
+            <p:cNvGrpSpPr/>
+            <p:nvPr/>
+          </p:nvGrpSpPr>
+          <p:grpSpPr>
+            <a:xfrm>
+              <a:off x="555269" y="3207156"/>
+              <a:ext cx="3074344" cy="1542496"/>
+              <a:chOff x="3960812" y="3276600"/>
+              <a:chExt cx="3074344" cy="1542496"/>
+            </a:xfrm>
+          </p:grpSpPr>
+          <p:sp>
+            <p:nvSpPr>
+              <p:cNvPr id="20" name="Rectangle: Rounded Corners 6"/>
+              <p:cNvSpPr/>
+              <p:nvPr/>
+            </p:nvSpPr>
+            <p:spPr>
+              <a:xfrm>
+                <a:off x="3960812" y="3276600"/>
+                <a:ext cx="3074344" cy="1542496"/>
+              </a:xfrm>
+              <a:prstGeom prst="roundRect">
+                <a:avLst>
+                  <a:gd name="adj" fmla="val 5385"/>
+                </a:avLst>
+              </a:prstGeom>
+              <a:ln>
+                <a:prstDash val="dash"/>
+              </a:ln>
+            </p:spPr>
+            <p:style>
+              <a:lnRef idx="2">
+                <a:schemeClr val="accent6">
+                  <a:shade val="50000"/>
+                </a:schemeClr>
+              </a:lnRef>
+              <a:fillRef idx="1">
+                <a:schemeClr val="accent6"/>
+              </a:fillRef>
+              <a:effectRef idx="0">
+                <a:schemeClr val="accent6"/>
+              </a:effectRef>
+              <a:fontRef idx="minor">
+                <a:schemeClr val="lt1"/>
+              </a:fontRef>
+            </p:style>
+            <p:txBody>
+              <a:bodyPr rtlCol="0" anchor="t"/>
+              <a:lstStyle/>
+              <a:p>
+                <a:endParaRPr lang="en-US" sz="2800" b="1" dirty="0">
+                  <a:solidFill>
+                    <a:schemeClr val="tx1"/>
+                  </a:solidFill>
+                  <a:latin typeface="Consolas" panose="020B0609020204030204" pitchFamily="49" charset="0"/>
+                </a:endParaRPr>
+              </a:p>
+            </p:txBody>
+          </p:sp>
+          <p:sp>
+            <p:nvSpPr>
+              <p:cNvPr id="21" name="Rectangle 20"/>
+              <p:cNvSpPr/>
+              <p:nvPr/>
+            </p:nvSpPr>
+            <p:spPr>
+              <a:xfrm>
+                <a:off x="4856861" y="4133294"/>
+                <a:ext cx="1832439" cy="523220"/>
+              </a:xfrm>
+              <a:prstGeom prst="rect">
+                <a:avLst/>
+              </a:prstGeom>
+              <a:ln>
+                <a:prstDash val="dash"/>
+              </a:ln>
+            </p:spPr>
+            <p:style>
+              <a:lnRef idx="2">
+                <a:schemeClr val="accent6">
+                  <a:shade val="50000"/>
+                </a:schemeClr>
+              </a:lnRef>
+              <a:fillRef idx="1">
+                <a:schemeClr val="accent6"/>
+              </a:fillRef>
+              <a:effectRef idx="0">
+                <a:schemeClr val="accent6"/>
+              </a:effectRef>
+              <a:fontRef idx="minor">
+                <a:schemeClr val="lt1"/>
+              </a:fontRef>
+            </p:style>
+            <p:txBody>
+              <a:bodyPr rtlCol="0" anchor="t"/>
+              <a:lstStyle/>
+              <a:p>
+                <a:r>
+                  <a:rPr lang="en-US" sz="2400" b="1" dirty="0">
+                    <a:solidFill>
+                      <a:schemeClr val="bg1"/>
+                    </a:solidFill>
+                    <a:latin typeface="Consolas" panose="020B0609020204030204" pitchFamily="49" charset="0"/>
+                  </a:rPr>
+                  <a:t>__proto__</a:t>
+                </a:r>
+              </a:p>
+            </p:txBody>
+          </p:sp>
+          <p:sp>
+            <p:nvSpPr>
+              <p:cNvPr id="22" name="Oval 21"/>
+              <p:cNvSpPr/>
+              <p:nvPr/>
+            </p:nvSpPr>
+            <p:spPr>
+              <a:xfrm>
+                <a:off x="4427249" y="4269610"/>
+                <a:ext cx="321960" cy="306000"/>
+              </a:xfrm>
+              <a:prstGeom prst="ellipse">
+                <a:avLst/>
+              </a:prstGeom>
+              <a:ln>
+                <a:prstDash val="dash"/>
+              </a:ln>
+            </p:spPr>
+            <p:style>
+              <a:lnRef idx="2">
+                <a:schemeClr val="accent6">
+                  <a:shade val="50000"/>
+                </a:schemeClr>
+              </a:lnRef>
+              <a:fillRef idx="1">
+                <a:schemeClr val="accent6"/>
+              </a:fillRef>
+              <a:effectRef idx="0">
+                <a:schemeClr val="accent6"/>
+              </a:effectRef>
+              <a:fontRef idx="minor">
+                <a:schemeClr val="lt1"/>
+              </a:fontRef>
+            </p:style>
+            <p:txBody>
+              <a:bodyPr rtlCol="0" anchor="t"/>
+              <a:lstStyle/>
+              <a:p>
+                <a:endParaRPr lang="en-US" sz="2800" b="1">
+                  <a:solidFill>
+                    <a:schemeClr val="tx1"/>
+                  </a:solidFill>
+                  <a:latin typeface="Consolas" panose="020B0609020204030204" pitchFamily="49" charset="0"/>
+                </a:endParaRPr>
+              </a:p>
+            </p:txBody>
+          </p:sp>
+          <p:sp>
+            <p:nvSpPr>
+              <p:cNvPr id="23" name="Rectangle: Rounded Corners 13"/>
+              <p:cNvSpPr/>
+              <p:nvPr/>
+            </p:nvSpPr>
+            <p:spPr>
+              <a:xfrm>
+                <a:off x="4334186" y="3465357"/>
+                <a:ext cx="2355114" cy="539172"/>
+              </a:xfrm>
+              <a:prstGeom prst="roundRect">
+                <a:avLst>
+                  <a:gd name="adj" fmla="val 5319"/>
+                </a:avLst>
+              </a:prstGeom>
+              <a:ln>
+                <a:prstDash val="dash"/>
+              </a:ln>
+            </p:spPr>
+            <p:style>
+              <a:lnRef idx="2">
+                <a:schemeClr val="accent6">
+                  <a:shade val="50000"/>
+                </a:schemeClr>
+              </a:lnRef>
+              <a:fillRef idx="1">
+                <a:schemeClr val="accent6"/>
+              </a:fillRef>
+              <a:effectRef idx="0">
+                <a:schemeClr val="accent6"/>
+              </a:effectRef>
+              <a:fontRef idx="minor">
+                <a:schemeClr val="lt1"/>
+              </a:fontRef>
+            </p:style>
+            <p:txBody>
+              <a:bodyPr rtlCol="0" anchor="t"/>
+              <a:lstStyle/>
+              <a:p>
+                <a:pPr algn="ctr"/>
+                <a:r>
+                  <a:rPr lang="en-US" sz="2600" b="1" noProof="1">
+                    <a:solidFill>
+                      <a:schemeClr val="tx1"/>
+                    </a:solidFill>
+                    <a:latin typeface="Consolas" panose="020B0609020204030204" pitchFamily="49" charset="0"/>
+                  </a:rPr>
+                  <a:t>toString()</a:t>
+                </a:r>
+              </a:p>
+            </p:txBody>
+          </p:sp>
+        </p:grpSp>
+        <p:cxnSp>
+          <p:nvCxnSpPr>
+            <p:cNvPr id="24" name="Straight Connector 21"/>
+            <p:cNvCxnSpPr>
+              <a:cxnSpLocks/>
+              <a:stCxn id="15" idx="2"/>
+              <a:endCxn id="8" idx="3"/>
+            </p:cNvCxnSpPr>
+            <p:nvPr/>
+          </p:nvCxnSpPr>
+          <p:spPr>
+            <a:xfrm rot="10800000">
+              <a:off x="7517175" y="4002382"/>
+              <a:ext cx="1299629" cy="577599"/>
+            </a:xfrm>
+            <a:prstGeom prst="bentConnector3">
+              <a:avLst>
+                <a:gd name="adj1" fmla="val 50000"/>
+              </a:avLst>
+            </a:prstGeom>
+            <a:solidFill>
+              <a:srgbClr val="F0A22E">
+                <a:alpha val="25098"/>
+              </a:srgbClr>
+            </a:solidFill>
+            <a:ln w="50800">
+              <a:solidFill>
+                <a:srgbClr val="F3CD60"/>
+              </a:solidFill>
+              <a:prstDash val="solid"/>
+              <a:tailEnd type="triangle" w="lg" len="lg"/>
+            </a:ln>
+          </p:spPr>
+          <p:style>
+            <a:lnRef idx="2">
+              <a:schemeClr val="accent1">
+                <a:shade val="50000"/>
+              </a:schemeClr>
+            </a:lnRef>
+            <a:fillRef idx="1">
+              <a:schemeClr val="accent1"/>
+            </a:fillRef>
+            <a:effectRef idx="0">
+              <a:schemeClr val="accent1"/>
+            </a:effectRef>
+            <a:fontRef idx="minor">
+              <a:schemeClr val="lt1"/>
+            </a:fontRef>
+          </p:style>
+        </p:cxnSp>
+        <p:cxnSp>
+          <p:nvCxnSpPr>
+            <p:cNvPr id="25" name="Straight Connector 26"/>
+            <p:cNvCxnSpPr>
+              <a:stCxn id="10" idx="2"/>
+              <a:endCxn id="20" idx="3"/>
+            </p:cNvCxnSpPr>
+            <p:nvPr/>
+          </p:nvCxnSpPr>
+          <p:spPr>
+            <a:xfrm rot="10800000">
+              <a:off x="3629613" y="3978405"/>
+              <a:ext cx="1279654" cy="398739"/>
+            </a:xfrm>
+            <a:prstGeom prst="bentConnector3">
+              <a:avLst>
+                <a:gd name="adj1" fmla="val 50000"/>
+              </a:avLst>
+            </a:prstGeom>
+            <a:solidFill>
+              <a:srgbClr val="F0A22E">
+                <a:alpha val="25098"/>
+              </a:srgbClr>
+            </a:solidFill>
+            <a:ln w="50800">
+              <a:solidFill>
+                <a:srgbClr val="F3CD60"/>
+              </a:solidFill>
+              <a:prstDash val="solid"/>
+              <a:tailEnd type="triangle" w="lg" len="lg"/>
+            </a:ln>
+          </p:spPr>
+          <p:style>
+            <a:lnRef idx="2">
+              <a:schemeClr val="accent1">
+                <a:shade val="50000"/>
+              </a:schemeClr>
+            </a:lnRef>
+            <a:fillRef idx="1">
+              <a:schemeClr val="accent1"/>
+            </a:fillRef>
+            <a:effectRef idx="0">
+              <a:schemeClr val="accent1"/>
+            </a:effectRef>
+            <a:fontRef idx="minor">
+              <a:schemeClr val="lt1"/>
+            </a:fontRef>
+          </p:style>
+        </p:cxnSp>
+        <p:sp>
+          <p:nvSpPr>
+            <p:cNvPr id="26" name="TextBox 25"/>
+            <p:cNvSpPr txBox="1"/>
+            <p:nvPr/>
+          </p:nvSpPr>
+          <p:spPr>
+            <a:xfrm>
+              <a:off x="4249205" y="2608545"/>
+              <a:ext cx="3536546" cy="523220"/>
+            </a:xfrm>
+            <a:prstGeom prst="rect">
+              <a:avLst/>
+            </a:prstGeom>
+            <a:noFill/>
+          </p:spPr>
+          <p:txBody>
+            <a:bodyPr wrap="none" rtlCol="0">
+              <a:spAutoFit/>
+            </a:bodyPr>
+            <a:lstStyle/>
+            <a:p>
+              <a:r>
+                <a:rPr lang="en-US" sz="2800" b="1" noProof="1">
+                  <a:solidFill>
+                    <a:schemeClr val="bg1"/>
+                  </a:solidFill>
+                  <a:latin typeface="Consolas" panose="020B0609020204030204" pitchFamily="49" charset="0"/>
+                </a:rPr>
+                <a:t>Teacher.</a:t>
+              </a:r>
+              <a:r>
+                <a:rPr lang="en-US" sz="2800" b="1" noProof="1">
+                  <a:solidFill>
+                    <a:schemeClr val="tx2">
+                      <a:lumMod val="75000"/>
+                    </a:schemeClr>
+                  </a:solidFill>
+                  <a:latin typeface="Consolas" panose="020B0609020204030204" pitchFamily="49" charset="0"/>
+                </a:rPr>
+                <a:t>prototype</a:t>
+              </a:r>
+              <a:endParaRPr lang="en-US" sz="2800" noProof="1">
+                <a:solidFill>
+                  <a:srgbClr val="FBEEDC"/>
+                </a:solidFill>
+                <a:latin typeface="Consolas" panose="020B0609020204030204" pitchFamily="49" charset="0"/>
+              </a:endParaRPr>
+            </a:p>
+          </p:txBody>
+        </p:sp>
+        <p:sp>
+          <p:nvSpPr>
+            <p:cNvPr id="27" name="TextBox 26"/>
+            <p:cNvSpPr txBox="1"/>
+            <p:nvPr/>
+          </p:nvSpPr>
+          <p:spPr>
+            <a:xfrm>
+              <a:off x="411629" y="2530282"/>
+              <a:ext cx="3339376" cy="523220"/>
+            </a:xfrm>
+            <a:prstGeom prst="rect">
+              <a:avLst/>
+            </a:prstGeom>
+            <a:noFill/>
+          </p:spPr>
+          <p:txBody>
+            <a:bodyPr wrap="none" rtlCol="0">
+              <a:spAutoFit/>
+            </a:bodyPr>
+            <a:lstStyle/>
+            <a:p>
+              <a:r>
+                <a:rPr lang="en-US" sz="2800" b="1" noProof="1">
+                  <a:solidFill>
+                    <a:schemeClr val="bg1"/>
+                  </a:solidFill>
+                  <a:latin typeface="Consolas" panose="020B0609020204030204" pitchFamily="49" charset="0"/>
+                </a:rPr>
+                <a:t>Person.</a:t>
+              </a:r>
+              <a:r>
+                <a:rPr lang="en-US" sz="2800" b="1" noProof="1">
+                  <a:solidFill>
+                    <a:schemeClr val="tx2">
+                      <a:lumMod val="75000"/>
+                    </a:schemeClr>
+                  </a:solidFill>
+                  <a:latin typeface="Consolas" panose="020B0609020204030204" pitchFamily="49" charset="0"/>
+                </a:rPr>
+                <a:t>prototype</a:t>
+              </a:r>
+              <a:endParaRPr lang="en-US" sz="2800" noProof="1">
+                <a:solidFill>
+                  <a:srgbClr val="FBEEDC"/>
+                </a:solidFill>
+                <a:latin typeface="Consolas" panose="020B0609020204030204" pitchFamily="49" charset="0"/>
+              </a:endParaRPr>
+            </a:p>
+          </p:txBody>
+        </p:sp>
+        <p:grpSp>
+          <p:nvGrpSpPr>
+            <p:cNvPr id="28" name="Group 27">
+              <a:extLst>
+                <a:ext uri="{FF2B5EF4-FFF2-40B4-BE49-F238E27FC236}">
+                  <a16:creationId xmlns:a16="http://schemas.microsoft.com/office/drawing/2014/main" id="{FDCE0FAC-D384-4174-80E3-F3A2956236D3}"/>
+                </a:ext>
+              </a:extLst>
+            </p:cNvPr>
+            <p:cNvGrpSpPr/>
+            <p:nvPr/>
+          </p:nvGrpSpPr>
+          <p:grpSpPr>
+            <a:xfrm>
+              <a:off x="4124378" y="1619664"/>
+              <a:ext cx="3756235" cy="4081756"/>
+              <a:chOff x="4330455" y="2323951"/>
+              <a:chExt cx="3478856" cy="3266420"/>
+            </a:xfrm>
+            <a:noFill/>
+          </p:grpSpPr>
+          <p:sp>
+            <p:nvSpPr>
+              <p:cNvPr id="42" name="Rectangle: Rounded Corners 41">
+                <a:extLst>
+                  <a:ext uri="{FF2B5EF4-FFF2-40B4-BE49-F238E27FC236}">
+                    <a16:creationId xmlns:a16="http://schemas.microsoft.com/office/drawing/2014/main" id="{640DABCE-715C-4DF2-8181-9DABB8306744}"/>
+                  </a:ext>
+                </a:extLst>
+              </p:cNvPr>
+              <p:cNvSpPr/>
+              <p:nvPr/>
+            </p:nvSpPr>
+            <p:spPr>
+              <a:xfrm>
+                <a:off x="4330455" y="2323951"/>
+                <a:ext cx="3478856" cy="3266420"/>
+              </a:xfrm>
+              <a:prstGeom prst="roundRect">
+                <a:avLst>
+                  <a:gd name="adj" fmla="val 5385"/>
+                </a:avLst>
+              </a:prstGeom>
+              <a:grpFill/>
+              <a:ln w="57150">
+                <a:solidFill>
+                  <a:srgbClr val="F3CD60"/>
+                </a:solidFill>
+                <a:prstDash val="sysDash"/>
+              </a:ln>
+            </p:spPr>
+            <p:style>
+              <a:lnRef idx="2">
+                <a:schemeClr val="accent1">
+                  <a:shade val="50000"/>
+                </a:schemeClr>
+              </a:lnRef>
+              <a:fillRef idx="1">
+                <a:schemeClr val="accent1"/>
+              </a:fillRef>
+              <a:effectRef idx="0">
+                <a:schemeClr val="accent1"/>
+              </a:effectRef>
+              <a:fontRef idx="minor">
+                <a:schemeClr val="lt1"/>
+              </a:fontRef>
+            </p:style>
+            <p:txBody>
+              <a:bodyPr rtlCol="0" anchor="ctr"/>
+              <a:lstStyle>
+                <a:defPPr>
+                  <a:defRPr lang="en-US"/>
+                </a:defPPr>
+                <a:lvl1pPr marL="0" algn="l" defTabSz="1218987" rtl="0" eaLnBrk="1" latinLnBrk="0" hangingPunct="1">
+                  <a:defRPr sz="2400" kern="1200">
+                    <a:solidFill>
+                      <a:schemeClr val="lt1"/>
+                    </a:solidFill>
+                    <a:latin typeface="+mn-lt"/>
+                    <a:ea typeface="+mn-ea"/>
+                    <a:cs typeface="+mn-cs"/>
+                  </a:defRPr>
+                </a:lvl1pPr>
+                <a:lvl2pPr marL="609493" algn="l" defTabSz="1218987" rtl="0" eaLnBrk="1" latinLnBrk="0" hangingPunct="1">
+                  <a:defRPr sz="2400" kern="1200">
+                    <a:solidFill>
+                      <a:schemeClr val="lt1"/>
+                    </a:solidFill>
+                    <a:latin typeface="+mn-lt"/>
+                    <a:ea typeface="+mn-ea"/>
+                    <a:cs typeface="+mn-cs"/>
+                  </a:defRPr>
+                </a:lvl2pPr>
+                <a:lvl3pPr marL="1218987" algn="l" defTabSz="1218987" rtl="0" eaLnBrk="1" latinLnBrk="0" hangingPunct="1">
+                  <a:defRPr sz="2400" kern="1200">
+                    <a:solidFill>
+                      <a:schemeClr val="lt1"/>
+                    </a:solidFill>
+                    <a:latin typeface="+mn-lt"/>
+                    <a:ea typeface="+mn-ea"/>
+                    <a:cs typeface="+mn-cs"/>
+                  </a:defRPr>
+                </a:lvl3pPr>
+                <a:lvl4pPr marL="1828480" algn="l" defTabSz="1218987" rtl="0" eaLnBrk="1" latinLnBrk="0" hangingPunct="1">
+                  <a:defRPr sz="2400" kern="1200">
+                    <a:solidFill>
+                      <a:schemeClr val="lt1"/>
+                    </a:solidFill>
+                    <a:latin typeface="+mn-lt"/>
+                    <a:ea typeface="+mn-ea"/>
+                    <a:cs typeface="+mn-cs"/>
+                  </a:defRPr>
+                </a:lvl4pPr>
+                <a:lvl5pPr marL="2437973" algn="l" defTabSz="1218987" rtl="0" eaLnBrk="1" latinLnBrk="0" hangingPunct="1">
+                  <a:defRPr sz="2400" kern="1200">
+                    <a:solidFill>
+                      <a:schemeClr val="lt1"/>
+                    </a:solidFill>
+                    <a:latin typeface="+mn-lt"/>
+                    <a:ea typeface="+mn-ea"/>
+                    <a:cs typeface="+mn-cs"/>
+                  </a:defRPr>
+                </a:lvl5pPr>
+                <a:lvl6pPr marL="3047467" algn="l" defTabSz="1218987" rtl="0" eaLnBrk="1" latinLnBrk="0" hangingPunct="1">
+                  <a:defRPr sz="2400" kern="1200">
+                    <a:solidFill>
+                      <a:schemeClr val="lt1"/>
+                    </a:solidFill>
+                    <a:latin typeface="+mn-lt"/>
+                    <a:ea typeface="+mn-ea"/>
+                    <a:cs typeface="+mn-cs"/>
+                  </a:defRPr>
+                </a:lvl6pPr>
+                <a:lvl7pPr marL="3656960" algn="l" defTabSz="1218987" rtl="0" eaLnBrk="1" latinLnBrk="0" hangingPunct="1">
+                  <a:defRPr sz="2400" kern="1200">
+                    <a:solidFill>
+                      <a:schemeClr val="lt1"/>
+                    </a:solidFill>
+                    <a:latin typeface="+mn-lt"/>
+                    <a:ea typeface="+mn-ea"/>
+                    <a:cs typeface="+mn-cs"/>
+                  </a:defRPr>
+                </a:lvl7pPr>
+                <a:lvl8pPr marL="4266453" algn="l" defTabSz="1218987" rtl="0" eaLnBrk="1" latinLnBrk="0" hangingPunct="1">
+                  <a:defRPr sz="2400" kern="1200">
+                    <a:solidFill>
+                      <a:schemeClr val="lt1"/>
+                    </a:solidFill>
+                    <a:latin typeface="+mn-lt"/>
+                    <a:ea typeface="+mn-ea"/>
+                    <a:cs typeface="+mn-cs"/>
+                  </a:defRPr>
+                </a:lvl8pPr>
+                <a:lvl9pPr marL="4875947" algn="l" defTabSz="1218987" rtl="0" eaLnBrk="1" latinLnBrk="0" hangingPunct="1">
+                  <a:defRPr sz="2400" kern="1200">
+                    <a:solidFill>
+                      <a:schemeClr val="lt1"/>
+                    </a:solidFill>
+                    <a:latin typeface="+mn-lt"/>
+                    <a:ea typeface="+mn-ea"/>
+                    <a:cs typeface="+mn-cs"/>
+                  </a:defRPr>
+                </a:lvl9pPr>
+              </a:lstStyle>
+              <a:p>
+                <a:pPr algn="ctr"/>
+                <a:endParaRPr lang="en-US" sz="2800" dirty="0">
+                  <a:effectLst>
+                    <a:outerShdw blurRad="38100" dist="38100" dir="2700000" algn="tl">
+                      <a:srgbClr val="000000">
+                        <a:alpha val="43137"/>
+                      </a:srgbClr>
+                    </a:outerShdw>
+                  </a:effectLst>
+                </a:endParaRPr>
+              </a:p>
+            </p:txBody>
+          </p:sp>
+          <p:sp>
+            <p:nvSpPr>
+              <p:cNvPr id="44" name="TextBox 102">
+                <a:extLst>
+                  <a:ext uri="{FF2B5EF4-FFF2-40B4-BE49-F238E27FC236}">
+                    <a16:creationId xmlns:a16="http://schemas.microsoft.com/office/drawing/2014/main" id="{EA3321DE-9B94-4DEB-8E4E-0B3A92AEBC1D}"/>
+                  </a:ext>
+                </a:extLst>
+              </p:cNvPr>
+              <p:cNvSpPr txBox="1"/>
+              <p:nvPr/>
+            </p:nvSpPr>
+            <p:spPr>
+              <a:xfrm>
+                <a:off x="4718841" y="2498131"/>
+                <a:ext cx="2612412" cy="418706"/>
+              </a:xfrm>
+              <a:prstGeom prst="rect">
+                <a:avLst/>
+              </a:prstGeom>
+              <a:grpFill/>
+            </p:spPr>
+            <p:txBody>
+              <a:bodyPr wrap="none" rtlCol="0">
+                <a:spAutoFit/>
+              </a:bodyPr>
+              <a:lstStyle>
+                <a:defPPr>
+                  <a:defRPr lang="en-US"/>
+                </a:defPPr>
+                <a:lvl1pPr marL="0" algn="l" defTabSz="1218987" rtl="0" eaLnBrk="1" latinLnBrk="0" hangingPunct="1">
+                  <a:defRPr sz="2400" kern="1200">
+                    <a:solidFill>
+                      <a:schemeClr val="tx1"/>
+                    </a:solidFill>
+                    <a:latin typeface="+mn-lt"/>
+                    <a:ea typeface="+mn-ea"/>
+                    <a:cs typeface="+mn-cs"/>
+                  </a:defRPr>
+                </a:lvl1pPr>
+                <a:lvl2pPr marL="609493" algn="l" defTabSz="1218987" rtl="0" eaLnBrk="1" latinLnBrk="0" hangingPunct="1">
+                  <a:defRPr sz="2400" kern="1200">
+                    <a:solidFill>
+                      <a:schemeClr val="tx1"/>
+                    </a:solidFill>
+                    <a:latin typeface="+mn-lt"/>
+                    <a:ea typeface="+mn-ea"/>
+                    <a:cs typeface="+mn-cs"/>
+                  </a:defRPr>
+                </a:lvl2pPr>
+                <a:lvl3pPr marL="1218987" algn="l" defTabSz="1218987" rtl="0" eaLnBrk="1" latinLnBrk="0" hangingPunct="1">
+                  <a:defRPr sz="2400" kern="1200">
+                    <a:solidFill>
+                      <a:schemeClr val="tx1"/>
+                    </a:solidFill>
+                    <a:latin typeface="+mn-lt"/>
+                    <a:ea typeface="+mn-ea"/>
+                    <a:cs typeface="+mn-cs"/>
+                  </a:defRPr>
+                </a:lvl3pPr>
+                <a:lvl4pPr marL="1828480" algn="l" defTabSz="1218987" rtl="0" eaLnBrk="1" latinLnBrk="0" hangingPunct="1">
+                  <a:defRPr sz="2400" kern="1200">
+                    <a:solidFill>
+                      <a:schemeClr val="tx1"/>
+                    </a:solidFill>
+                    <a:latin typeface="+mn-lt"/>
+                    <a:ea typeface="+mn-ea"/>
+                    <a:cs typeface="+mn-cs"/>
+                  </a:defRPr>
+                </a:lvl4pPr>
+                <a:lvl5pPr marL="2437973" algn="l" defTabSz="1218987" rtl="0" eaLnBrk="1" latinLnBrk="0" hangingPunct="1">
+                  <a:defRPr sz="2400" kern="1200">
+                    <a:solidFill>
+                      <a:schemeClr val="tx1"/>
+                    </a:solidFill>
+                    <a:latin typeface="+mn-lt"/>
+                    <a:ea typeface="+mn-ea"/>
+                    <a:cs typeface="+mn-cs"/>
+                  </a:defRPr>
+                </a:lvl5pPr>
+                <a:lvl6pPr marL="3047467" algn="l" defTabSz="1218987" rtl="0" eaLnBrk="1" latinLnBrk="0" hangingPunct="1">
+                  <a:defRPr sz="2400" kern="1200">
+                    <a:solidFill>
+                      <a:schemeClr val="tx1"/>
+                    </a:solidFill>
+                    <a:latin typeface="+mn-lt"/>
+                    <a:ea typeface="+mn-ea"/>
+                    <a:cs typeface="+mn-cs"/>
+                  </a:defRPr>
+                </a:lvl6pPr>
+                <a:lvl7pPr marL="3656960" algn="l" defTabSz="1218987" rtl="0" eaLnBrk="1" latinLnBrk="0" hangingPunct="1">
+                  <a:defRPr sz="2400" kern="1200">
+                    <a:solidFill>
+                      <a:schemeClr val="tx1"/>
+                    </a:solidFill>
+                    <a:latin typeface="+mn-lt"/>
+                    <a:ea typeface="+mn-ea"/>
+                    <a:cs typeface="+mn-cs"/>
+                  </a:defRPr>
+                </a:lvl7pPr>
+                <a:lvl8pPr marL="4266453" algn="l" defTabSz="1218987" rtl="0" eaLnBrk="1" latinLnBrk="0" hangingPunct="1">
+                  <a:defRPr sz="2400" kern="1200">
+                    <a:solidFill>
+                      <a:schemeClr val="tx1"/>
+                    </a:solidFill>
+                    <a:latin typeface="+mn-lt"/>
+                    <a:ea typeface="+mn-ea"/>
+                    <a:cs typeface="+mn-cs"/>
+                  </a:defRPr>
+                </a:lvl8pPr>
+                <a:lvl9pPr marL="4875947" algn="l" defTabSz="1218987" rtl="0" eaLnBrk="1" latinLnBrk="0" hangingPunct="1">
+                  <a:defRPr sz="2400" kern="1200">
+                    <a:solidFill>
+                      <a:schemeClr val="tx1"/>
+                    </a:solidFill>
+                    <a:latin typeface="+mn-lt"/>
+                    <a:ea typeface="+mn-ea"/>
+                    <a:cs typeface="+mn-cs"/>
+                  </a:defRPr>
+                </a:lvl9pPr>
+              </a:lstStyle>
+              <a:p>
+                <a:r>
+                  <a:rPr lang="en-US" sz="2800" b="1" noProof="1">
+                    <a:solidFill>
+                      <a:schemeClr val="tx2">
+                        <a:lumMod val="75000"/>
+                      </a:schemeClr>
+                    </a:solidFill>
+                    <a:effectLst>
+                      <a:outerShdw blurRad="38100" dist="38100" dir="2700000" algn="tl">
+                        <a:srgbClr val="000000">
+                          <a:alpha val="43137"/>
+                        </a:srgbClr>
+                      </a:outerShdw>
+                    </a:effectLst>
+                    <a:latin typeface="Consolas" panose="020B0609020204030204" pitchFamily="49" charset="0"/>
+                  </a:rPr>
+                  <a:t>Teacher </a:t>
+                </a:r>
+                <a:r>
+                  <a:rPr lang="en-US" sz="2000" b="1" noProof="1">
+                    <a:solidFill>
+                      <a:schemeClr val="bg1"/>
+                    </a:solidFill>
+                    <a:latin typeface="Consolas" panose="020B0609020204030204" pitchFamily="49" charset="0"/>
+                  </a:rPr>
+                  <a:t>(class)</a:t>
+                </a:r>
+                <a:endParaRPr lang="en-US" sz="2800" b="1" noProof="1">
+                  <a:solidFill>
+                    <a:schemeClr val="bg1"/>
+                  </a:solidFill>
+                  <a:effectLst>
+                    <a:outerShdw blurRad="38100" dist="38100" dir="2700000" algn="tl">
+                      <a:srgbClr val="000000">
+                        <a:alpha val="43137"/>
+                      </a:srgbClr>
+                    </a:outerShdw>
+                  </a:effectLst>
+                  <a:latin typeface="Consolas" panose="020B0609020204030204" pitchFamily="49" charset="0"/>
+                </a:endParaRPr>
+              </a:p>
+            </p:txBody>
+          </p:sp>
+        </p:grpSp>
+        <p:sp>
+          <p:nvSpPr>
+            <p:cNvPr id="31" name="TextBox 64">
+              <a:extLst>
+                <a:ext uri="{FF2B5EF4-FFF2-40B4-BE49-F238E27FC236}">
+                  <a16:creationId xmlns:a16="http://schemas.microsoft.com/office/drawing/2014/main" id="{9E8B6CFA-824D-4523-9A97-672951781A63}"/>
+                </a:ext>
+              </a:extLst>
+            </p:cNvPr>
+            <p:cNvSpPr txBox="1"/>
+            <p:nvPr/>
+          </p:nvSpPr>
+          <p:spPr>
+            <a:xfrm>
+              <a:off x="8252047" y="1755838"/>
+              <a:ext cx="3172663" cy="523220"/>
+            </a:xfrm>
+            <a:prstGeom prst="rect">
+              <a:avLst/>
+            </a:prstGeom>
+            <a:noFill/>
+          </p:spPr>
+          <p:txBody>
+            <a:bodyPr wrap="none" rtlCol="0">
+              <a:spAutoFit/>
+            </a:bodyPr>
+            <a:lstStyle>
+              <a:defPPr>
+                <a:defRPr lang="en-US"/>
+              </a:defPPr>
+              <a:lvl1pPr marL="0" algn="l" defTabSz="1218987" rtl="0" eaLnBrk="1" latinLnBrk="0" hangingPunct="1">
+                <a:defRPr sz="2400" kern="1200">
+                  <a:solidFill>
+                    <a:schemeClr val="tx1"/>
+                  </a:solidFill>
+                  <a:latin typeface="+mn-lt"/>
+                  <a:ea typeface="+mn-ea"/>
+                  <a:cs typeface="+mn-cs"/>
+                </a:defRPr>
+              </a:lvl1pPr>
+              <a:lvl2pPr marL="609493" algn="l" defTabSz="1218987" rtl="0" eaLnBrk="1" latinLnBrk="0" hangingPunct="1">
+                <a:defRPr sz="2400" kern="1200">
+                  <a:solidFill>
+                    <a:schemeClr val="tx1"/>
+                  </a:solidFill>
+                  <a:latin typeface="+mn-lt"/>
+                  <a:ea typeface="+mn-ea"/>
+                  <a:cs typeface="+mn-cs"/>
+                </a:defRPr>
+              </a:lvl2pPr>
+              <a:lvl3pPr marL="1218987" algn="l" defTabSz="1218987" rtl="0" eaLnBrk="1" latinLnBrk="0" hangingPunct="1">
+                <a:defRPr sz="2400" kern="1200">
+                  <a:solidFill>
+                    <a:schemeClr val="tx1"/>
+                  </a:solidFill>
+                  <a:latin typeface="+mn-lt"/>
+                  <a:ea typeface="+mn-ea"/>
+                  <a:cs typeface="+mn-cs"/>
+                </a:defRPr>
+              </a:lvl3pPr>
+              <a:lvl4pPr marL="1828480" algn="l" defTabSz="1218987" rtl="0" eaLnBrk="1" latinLnBrk="0" hangingPunct="1">
+                <a:defRPr sz="2400" kern="1200">
+                  <a:solidFill>
+                    <a:schemeClr val="tx1"/>
+                  </a:solidFill>
+                  <a:latin typeface="+mn-lt"/>
+                  <a:ea typeface="+mn-ea"/>
+                  <a:cs typeface="+mn-cs"/>
+                </a:defRPr>
+              </a:lvl4pPr>
+              <a:lvl5pPr marL="2437973" algn="l" defTabSz="1218987" rtl="0" eaLnBrk="1" latinLnBrk="0" hangingPunct="1">
+                <a:defRPr sz="2400" kern="1200">
+                  <a:solidFill>
+                    <a:schemeClr val="tx1"/>
+                  </a:solidFill>
+                  <a:latin typeface="+mn-lt"/>
+                  <a:ea typeface="+mn-ea"/>
+                  <a:cs typeface="+mn-cs"/>
+                </a:defRPr>
+              </a:lvl5pPr>
+              <a:lvl6pPr marL="3047467" algn="l" defTabSz="1218987" rtl="0" eaLnBrk="1" latinLnBrk="0" hangingPunct="1">
+                <a:defRPr sz="2400" kern="1200">
+                  <a:solidFill>
+                    <a:schemeClr val="tx1"/>
+                  </a:solidFill>
+                  <a:latin typeface="+mn-lt"/>
+                  <a:ea typeface="+mn-ea"/>
+                  <a:cs typeface="+mn-cs"/>
+                </a:defRPr>
+              </a:lvl6pPr>
+              <a:lvl7pPr marL="3656960" algn="l" defTabSz="1218987" rtl="0" eaLnBrk="1" latinLnBrk="0" hangingPunct="1">
+                <a:defRPr sz="2400" kern="1200">
+                  <a:solidFill>
+                    <a:schemeClr val="tx1"/>
+                  </a:solidFill>
+                  <a:latin typeface="+mn-lt"/>
+                  <a:ea typeface="+mn-ea"/>
+                  <a:cs typeface="+mn-cs"/>
+                </a:defRPr>
+              </a:lvl7pPr>
+              <a:lvl8pPr marL="4266453" algn="l" defTabSz="1218987" rtl="0" eaLnBrk="1" latinLnBrk="0" hangingPunct="1">
+                <a:defRPr sz="2400" kern="1200">
+                  <a:solidFill>
+                    <a:schemeClr val="tx1"/>
+                  </a:solidFill>
+                  <a:latin typeface="+mn-lt"/>
+                  <a:ea typeface="+mn-ea"/>
+                  <a:cs typeface="+mn-cs"/>
+                </a:defRPr>
+              </a:lvl8pPr>
+              <a:lvl9pPr marL="4875947" algn="l" defTabSz="1218987" rtl="0" eaLnBrk="1" latinLnBrk="0" hangingPunct="1">
+                <a:defRPr sz="2400" kern="1200">
+                  <a:solidFill>
+                    <a:schemeClr val="tx1"/>
+                  </a:solidFill>
+                  <a:latin typeface="+mn-lt"/>
+                  <a:ea typeface="+mn-ea"/>
+                  <a:cs typeface="+mn-cs"/>
+                </a:defRPr>
+              </a:lvl9pPr>
+            </a:lstStyle>
+            <a:p>
+              <a:r>
+                <a:rPr lang="en-US" sz="2800" b="1" noProof="1">
+                  <a:solidFill>
+                    <a:schemeClr val="tx2">
+                      <a:lumMod val="75000"/>
+                    </a:schemeClr>
+                  </a:solidFill>
+                  <a:effectLst>
+                    <a:outerShdw blurRad="38100" dist="38100" dir="2700000" algn="tl">
+                      <a:srgbClr val="000000">
+                        <a:alpha val="43137"/>
+                      </a:srgbClr>
+                    </a:outerShdw>
+                  </a:effectLst>
+                  <a:latin typeface="Consolas" panose="020B0609020204030204" pitchFamily="49" charset="0"/>
+                </a:rPr>
+                <a:t>Teacher </a:t>
+              </a:r>
+              <a:r>
+                <a:rPr lang="en-US" sz="2000" b="1" noProof="1">
+                  <a:solidFill>
+                    <a:schemeClr val="bg1"/>
+                  </a:solidFill>
+                  <a:latin typeface="Consolas" panose="020B0609020204030204" pitchFamily="49" charset="0"/>
+                </a:rPr>
+                <a:t>(instance)</a:t>
+              </a:r>
+              <a:endParaRPr lang="en-US" sz="2800" b="1" noProof="1">
+                <a:solidFill>
+                  <a:schemeClr val="bg1"/>
+                </a:solidFill>
+                <a:latin typeface="Consolas" panose="020B0609020204030204" pitchFamily="49" charset="0"/>
+              </a:endParaRPr>
+            </a:p>
+          </p:txBody>
+        </p:sp>
+        <p:sp>
+          <p:nvSpPr>
+            <p:cNvPr id="33" name="Rectangle: Rounded Corners 32">
+              <a:extLst>
+                <a:ext uri="{FF2B5EF4-FFF2-40B4-BE49-F238E27FC236}">
+                  <a16:creationId xmlns:a16="http://schemas.microsoft.com/office/drawing/2014/main" id="{E0FB6E4C-4EDC-41FE-9EC5-15165FBC28DF}"/>
+                </a:ext>
+              </a:extLst>
+            </p:cNvPr>
+            <p:cNvSpPr/>
+            <p:nvPr/>
+          </p:nvSpPr>
+          <p:spPr>
+            <a:xfrm>
+              <a:off x="259229" y="1639424"/>
+              <a:ext cx="3668015" cy="4067644"/>
+            </a:xfrm>
+            <a:prstGeom prst="roundRect">
+              <a:avLst>
+                <a:gd name="adj" fmla="val 5385"/>
+              </a:avLst>
+            </a:prstGeom>
+            <a:noFill/>
+            <a:ln w="57150">
+              <a:solidFill>
+                <a:srgbClr val="F3CD60"/>
+              </a:solidFill>
+              <a:prstDash val="sysDash"/>
+            </a:ln>
+          </p:spPr>
+          <p:style>
+            <a:lnRef idx="2">
+              <a:schemeClr val="accent1">
+                <a:shade val="50000"/>
+              </a:schemeClr>
+            </a:lnRef>
+            <a:fillRef idx="1">
+              <a:schemeClr val="accent1"/>
+            </a:fillRef>
+            <a:effectRef idx="0">
+              <a:schemeClr val="accent1"/>
+            </a:effectRef>
+            <a:fontRef idx="minor">
+              <a:schemeClr val="lt1"/>
+            </a:fontRef>
+          </p:style>
+          <p:txBody>
+            <a:bodyPr rtlCol="0" anchor="ctr"/>
+            <a:lstStyle>
+              <a:defPPr>
+                <a:defRPr lang="en-US"/>
+              </a:defPPr>
+              <a:lvl1pPr marL="0" algn="l" defTabSz="1218987" rtl="0" eaLnBrk="1" latinLnBrk="0" hangingPunct="1">
+                <a:defRPr sz="2400" kern="1200">
+                  <a:solidFill>
+                    <a:schemeClr val="lt1"/>
+                  </a:solidFill>
+                  <a:latin typeface="+mn-lt"/>
+                  <a:ea typeface="+mn-ea"/>
+                  <a:cs typeface="+mn-cs"/>
+                </a:defRPr>
+              </a:lvl1pPr>
+              <a:lvl2pPr marL="609493" algn="l" defTabSz="1218987" rtl="0" eaLnBrk="1" latinLnBrk="0" hangingPunct="1">
+                <a:defRPr sz="2400" kern="1200">
+                  <a:solidFill>
+                    <a:schemeClr val="lt1"/>
+                  </a:solidFill>
+                  <a:latin typeface="+mn-lt"/>
+                  <a:ea typeface="+mn-ea"/>
+                  <a:cs typeface="+mn-cs"/>
+                </a:defRPr>
+              </a:lvl2pPr>
+              <a:lvl3pPr marL="1218987" algn="l" defTabSz="1218987" rtl="0" eaLnBrk="1" latinLnBrk="0" hangingPunct="1">
+                <a:defRPr sz="2400" kern="1200">
+                  <a:solidFill>
+                    <a:schemeClr val="lt1"/>
+                  </a:solidFill>
+                  <a:latin typeface="+mn-lt"/>
+                  <a:ea typeface="+mn-ea"/>
+                  <a:cs typeface="+mn-cs"/>
+                </a:defRPr>
+              </a:lvl3pPr>
+              <a:lvl4pPr marL="1828480" algn="l" defTabSz="1218987" rtl="0" eaLnBrk="1" latinLnBrk="0" hangingPunct="1">
+                <a:defRPr sz="2400" kern="1200">
+                  <a:solidFill>
+                    <a:schemeClr val="lt1"/>
+                  </a:solidFill>
+                  <a:latin typeface="+mn-lt"/>
+                  <a:ea typeface="+mn-ea"/>
+                  <a:cs typeface="+mn-cs"/>
+                </a:defRPr>
+              </a:lvl4pPr>
+              <a:lvl5pPr marL="2437973" algn="l" defTabSz="1218987" rtl="0" eaLnBrk="1" latinLnBrk="0" hangingPunct="1">
+                <a:defRPr sz="2400" kern="1200">
+                  <a:solidFill>
+                    <a:schemeClr val="lt1"/>
+                  </a:solidFill>
+                  <a:latin typeface="+mn-lt"/>
+                  <a:ea typeface="+mn-ea"/>
+                  <a:cs typeface="+mn-cs"/>
+                </a:defRPr>
+              </a:lvl5pPr>
+              <a:lvl6pPr marL="3047467" algn="l" defTabSz="1218987" rtl="0" eaLnBrk="1" latinLnBrk="0" hangingPunct="1">
+                <a:defRPr sz="2400" kern="1200">
+                  <a:solidFill>
+                    <a:schemeClr val="lt1"/>
+                  </a:solidFill>
+                  <a:latin typeface="+mn-lt"/>
+                  <a:ea typeface="+mn-ea"/>
+                  <a:cs typeface="+mn-cs"/>
+                </a:defRPr>
+              </a:lvl6pPr>
+              <a:lvl7pPr marL="3656960" algn="l" defTabSz="1218987" rtl="0" eaLnBrk="1" latinLnBrk="0" hangingPunct="1">
+                <a:defRPr sz="2400" kern="1200">
+                  <a:solidFill>
+                    <a:schemeClr val="lt1"/>
+                  </a:solidFill>
+                  <a:latin typeface="+mn-lt"/>
+                  <a:ea typeface="+mn-ea"/>
+                  <a:cs typeface="+mn-cs"/>
+                </a:defRPr>
+              </a:lvl7pPr>
+              <a:lvl8pPr marL="4266453" algn="l" defTabSz="1218987" rtl="0" eaLnBrk="1" latinLnBrk="0" hangingPunct="1">
+                <a:defRPr sz="2400" kern="1200">
+                  <a:solidFill>
+                    <a:schemeClr val="lt1"/>
+                  </a:solidFill>
+                  <a:latin typeface="+mn-lt"/>
+                  <a:ea typeface="+mn-ea"/>
+                  <a:cs typeface="+mn-cs"/>
+                </a:defRPr>
+              </a:lvl8pPr>
+              <a:lvl9pPr marL="4875947" algn="l" defTabSz="1218987" rtl="0" eaLnBrk="1" latinLnBrk="0" hangingPunct="1">
+                <a:defRPr sz="2400" kern="1200">
+                  <a:solidFill>
+                    <a:schemeClr val="lt1"/>
+                  </a:solidFill>
+                  <a:latin typeface="+mn-lt"/>
+                  <a:ea typeface="+mn-ea"/>
+                  <a:cs typeface="+mn-cs"/>
+                </a:defRPr>
+              </a:lvl9pPr>
+            </a:lstStyle>
+            <a:p>
+              <a:pPr algn="ctr"/>
+              <a:endParaRPr lang="en-US" sz="2800" dirty="0">
+                <a:effectLst>
+                  <a:outerShdw blurRad="38100" dist="38100" dir="2700000" algn="tl">
+                    <a:srgbClr val="000000">
+                      <a:alpha val="43137"/>
+                    </a:srgbClr>
+                  </a:outerShdw>
+                </a:effectLst>
+              </a:endParaRPr>
+            </a:p>
+          </p:txBody>
+        </p:sp>
+        <p:sp>
+          <p:nvSpPr>
+            <p:cNvPr id="35" name="TextBox 85">
+              <a:extLst>
+                <a:ext uri="{FF2B5EF4-FFF2-40B4-BE49-F238E27FC236}">
+                  <a16:creationId xmlns:a16="http://schemas.microsoft.com/office/drawing/2014/main" id="{E8023EC4-5941-434E-89F9-068D41573087}"/>
+                </a:ext>
+              </a:extLst>
+            </p:cNvPr>
+            <p:cNvSpPr txBox="1"/>
+            <p:nvPr/>
+          </p:nvSpPr>
+          <p:spPr>
+            <a:xfrm>
+              <a:off x="8885878" y="1309295"/>
+              <a:ext cx="1905000" cy="523220"/>
+            </a:xfrm>
+            <a:prstGeom prst="rect">
+              <a:avLst/>
+            </a:prstGeom>
+            <a:noFill/>
+          </p:spPr>
+          <p:txBody>
+            <a:bodyPr wrap="square" rtlCol="0">
+              <a:spAutoFit/>
+            </a:bodyPr>
+            <a:lstStyle>
+              <a:defPPr>
+                <a:defRPr lang="en-US"/>
+              </a:defPPr>
+              <a:lvl1pPr marL="0" algn="l" defTabSz="1218987" rtl="0" eaLnBrk="1" latinLnBrk="0" hangingPunct="1">
+                <a:defRPr sz="2400" kern="1200">
+                  <a:solidFill>
+                    <a:schemeClr val="tx1"/>
+                  </a:solidFill>
+                  <a:latin typeface="+mn-lt"/>
+                  <a:ea typeface="+mn-ea"/>
+                  <a:cs typeface="+mn-cs"/>
+                </a:defRPr>
+              </a:lvl1pPr>
+              <a:lvl2pPr marL="609493" algn="l" defTabSz="1218987" rtl="0" eaLnBrk="1" latinLnBrk="0" hangingPunct="1">
+                <a:defRPr sz="2400" kern="1200">
+                  <a:solidFill>
+                    <a:schemeClr val="tx1"/>
+                  </a:solidFill>
+                  <a:latin typeface="+mn-lt"/>
+                  <a:ea typeface="+mn-ea"/>
+                  <a:cs typeface="+mn-cs"/>
+                </a:defRPr>
+              </a:lvl2pPr>
+              <a:lvl3pPr marL="1218987" algn="l" defTabSz="1218987" rtl="0" eaLnBrk="1" latinLnBrk="0" hangingPunct="1">
+                <a:defRPr sz="2400" kern="1200">
+                  <a:solidFill>
+                    <a:schemeClr val="tx1"/>
+                  </a:solidFill>
+                  <a:latin typeface="+mn-lt"/>
+                  <a:ea typeface="+mn-ea"/>
+                  <a:cs typeface="+mn-cs"/>
+                </a:defRPr>
+              </a:lvl3pPr>
+              <a:lvl4pPr marL="1828480" algn="l" defTabSz="1218987" rtl="0" eaLnBrk="1" latinLnBrk="0" hangingPunct="1">
+                <a:defRPr sz="2400" kern="1200">
+                  <a:solidFill>
+                    <a:schemeClr val="tx1"/>
+                  </a:solidFill>
+                  <a:latin typeface="+mn-lt"/>
+                  <a:ea typeface="+mn-ea"/>
+                  <a:cs typeface="+mn-cs"/>
+                </a:defRPr>
+              </a:lvl4pPr>
+              <a:lvl5pPr marL="2437973" algn="l" defTabSz="1218987" rtl="0" eaLnBrk="1" latinLnBrk="0" hangingPunct="1">
+                <a:defRPr sz="2400" kern="1200">
+                  <a:solidFill>
+                    <a:schemeClr val="tx1"/>
+                  </a:solidFill>
+                  <a:latin typeface="+mn-lt"/>
+                  <a:ea typeface="+mn-ea"/>
+                  <a:cs typeface="+mn-cs"/>
+                </a:defRPr>
+              </a:lvl5pPr>
+              <a:lvl6pPr marL="3047467" algn="l" defTabSz="1218987" rtl="0" eaLnBrk="1" latinLnBrk="0" hangingPunct="1">
+                <a:defRPr sz="2400" kern="1200">
+                  <a:solidFill>
+                    <a:schemeClr val="tx1"/>
+                  </a:solidFill>
+                  <a:latin typeface="+mn-lt"/>
+                  <a:ea typeface="+mn-ea"/>
+                  <a:cs typeface="+mn-cs"/>
+                </a:defRPr>
+              </a:lvl6pPr>
+              <a:lvl7pPr marL="3656960" algn="l" defTabSz="1218987" rtl="0" eaLnBrk="1" latinLnBrk="0" hangingPunct="1">
+                <a:defRPr sz="2400" kern="1200">
+                  <a:solidFill>
+                    <a:schemeClr val="tx1"/>
+                  </a:solidFill>
+                  <a:latin typeface="+mn-lt"/>
+                  <a:ea typeface="+mn-ea"/>
+                  <a:cs typeface="+mn-cs"/>
+                </a:defRPr>
+              </a:lvl7pPr>
+              <a:lvl8pPr marL="4266453" algn="l" defTabSz="1218987" rtl="0" eaLnBrk="1" latinLnBrk="0" hangingPunct="1">
+                <a:defRPr sz="2400" kern="1200">
+                  <a:solidFill>
+                    <a:schemeClr val="tx1"/>
+                  </a:solidFill>
+                  <a:latin typeface="+mn-lt"/>
+                  <a:ea typeface="+mn-ea"/>
+                  <a:cs typeface="+mn-cs"/>
+                </a:defRPr>
+              </a:lvl8pPr>
+              <a:lvl9pPr marL="4875947" algn="l" defTabSz="1218987" rtl="0" eaLnBrk="1" latinLnBrk="0" hangingPunct="1">
+                <a:defRPr sz="2400" kern="1200">
+                  <a:solidFill>
+                    <a:schemeClr val="tx1"/>
+                  </a:solidFill>
+                  <a:latin typeface="+mn-lt"/>
+                  <a:ea typeface="+mn-ea"/>
+                  <a:cs typeface="+mn-cs"/>
+                </a:defRPr>
+              </a:lvl9pPr>
+            </a:lstStyle>
+            <a:p>
+              <a:r>
+                <a:rPr lang="en-US" sz="2800" b="1" dirty="0">
+                  <a:effectLst>
+                    <a:outerShdw blurRad="38100" dist="38100" dir="2700000" algn="tl">
+                      <a:srgbClr val="000000">
+                        <a:alpha val="43137"/>
+                      </a:srgbClr>
+                    </a:outerShdw>
+                  </a:effectLst>
+                  <a:latin typeface="Consolas" panose="020B0609020204030204" pitchFamily="49" charset="0"/>
+                </a:rPr>
+                <a:t>new</a:t>
+              </a:r>
+            </a:p>
+          </p:txBody>
+        </p:sp>
+        <p:sp>
+          <p:nvSpPr>
+            <p:cNvPr id="46" name="TextBox 45">
+              <a:extLst>
+                <a:ext uri="{FF2B5EF4-FFF2-40B4-BE49-F238E27FC236}">
+                  <a16:creationId xmlns:a16="http://schemas.microsoft.com/office/drawing/2014/main" id="{964818FF-A6FA-41F7-93F4-4CBBCBB2A376}"/>
+                </a:ext>
+              </a:extLst>
+            </p:cNvPr>
+            <p:cNvSpPr txBox="1"/>
+            <p:nvPr/>
+          </p:nvSpPr>
+          <p:spPr>
+            <a:xfrm>
+              <a:off x="805166" y="1866252"/>
+              <a:ext cx="2552302" cy="523220"/>
+            </a:xfrm>
+            <a:prstGeom prst="rect">
+              <a:avLst/>
+            </a:prstGeom>
+            <a:noFill/>
+          </p:spPr>
+          <p:txBody>
+            <a:bodyPr wrap="none" rtlCol="0">
+              <a:spAutoFit/>
+            </a:bodyPr>
+            <a:lstStyle/>
+            <a:p>
+              <a:r>
+                <a:rPr lang="en-US" sz="2800" b="1" noProof="1">
+                  <a:solidFill>
+                    <a:schemeClr val="tx2">
+                      <a:lumMod val="75000"/>
+                    </a:schemeClr>
+                  </a:solidFill>
+                  <a:effectLst>
+                    <a:outerShdw blurRad="38100" dist="38100" dir="2700000" algn="tl">
+                      <a:srgbClr val="000000">
+                        <a:alpha val="43137"/>
+                      </a:srgbClr>
+                    </a:outerShdw>
+                  </a:effectLst>
+                  <a:latin typeface="Consolas" panose="020B0609020204030204" pitchFamily="49" charset="0"/>
+                </a:rPr>
+                <a:t>Person </a:t>
+              </a:r>
+              <a:r>
+                <a:rPr lang="en-US" sz="2000" b="1" noProof="1">
+                  <a:solidFill>
+                    <a:schemeClr val="bg1"/>
+                  </a:solidFill>
+                  <a:latin typeface="Consolas" panose="020B0609020204030204" pitchFamily="49" charset="0"/>
+                </a:rPr>
+                <a:t>(class)</a:t>
+              </a:r>
+              <a:endParaRPr lang="en-US" sz="2800" b="1" noProof="1">
+                <a:solidFill>
+                  <a:schemeClr val="bg1"/>
+                </a:solidFill>
+                <a:effectLst>
+                  <a:outerShdw blurRad="38100" dist="38100" dir="2700000" algn="tl">
+                    <a:srgbClr val="000000">
+                      <a:alpha val="43137"/>
+                    </a:srgbClr>
+                  </a:outerShdw>
+                </a:effectLst>
+                <a:latin typeface="Consolas" panose="020B0609020204030204" pitchFamily="49" charset="0"/>
+              </a:endParaRPr>
+            </a:p>
+          </p:txBody>
+        </p:sp>
+        <p:cxnSp>
+          <p:nvCxnSpPr>
+            <p:cNvPr id="47" name="Straight Connector 127">
+              <a:extLst>
+                <a:ext uri="{FF2B5EF4-FFF2-40B4-BE49-F238E27FC236}">
+                  <a16:creationId xmlns:a16="http://schemas.microsoft.com/office/drawing/2014/main" id="{07824963-F6D5-4C70-8EF3-BC211F0C312D}"/>
+                </a:ext>
+              </a:extLst>
+            </p:cNvPr>
+            <p:cNvCxnSpPr>
+              <a:cxnSpLocks/>
+              <a:stCxn id="51" idx="4"/>
+              <a:endCxn id="33" idx="2"/>
+            </p:cNvCxnSpPr>
+            <p:nvPr/>
+          </p:nvCxnSpPr>
+          <p:spPr>
+            <a:xfrm rot="5400000">
+              <a:off x="3536473" y="3893312"/>
+              <a:ext cx="370520" cy="3256992"/>
+            </a:xfrm>
+            <a:prstGeom prst="bentConnector3">
+              <a:avLst>
+                <a:gd name="adj1" fmla="val 292602"/>
+              </a:avLst>
+            </a:prstGeom>
+            <a:solidFill>
+              <a:srgbClr val="F0A22E">
+                <a:alpha val="25098"/>
+              </a:srgbClr>
+            </a:solidFill>
+            <a:ln w="50800">
+              <a:solidFill>
+                <a:srgbClr val="F3CD60"/>
+              </a:solidFill>
+              <a:prstDash val="solid"/>
+              <a:tailEnd type="triangle" w="lg" len="lg"/>
+            </a:ln>
+          </p:spPr>
+          <p:style>
+            <a:lnRef idx="2">
+              <a:schemeClr val="accent1">
+                <a:shade val="50000"/>
+              </a:schemeClr>
+            </a:lnRef>
+            <a:fillRef idx="1">
+              <a:schemeClr val="accent1"/>
+            </a:fillRef>
+            <a:effectRef idx="0">
+              <a:schemeClr val="accent1"/>
+            </a:effectRef>
+            <a:fontRef idx="minor">
+              <a:schemeClr val="lt1"/>
+            </a:fontRef>
+          </p:style>
+        </p:cxnSp>
+        <p:sp>
+          <p:nvSpPr>
+            <p:cNvPr id="48" name="Rectangle 47">
+              <a:extLst>
+                <a:ext uri="{FF2B5EF4-FFF2-40B4-BE49-F238E27FC236}">
+                  <a16:creationId xmlns:a16="http://schemas.microsoft.com/office/drawing/2014/main" id="{8850C188-FA99-4F77-A256-D2358A75DBDB}"/>
+                </a:ext>
+              </a:extLst>
+            </p:cNvPr>
+            <p:cNvSpPr/>
+            <p:nvPr/>
+          </p:nvSpPr>
+          <p:spPr>
+            <a:xfrm>
+              <a:off x="1568263" y="4894232"/>
+              <a:ext cx="2127842" cy="523220"/>
+            </a:xfrm>
+            <a:prstGeom prst="rect">
+              <a:avLst/>
+            </a:prstGeom>
+          </p:spPr>
+          <p:txBody>
+            <a:bodyPr wrap="none">
+              <a:spAutoFit/>
+            </a:bodyPr>
+            <a:lstStyle/>
+            <a:p>
+              <a:r>
+                <a:rPr lang="en-US" b="1" dirty="0"/>
+                <a:t>__</a:t>
+              </a:r>
+              <a:r>
+                <a:rPr lang="en-US" sz="2800" b="1" dirty="0">
+                  <a:solidFill>
+                    <a:schemeClr val="lt1"/>
+                  </a:solidFill>
+                  <a:effectLst>
+                    <a:outerShdw blurRad="38100" dist="38100" dir="2700000" algn="tl">
+                      <a:srgbClr val="000000">
+                        <a:alpha val="43137"/>
+                      </a:srgbClr>
+                    </a:outerShdw>
+                  </a:effectLst>
+                </a:rPr>
+                <a:t>proto</a:t>
+              </a:r>
+              <a:r>
+                <a:rPr lang="en-US" b="1" dirty="0"/>
+                <a:t>__</a:t>
+              </a:r>
+            </a:p>
+          </p:txBody>
+        </p:sp>
+        <p:sp>
+          <p:nvSpPr>
+            <p:cNvPr id="49" name="Oval 48">
+              <a:extLst>
+                <a:ext uri="{FF2B5EF4-FFF2-40B4-BE49-F238E27FC236}">
+                  <a16:creationId xmlns:a16="http://schemas.microsoft.com/office/drawing/2014/main" id="{7DB0B9B3-B09F-46BF-A278-D2C4A2F25D9D}"/>
+                </a:ext>
+              </a:extLst>
+            </p:cNvPr>
+            <p:cNvSpPr/>
+            <p:nvPr/>
+          </p:nvSpPr>
+          <p:spPr>
+            <a:xfrm>
+              <a:off x="1138650" y="5030548"/>
+              <a:ext cx="321960" cy="306000"/>
+            </a:xfrm>
+            <a:prstGeom prst="ellipse">
+              <a:avLst/>
+            </a:prstGeom>
+            <a:ln>
+              <a:solidFill>
+                <a:schemeClr val="tx2">
+                  <a:lumMod val="75000"/>
+                </a:schemeClr>
+              </a:solidFill>
+            </a:ln>
+          </p:spPr>
+          <p:style>
+            <a:lnRef idx="2">
+              <a:schemeClr val="accent1">
+                <a:shade val="50000"/>
+              </a:schemeClr>
+            </a:lnRef>
+            <a:fillRef idx="1">
+              <a:schemeClr val="accent1"/>
+            </a:fillRef>
+            <a:effectRef idx="0">
+              <a:schemeClr val="accent1"/>
+            </a:effectRef>
+            <a:fontRef idx="minor">
+              <a:schemeClr val="lt1"/>
+            </a:fontRef>
+          </p:style>
+          <p:txBody>
+            <a:bodyPr rtlCol="0" anchor="ctr"/>
+            <a:lstStyle/>
+            <a:p>
+              <a:pPr algn="ctr"/>
+              <a:endParaRPr lang="en-US" sz="2800">
+                <a:effectLst>
+                  <a:outerShdw blurRad="38100" dist="38100" dir="2700000" algn="tl">
+                    <a:srgbClr val="000000">
+                      <a:alpha val="43137"/>
+                    </a:srgbClr>
+                  </a:outerShdw>
+                </a:effectLst>
+              </a:endParaRPr>
+            </a:p>
+          </p:txBody>
+        </p:sp>
+        <p:sp>
+          <p:nvSpPr>
+            <p:cNvPr id="50" name="Rectangle 49">
+              <a:extLst>
+                <a:ext uri="{FF2B5EF4-FFF2-40B4-BE49-F238E27FC236}">
+                  <a16:creationId xmlns:a16="http://schemas.microsoft.com/office/drawing/2014/main" id="{74489C09-B68D-4650-8D99-44904CBECD22}"/>
+                </a:ext>
+              </a:extLst>
+            </p:cNvPr>
+            <p:cNvSpPr/>
+            <p:nvPr/>
+          </p:nvSpPr>
+          <p:spPr>
+            <a:xfrm>
+              <a:off x="5618862" y="4894232"/>
+              <a:ext cx="2127842" cy="523220"/>
+            </a:xfrm>
+            <a:prstGeom prst="rect">
+              <a:avLst/>
+            </a:prstGeom>
+          </p:spPr>
+          <p:txBody>
+            <a:bodyPr wrap="none">
+              <a:spAutoFit/>
+            </a:bodyPr>
+            <a:lstStyle/>
+            <a:p>
+              <a:r>
+                <a:rPr lang="en-US" b="1" dirty="0"/>
+                <a:t>__</a:t>
+              </a:r>
+              <a:r>
+                <a:rPr lang="en-US" sz="2800" b="1" dirty="0">
+                  <a:solidFill>
+                    <a:schemeClr val="lt1"/>
+                  </a:solidFill>
+                  <a:effectLst>
+                    <a:outerShdw blurRad="38100" dist="38100" dir="2700000" algn="tl">
+                      <a:srgbClr val="000000">
+                        <a:alpha val="43137"/>
+                      </a:srgbClr>
+                    </a:outerShdw>
+                  </a:effectLst>
+                </a:rPr>
+                <a:t>proto</a:t>
+              </a:r>
+              <a:r>
+                <a:rPr lang="en-US" b="1" dirty="0"/>
+                <a:t>__</a:t>
+              </a:r>
+            </a:p>
+          </p:txBody>
+        </p:sp>
+        <p:sp>
+          <p:nvSpPr>
+            <p:cNvPr id="51" name="Oval 50">
+              <a:extLst>
+                <a:ext uri="{FF2B5EF4-FFF2-40B4-BE49-F238E27FC236}">
+                  <a16:creationId xmlns:a16="http://schemas.microsoft.com/office/drawing/2014/main" id="{746575C5-7798-4DAB-95FA-CC65B582764D}"/>
+                </a:ext>
+              </a:extLst>
+            </p:cNvPr>
+            <p:cNvSpPr/>
+            <p:nvPr/>
+          </p:nvSpPr>
+          <p:spPr>
+            <a:xfrm>
+              <a:off x="5189249" y="5030548"/>
+              <a:ext cx="321960" cy="306000"/>
+            </a:xfrm>
+            <a:prstGeom prst="ellipse">
+              <a:avLst/>
+            </a:prstGeom>
+            <a:ln>
+              <a:solidFill>
+                <a:schemeClr val="tx2">
+                  <a:lumMod val="75000"/>
+                </a:schemeClr>
+              </a:solidFill>
+            </a:ln>
+          </p:spPr>
+          <p:style>
+            <a:lnRef idx="2">
+              <a:schemeClr val="accent1">
+                <a:shade val="50000"/>
+              </a:schemeClr>
+            </a:lnRef>
+            <a:fillRef idx="1">
+              <a:schemeClr val="accent1"/>
+            </a:fillRef>
+            <a:effectRef idx="0">
+              <a:schemeClr val="accent1"/>
+            </a:effectRef>
+            <a:fontRef idx="minor">
+              <a:schemeClr val="lt1"/>
+            </a:fontRef>
+          </p:style>
+          <p:txBody>
+            <a:bodyPr rtlCol="0" anchor="ctr"/>
+            <a:lstStyle/>
+            <a:p>
+              <a:pPr algn="ctr"/>
+              <a:endParaRPr lang="en-US" sz="2800">
+                <a:effectLst>
+                  <a:outerShdw blurRad="38100" dist="38100" dir="2700000" algn="tl">
+                    <a:srgbClr val="000000">
+                      <a:alpha val="43137"/>
+                    </a:srgbClr>
+                  </a:outerShdw>
+                </a:effectLst>
+              </a:endParaRPr>
+            </a:p>
+          </p:txBody>
+        </p:sp>
+      </p:grpSp>
+    </p:spTree>
+    <p:extLst>
+      <p:ext uri="{BB962C8B-B14F-4D97-AF65-F5344CB8AC3E}">
+        <p14:creationId xmlns:p14="http://schemas.microsoft.com/office/powerpoint/2010/main" val="300197789"/>
+      </p:ext>
+    </p:extLst>
+  </p:cSld>
+  <p:clrMapOvr>
+    <a:masterClrMapping/>
+  </p:clrMapOvr>
+  <mc:AlternateContent xmlns:mc="http://schemas.openxmlformats.org/markup-compatibility/2006" xmlns:p14="http://schemas.microsoft.com/office/powerpoint/2010/main">
+    <mc:Choice Requires="p14">
+      <p:transition spd="slow" p14:dur="2000" advClick="0" advTm="5000"/>
+    </mc:Choice>
+    <mc:Fallback xmlns="">
+      <p:transition spd="slow" advClick="0" advTm="5000"/>
+    </mc:Fallback>
+  </mc:AlternateContent>
+</p:sld>
+</file>
+
+<file path=ppt/slides/slide23.xml><?xml version="1.0" encoding="utf-8"?>
+<p:sld xmlns:a="http://schemas.openxmlformats.org/drawingml/2006/main" xmlns:r="http://schemas.openxmlformats.org/officeDocument/2006/relationships" xmlns:p="http://schemas.openxmlformats.org/presentationml/2006/main">
+  <p:cSld>
+    <p:spTree>
+      <p:nvGrpSpPr>
+        <p:cNvPr id="1" name=""/>
+        <p:cNvGrpSpPr/>
+        <p:nvPr/>
+      </p:nvGrpSpPr>
+      <p:grpSpPr>
+        <a:xfrm>
+          <a:off x="0" y="0"/>
+          <a:ext cx="0" cy="0"/>
+          <a:chOff x="0" y="0"/>
+          <a:chExt cx="0" cy="0"/>
+        </a:xfrm>
+      </p:grpSpPr>
+      <p:sp>
+        <p:nvSpPr>
+          <p:cNvPr id="4" name="Title 3"/>
+          <p:cNvSpPr>
+            <a:spLocks noGrp="1"/>
+          </p:cNvSpPr>
+          <p:nvPr>
+            <p:ph type="title"/>
+          </p:nvPr>
+        </p:nvSpPr>
+        <p:spPr/>
+        <p:txBody>
+          <a:bodyPr/>
+          <a:lstStyle/>
+          <a:p>
+            <a:r>
+              <a:rPr lang="en-US" dirty="0"/>
+              <a:t>Constructor Prototype Chain</a:t>
+            </a:r>
+            <a:endParaRPr lang="bg-BG" dirty="0"/>
+          </a:p>
+        </p:txBody>
+      </p:sp>
+      <p:sp>
+        <p:nvSpPr>
+          <p:cNvPr id="5" name="Slide Number Placeholder 4"/>
+          <p:cNvSpPr>
+            <a:spLocks noGrp="1"/>
+          </p:cNvSpPr>
+          <p:nvPr>
+            <p:ph type="sldNum" sz="quarter" idx="14"/>
+          </p:nvPr>
+        </p:nvSpPr>
+        <p:spPr/>
+        <p:txBody>
+          <a:bodyPr/>
+          <a:lstStyle/>
+          <a:p>
+            <a:fld id="{C014DD1E-5D91-48A3-AD6D-45FBA980D106}" type="slidenum">
+              <a:rPr lang="en-US" smtClean="0"/>
+              <a:pPr/>
+              <a:t>23</a:t>
+            </a:fld>
+            <a:endParaRPr lang="en-US" dirty="0"/>
+          </a:p>
+        </p:txBody>
+      </p:sp>
+      <p:grpSp>
+        <p:nvGrpSpPr>
+          <p:cNvPr id="39" name="Group 38">
+            <a:extLst>
+              <a:ext uri="{FF2B5EF4-FFF2-40B4-BE49-F238E27FC236}">
+                <a16:creationId xmlns:a16="http://schemas.microsoft.com/office/drawing/2014/main" id="{ADCDC1FF-61FF-4F39-99F0-522FF7B8AE06}"/>
+              </a:ext>
+            </a:extLst>
+          </p:cNvPr>
+          <p:cNvGrpSpPr/>
+          <p:nvPr/>
+        </p:nvGrpSpPr>
+        <p:grpSpPr>
+          <a:xfrm>
+            <a:off x="8278768" y="2667000"/>
+            <a:ext cx="3074344" cy="1847058"/>
+            <a:chOff x="4494212" y="1686580"/>
+            <a:chExt cx="3074344" cy="1847058"/>
+          </a:xfrm>
+          <a:noFill/>
+        </p:grpSpPr>
+        <p:sp>
+          <p:nvSpPr>
+            <p:cNvPr id="40" name="Rectangle: Rounded Corners 6">
+              <a:extLst>
+                <a:ext uri="{FF2B5EF4-FFF2-40B4-BE49-F238E27FC236}">
+                  <a16:creationId xmlns:a16="http://schemas.microsoft.com/office/drawing/2014/main" id="{A5D464B6-530D-4879-AF58-8C2273010CBC}"/>
+                </a:ext>
+              </a:extLst>
+            </p:cNvPr>
+            <p:cNvSpPr/>
+            <p:nvPr/>
+          </p:nvSpPr>
+          <p:spPr>
+            <a:xfrm>
+              <a:off x="4494212" y="1686580"/>
+              <a:ext cx="3074344" cy="1847058"/>
+            </a:xfrm>
+            <a:prstGeom prst="roundRect">
+              <a:avLst>
+                <a:gd name="adj" fmla="val 5385"/>
+              </a:avLst>
+            </a:prstGeom>
+            <a:grpFill/>
+            <a:ln w="57150">
+              <a:solidFill>
+                <a:srgbClr val="F3CD60"/>
+              </a:solidFill>
+              <a:prstDash val="sysDash"/>
+            </a:ln>
+          </p:spPr>
+          <p:style>
+            <a:lnRef idx="2">
+              <a:schemeClr val="accent1">
+                <a:shade val="50000"/>
+              </a:schemeClr>
+            </a:lnRef>
+            <a:fillRef idx="1">
+              <a:schemeClr val="accent1"/>
+            </a:fillRef>
+            <a:effectRef idx="0">
+              <a:schemeClr val="accent1"/>
+            </a:effectRef>
+            <a:fontRef idx="minor">
+              <a:schemeClr val="lt1"/>
+            </a:fontRef>
+          </p:style>
+          <p:txBody>
+            <a:bodyPr rtlCol="0" anchor="ctr"/>
+            <a:lstStyle/>
+            <a:p>
+              <a:pPr algn="ctr"/>
+              <a:endParaRPr lang="en-US" sz="2800" dirty="0">
+                <a:effectLst>
+                  <a:outerShdw blurRad="38100" dist="38100" dir="2700000" algn="tl">
+                    <a:srgbClr val="000000">
+                      <a:alpha val="43137"/>
+                    </a:srgbClr>
+                  </a:outerShdw>
+                </a:effectLst>
+              </a:endParaRPr>
+            </a:p>
+          </p:txBody>
+        </p:sp>
+        <p:sp>
+          <p:nvSpPr>
+            <p:cNvPr id="41" name="TextBox 40">
+              <a:extLst>
+                <a:ext uri="{FF2B5EF4-FFF2-40B4-BE49-F238E27FC236}">
+                  <a16:creationId xmlns:a16="http://schemas.microsoft.com/office/drawing/2014/main" id="{D45AB9E9-EEBD-496C-93AF-8220B96D52EF}"/>
+                </a:ext>
+              </a:extLst>
+            </p:cNvPr>
+            <p:cNvSpPr txBox="1"/>
+            <p:nvPr/>
+          </p:nvSpPr>
+          <p:spPr>
+            <a:xfrm>
+              <a:off x="4656851" y="1686580"/>
+              <a:ext cx="1646470" cy="523220"/>
+            </a:xfrm>
+            <a:prstGeom prst="rect">
+              <a:avLst/>
+            </a:prstGeom>
+            <a:grpFill/>
+          </p:spPr>
+          <p:txBody>
+            <a:bodyPr wrap="none" rtlCol="0">
+              <a:spAutoFit/>
+            </a:bodyPr>
+            <a:lstStyle/>
+            <a:p>
+              <a:r>
+                <a:rPr lang="en-US" sz="2800" b="1" noProof="1">
+                  <a:solidFill>
+                    <a:schemeClr val="tx2">
+                      <a:lumMod val="75000"/>
+                    </a:schemeClr>
+                  </a:solidFill>
+                  <a:effectLst>
+                    <a:outerShdw blurRad="38100" dist="38100" dir="2700000" algn="tl">
+                      <a:srgbClr val="000000">
+                        <a:alpha val="43137"/>
+                      </a:srgbClr>
+                    </a:outerShdw>
+                  </a:effectLst>
+                  <a:latin typeface="Consolas" panose="020B0609020204030204" pitchFamily="49" charset="0"/>
+                </a:rPr>
+                <a:t>Teacher</a:t>
+              </a:r>
+            </a:p>
+          </p:txBody>
+        </p:sp>
+        <p:sp>
+          <p:nvSpPr>
+            <p:cNvPr id="43" name="Rectangle 42">
+              <a:extLst>
+                <a:ext uri="{FF2B5EF4-FFF2-40B4-BE49-F238E27FC236}">
+                  <a16:creationId xmlns:a16="http://schemas.microsoft.com/office/drawing/2014/main" id="{4E587FEF-B6E3-4C58-AE00-B57ADE67A0E2}"/>
+                </a:ext>
+              </a:extLst>
+            </p:cNvPr>
+            <p:cNvSpPr/>
+            <p:nvPr/>
+          </p:nvSpPr>
+          <p:spPr>
+            <a:xfrm>
+              <a:off x="5390262" y="2847836"/>
+              <a:ext cx="2127842" cy="523220"/>
+            </a:xfrm>
+            <a:prstGeom prst="rect">
+              <a:avLst/>
+            </a:prstGeom>
+            <a:grpFill/>
+          </p:spPr>
+          <p:txBody>
+            <a:bodyPr wrap="none">
+              <a:spAutoFit/>
+            </a:bodyPr>
+            <a:lstStyle/>
+            <a:p>
+              <a:r>
+                <a:rPr lang="en-US" b="1" dirty="0"/>
+                <a:t>__</a:t>
+              </a:r>
+              <a:r>
+                <a:rPr lang="en-US" sz="2800" b="1" dirty="0">
+                  <a:solidFill>
+                    <a:schemeClr val="lt1"/>
+                  </a:solidFill>
+                  <a:effectLst>
+                    <a:outerShdw blurRad="38100" dist="38100" dir="2700000" algn="tl">
+                      <a:srgbClr val="000000">
+                        <a:alpha val="43137"/>
+                      </a:srgbClr>
+                    </a:outerShdw>
+                  </a:effectLst>
+                </a:rPr>
+                <a:t>proto</a:t>
+              </a:r>
+              <a:r>
+                <a:rPr lang="en-US" b="1" dirty="0"/>
+                <a:t>__</a:t>
+              </a:r>
+            </a:p>
+          </p:txBody>
+        </p:sp>
+        <p:sp>
+          <p:nvSpPr>
+            <p:cNvPr id="45" name="Oval 44">
+              <a:extLst>
+                <a:ext uri="{FF2B5EF4-FFF2-40B4-BE49-F238E27FC236}">
+                  <a16:creationId xmlns:a16="http://schemas.microsoft.com/office/drawing/2014/main" id="{54F4ACDE-6BB6-4D8E-B8AC-3F92009FDF16}"/>
+                </a:ext>
+              </a:extLst>
+            </p:cNvPr>
+            <p:cNvSpPr/>
+            <p:nvPr/>
+          </p:nvSpPr>
+          <p:spPr>
+            <a:xfrm>
+              <a:off x="4960649" y="2984152"/>
+              <a:ext cx="321960" cy="306000"/>
+            </a:xfrm>
+            <a:prstGeom prst="ellipse">
+              <a:avLst/>
+            </a:prstGeom>
+            <a:solidFill>
+              <a:schemeClr val="bg1"/>
+            </a:solidFill>
+            <a:ln>
+              <a:solidFill>
+                <a:schemeClr val="tx2">
+                  <a:lumMod val="75000"/>
+                </a:schemeClr>
+              </a:solidFill>
+            </a:ln>
+          </p:spPr>
+          <p:style>
+            <a:lnRef idx="2">
+              <a:schemeClr val="accent1">
+                <a:shade val="50000"/>
+              </a:schemeClr>
+            </a:lnRef>
+            <a:fillRef idx="1">
+              <a:schemeClr val="accent1"/>
+            </a:fillRef>
+            <a:effectRef idx="0">
+              <a:schemeClr val="accent1"/>
+            </a:effectRef>
+            <a:fontRef idx="minor">
+              <a:schemeClr val="lt1"/>
+            </a:fontRef>
+          </p:style>
+          <p:txBody>
+            <a:bodyPr rtlCol="0" anchor="ctr"/>
+            <a:lstStyle/>
+            <a:p>
+              <a:pPr algn="ctr"/>
+              <a:endParaRPr lang="en-US" sz="2800" dirty="0">
+                <a:effectLst>
+                  <a:outerShdw blurRad="38100" dist="38100" dir="2700000" algn="tl">
+                    <a:srgbClr val="000000">
+                      <a:alpha val="43137"/>
+                    </a:srgbClr>
+                  </a:outerShdw>
+                </a:effectLst>
+              </a:endParaRPr>
+            </a:p>
+          </p:txBody>
+        </p:sp>
+        <p:sp>
+          <p:nvSpPr>
+            <p:cNvPr id="52" name="Rectangle: Rounded Corners 13">
+              <a:extLst>
+                <a:ext uri="{FF2B5EF4-FFF2-40B4-BE49-F238E27FC236}">
+                  <a16:creationId xmlns:a16="http://schemas.microsoft.com/office/drawing/2014/main" id="{E46CF3BE-0595-46FC-8DCC-B41123CBD778}"/>
+                </a:ext>
+              </a:extLst>
+            </p:cNvPr>
+            <p:cNvSpPr/>
+            <p:nvPr/>
+          </p:nvSpPr>
+          <p:spPr>
+            <a:xfrm>
+              <a:off x="4867588" y="2284370"/>
+              <a:ext cx="2355114" cy="535030"/>
+            </a:xfrm>
+            <a:prstGeom prst="roundRect">
+              <a:avLst>
+                <a:gd name="adj" fmla="val 5319"/>
+              </a:avLst>
+            </a:prstGeom>
+            <a:grpFill/>
+            <a:ln w="38100">
+              <a:solidFill>
+                <a:srgbClr val="F3CD60"/>
+              </a:solidFill>
+              <a:prstDash val="solid"/>
+            </a:ln>
+          </p:spPr>
+          <p:style>
+            <a:lnRef idx="2">
+              <a:schemeClr val="accent1">
+                <a:shade val="50000"/>
+              </a:schemeClr>
+            </a:lnRef>
+            <a:fillRef idx="1">
+              <a:schemeClr val="accent1"/>
+            </a:fillRef>
+            <a:effectRef idx="0">
+              <a:schemeClr val="accent1"/>
+            </a:effectRef>
+            <a:fontRef idx="minor">
+              <a:schemeClr val="lt1"/>
+            </a:fontRef>
+          </p:style>
+          <p:txBody>
+            <a:bodyPr rtlCol="0" anchor="ctr"/>
+            <a:lstStyle/>
+            <a:p>
+              <a:pPr algn="ctr"/>
+              <a:r>
+                <a:rPr lang="en-US" sz="2800" b="1" dirty="0">
+                  <a:solidFill>
+                    <a:schemeClr val="bg1"/>
+                  </a:solidFill>
+                  <a:effectLst>
+                    <a:outerShdw blurRad="38100" dist="38100" dir="2700000" algn="tl">
+                      <a:srgbClr val="000000">
+                        <a:alpha val="43137"/>
+                      </a:srgbClr>
+                    </a:outerShdw>
+                  </a:effectLst>
+                  <a:latin typeface="Consolas" pitchFamily="49" charset="0"/>
+                  <a:cs typeface="Consolas" pitchFamily="49" charset="0"/>
+                </a:rPr>
+                <a:t>prototype</a:t>
+              </a:r>
+            </a:p>
+          </p:txBody>
+        </p:sp>
+      </p:grpSp>
+      <p:cxnSp>
+        <p:nvCxnSpPr>
+          <p:cNvPr id="53" name="Straight Connector 127">
+            <a:extLst>
+              <a:ext uri="{FF2B5EF4-FFF2-40B4-BE49-F238E27FC236}">
+                <a16:creationId xmlns:a16="http://schemas.microsoft.com/office/drawing/2014/main" id="{0F4735D4-E3E7-46C8-999D-398F3E18A569}"/>
+              </a:ext>
+            </a:extLst>
+          </p:cNvPr>
+          <p:cNvCxnSpPr>
+            <a:stCxn id="45" idx="4"/>
+            <a:endCxn id="55" idx="2"/>
+          </p:cNvCxnSpPr>
+          <p:nvPr/>
+        </p:nvCxnSpPr>
+        <p:spPr>
+          <a:xfrm rot="5400000">
+            <a:off x="7390513" y="2998386"/>
+            <a:ext cx="243486" cy="2787858"/>
+          </a:xfrm>
+          <a:prstGeom prst="bentConnector3">
+            <a:avLst>
+              <a:gd name="adj1" fmla="val 480016"/>
+            </a:avLst>
+          </a:prstGeom>
+          <a:solidFill>
+            <a:srgbClr val="F0A22E">
+              <a:alpha val="25098"/>
+            </a:srgbClr>
+          </a:solidFill>
+          <a:ln w="50800">
+            <a:solidFill>
+              <a:srgbClr val="F3CD60"/>
+            </a:solidFill>
+            <a:prstDash val="solid"/>
+            <a:tailEnd type="triangle" w="lg" len="lg"/>
+          </a:ln>
+        </p:spPr>
+        <p:style>
+          <a:lnRef idx="2">
+            <a:schemeClr val="accent1">
+              <a:shade val="50000"/>
+            </a:schemeClr>
+          </a:lnRef>
+          <a:fillRef idx="1">
+            <a:schemeClr val="accent1"/>
+          </a:fillRef>
+          <a:effectRef idx="0">
+            <a:schemeClr val="accent1"/>
+          </a:effectRef>
+          <a:fontRef idx="minor">
+            <a:schemeClr val="lt1"/>
+          </a:fontRef>
+        </p:style>
+      </p:cxnSp>
+      <p:grpSp>
+        <p:nvGrpSpPr>
+          <p:cNvPr id="54" name="Group 53">
+            <a:extLst>
+              <a:ext uri="{FF2B5EF4-FFF2-40B4-BE49-F238E27FC236}">
+                <a16:creationId xmlns:a16="http://schemas.microsoft.com/office/drawing/2014/main" id="{67A22D84-CDBD-4555-8955-6E530DBB9110}"/>
+              </a:ext>
+            </a:extLst>
+          </p:cNvPr>
+          <p:cNvGrpSpPr/>
+          <p:nvPr/>
+        </p:nvGrpSpPr>
+        <p:grpSpPr>
+          <a:xfrm>
+            <a:off x="4581155" y="2667000"/>
+            <a:ext cx="3074344" cy="1847058"/>
+            <a:chOff x="4494212" y="1686580"/>
+            <a:chExt cx="3074344" cy="1847058"/>
+          </a:xfrm>
+          <a:noFill/>
+        </p:grpSpPr>
+        <p:sp>
+          <p:nvSpPr>
+            <p:cNvPr id="55" name="Rectangle: Rounded Corners 6">
+              <a:extLst>
+                <a:ext uri="{FF2B5EF4-FFF2-40B4-BE49-F238E27FC236}">
+                  <a16:creationId xmlns:a16="http://schemas.microsoft.com/office/drawing/2014/main" id="{DB449394-4DCB-4E6B-8B4B-1FA4F8DFEEC4}"/>
+                </a:ext>
+              </a:extLst>
+            </p:cNvPr>
+            <p:cNvSpPr/>
+            <p:nvPr/>
+          </p:nvSpPr>
+          <p:spPr>
+            <a:xfrm>
+              <a:off x="4494212" y="1686580"/>
+              <a:ext cx="3074344" cy="1847058"/>
+            </a:xfrm>
+            <a:prstGeom prst="roundRect">
+              <a:avLst>
+                <a:gd name="adj" fmla="val 5385"/>
+              </a:avLst>
+            </a:prstGeom>
+            <a:grpFill/>
+            <a:ln w="57150">
+              <a:solidFill>
+                <a:srgbClr val="F3CD60"/>
+              </a:solidFill>
+              <a:prstDash val="sysDash"/>
+            </a:ln>
+          </p:spPr>
+          <p:style>
+            <a:lnRef idx="2">
+              <a:schemeClr val="accent1">
+                <a:shade val="50000"/>
+              </a:schemeClr>
+            </a:lnRef>
+            <a:fillRef idx="1">
+              <a:schemeClr val="accent1"/>
+            </a:fillRef>
+            <a:effectRef idx="0">
+              <a:schemeClr val="accent1"/>
+            </a:effectRef>
+            <a:fontRef idx="minor">
+              <a:schemeClr val="lt1"/>
+            </a:fontRef>
+          </p:style>
+          <p:txBody>
+            <a:bodyPr rtlCol="0" anchor="ctr"/>
+            <a:lstStyle/>
+            <a:p>
+              <a:pPr algn="ctr"/>
+              <a:endParaRPr lang="en-US" sz="2800" dirty="0">
+                <a:effectLst>
+                  <a:outerShdw blurRad="38100" dist="38100" dir="2700000" algn="tl">
+                    <a:srgbClr val="000000">
+                      <a:alpha val="43137"/>
+                    </a:srgbClr>
+                  </a:outerShdw>
+                </a:effectLst>
+              </a:endParaRPr>
+            </a:p>
+          </p:txBody>
+        </p:sp>
+        <p:sp>
+          <p:nvSpPr>
+            <p:cNvPr id="56" name="TextBox 55">
+              <a:extLst>
+                <a:ext uri="{FF2B5EF4-FFF2-40B4-BE49-F238E27FC236}">
+                  <a16:creationId xmlns:a16="http://schemas.microsoft.com/office/drawing/2014/main" id="{334CF297-874E-4EA9-B950-79569B165DC6}"/>
+                </a:ext>
+              </a:extLst>
+            </p:cNvPr>
+            <p:cNvSpPr txBox="1"/>
+            <p:nvPr/>
+          </p:nvSpPr>
+          <p:spPr>
+            <a:xfrm>
+              <a:off x="4656851" y="1686580"/>
+              <a:ext cx="1367682" cy="523220"/>
+            </a:xfrm>
+            <a:prstGeom prst="rect">
+              <a:avLst/>
+            </a:prstGeom>
+            <a:grpFill/>
+          </p:spPr>
+          <p:txBody>
+            <a:bodyPr wrap="none" rtlCol="0">
+              <a:spAutoFit/>
+            </a:bodyPr>
+            <a:lstStyle/>
+            <a:p>
+              <a:r>
+                <a:rPr lang="en-US" sz="2800" b="1" noProof="1">
+                  <a:solidFill>
+                    <a:schemeClr val="tx2">
+                      <a:lumMod val="75000"/>
+                    </a:schemeClr>
+                  </a:solidFill>
+                  <a:effectLst>
+                    <a:outerShdw blurRad="38100" dist="38100" dir="2700000" algn="tl">
+                      <a:srgbClr val="000000">
+                        <a:alpha val="43137"/>
+                      </a:srgbClr>
+                    </a:outerShdw>
+                  </a:effectLst>
+                  <a:latin typeface="Consolas" panose="020B0609020204030204" pitchFamily="49" charset="0"/>
+                </a:rPr>
+                <a:t>Person</a:t>
+              </a:r>
+            </a:p>
+          </p:txBody>
+        </p:sp>
+        <p:sp>
+          <p:nvSpPr>
+            <p:cNvPr id="57" name="Rectangle 56">
+              <a:extLst>
+                <a:ext uri="{FF2B5EF4-FFF2-40B4-BE49-F238E27FC236}">
+                  <a16:creationId xmlns:a16="http://schemas.microsoft.com/office/drawing/2014/main" id="{B16292D2-7E9C-409A-84A6-132B1C51D15F}"/>
+                </a:ext>
+              </a:extLst>
+            </p:cNvPr>
+            <p:cNvSpPr/>
+            <p:nvPr/>
+          </p:nvSpPr>
+          <p:spPr>
+            <a:xfrm>
+              <a:off x="5390262" y="2847836"/>
+              <a:ext cx="2127842" cy="523220"/>
+            </a:xfrm>
+            <a:prstGeom prst="rect">
+              <a:avLst/>
+            </a:prstGeom>
+            <a:grpFill/>
+          </p:spPr>
+          <p:txBody>
+            <a:bodyPr wrap="none">
+              <a:spAutoFit/>
+            </a:bodyPr>
+            <a:lstStyle/>
+            <a:p>
+              <a:r>
+                <a:rPr lang="en-US" b="1" dirty="0"/>
+                <a:t>__</a:t>
+              </a:r>
+              <a:r>
+                <a:rPr lang="en-US" sz="2800" b="1" dirty="0">
+                  <a:solidFill>
+                    <a:schemeClr val="lt1"/>
+                  </a:solidFill>
+                  <a:effectLst>
+                    <a:outerShdw blurRad="38100" dist="38100" dir="2700000" algn="tl">
+                      <a:srgbClr val="000000">
+                        <a:alpha val="43137"/>
+                      </a:srgbClr>
+                    </a:outerShdw>
+                  </a:effectLst>
+                </a:rPr>
+                <a:t>proto</a:t>
+              </a:r>
+              <a:r>
+                <a:rPr lang="en-US" b="1" dirty="0"/>
+                <a:t>__</a:t>
+              </a:r>
+            </a:p>
+          </p:txBody>
+        </p:sp>
+        <p:sp>
+          <p:nvSpPr>
+            <p:cNvPr id="58" name="Oval 57">
+              <a:extLst>
+                <a:ext uri="{FF2B5EF4-FFF2-40B4-BE49-F238E27FC236}">
+                  <a16:creationId xmlns:a16="http://schemas.microsoft.com/office/drawing/2014/main" id="{F8FF2709-EC3C-4899-A7DF-4DF5A07D7D00}"/>
+                </a:ext>
+              </a:extLst>
+            </p:cNvPr>
+            <p:cNvSpPr/>
+            <p:nvPr/>
+          </p:nvSpPr>
+          <p:spPr>
+            <a:xfrm>
+              <a:off x="4960649" y="2984152"/>
+              <a:ext cx="321960" cy="306000"/>
+            </a:xfrm>
+            <a:prstGeom prst="ellipse">
+              <a:avLst/>
+            </a:prstGeom>
+            <a:solidFill>
+              <a:schemeClr val="bg1"/>
+            </a:solidFill>
+            <a:ln>
+              <a:solidFill>
+                <a:schemeClr val="tx2">
+                  <a:lumMod val="75000"/>
+                </a:schemeClr>
+              </a:solidFill>
+            </a:ln>
+          </p:spPr>
+          <p:style>
+            <a:lnRef idx="2">
+              <a:schemeClr val="accent1">
+                <a:shade val="50000"/>
+              </a:schemeClr>
+            </a:lnRef>
+            <a:fillRef idx="1">
+              <a:schemeClr val="accent1"/>
+            </a:fillRef>
+            <a:effectRef idx="0">
+              <a:schemeClr val="accent1"/>
+            </a:effectRef>
+            <a:fontRef idx="minor">
+              <a:schemeClr val="lt1"/>
+            </a:fontRef>
+          </p:style>
+          <p:txBody>
+            <a:bodyPr rtlCol="0" anchor="ctr"/>
+            <a:lstStyle/>
+            <a:p>
+              <a:pPr algn="ctr"/>
+              <a:endParaRPr lang="en-US" sz="2800" dirty="0">
+                <a:effectLst>
+                  <a:outerShdw blurRad="38100" dist="38100" dir="2700000" algn="tl">
+                    <a:srgbClr val="000000">
+                      <a:alpha val="43137"/>
+                    </a:srgbClr>
+                  </a:outerShdw>
+                </a:effectLst>
+              </a:endParaRPr>
+            </a:p>
+          </p:txBody>
+        </p:sp>
+        <p:sp>
+          <p:nvSpPr>
+            <p:cNvPr id="60" name="Rectangle: Rounded Corners 13">
+              <a:extLst>
+                <a:ext uri="{FF2B5EF4-FFF2-40B4-BE49-F238E27FC236}">
+                  <a16:creationId xmlns:a16="http://schemas.microsoft.com/office/drawing/2014/main" id="{35A89CC3-4FC2-4A8A-A39A-215B30C8EA6D}"/>
+                </a:ext>
+              </a:extLst>
+            </p:cNvPr>
+            <p:cNvSpPr/>
+            <p:nvPr/>
+          </p:nvSpPr>
+          <p:spPr>
+            <a:xfrm>
+              <a:off x="4788269" y="2284370"/>
+              <a:ext cx="2355114" cy="535030"/>
+            </a:xfrm>
+            <a:prstGeom prst="roundRect">
+              <a:avLst>
+                <a:gd name="adj" fmla="val 5319"/>
+              </a:avLst>
+            </a:prstGeom>
+            <a:grpFill/>
+            <a:ln w="38100">
+              <a:solidFill>
+                <a:srgbClr val="F3CD60"/>
+              </a:solidFill>
+              <a:prstDash val="solid"/>
+            </a:ln>
+          </p:spPr>
+          <p:style>
+            <a:lnRef idx="2">
+              <a:schemeClr val="accent1">
+                <a:shade val="50000"/>
+              </a:schemeClr>
+            </a:lnRef>
+            <a:fillRef idx="1">
+              <a:schemeClr val="accent1"/>
+            </a:fillRef>
+            <a:effectRef idx="0">
+              <a:schemeClr val="accent1"/>
+            </a:effectRef>
+            <a:fontRef idx="minor">
+              <a:schemeClr val="lt1"/>
+            </a:fontRef>
+          </p:style>
+          <p:txBody>
+            <a:bodyPr rtlCol="0" anchor="ctr"/>
+            <a:lstStyle/>
+            <a:p>
+              <a:pPr algn="ctr"/>
+              <a:r>
+                <a:rPr lang="en-US" sz="2800" b="1" dirty="0">
+                  <a:solidFill>
+                    <a:schemeClr val="bg1"/>
+                  </a:solidFill>
+                  <a:effectLst>
+                    <a:outerShdw blurRad="38100" dist="38100" dir="2700000" algn="tl">
+                      <a:srgbClr val="000000">
+                        <a:alpha val="43137"/>
+                      </a:srgbClr>
+                    </a:outerShdw>
+                  </a:effectLst>
+                  <a:latin typeface="Consolas" pitchFamily="49" charset="0"/>
+                  <a:cs typeface="Consolas" pitchFamily="49" charset="0"/>
+                </a:rPr>
+                <a:t>prototype</a:t>
+              </a:r>
+            </a:p>
+          </p:txBody>
+        </p:sp>
+      </p:grpSp>
+      <p:grpSp>
+        <p:nvGrpSpPr>
+          <p:cNvPr id="61" name="Group 60">
+            <a:extLst>
+              <a:ext uri="{FF2B5EF4-FFF2-40B4-BE49-F238E27FC236}">
+                <a16:creationId xmlns:a16="http://schemas.microsoft.com/office/drawing/2014/main" id="{2DBBEEB8-5E8A-4962-88BB-B7BA763EA6EC}"/>
+              </a:ext>
+            </a:extLst>
+          </p:cNvPr>
+          <p:cNvGrpSpPr/>
+          <p:nvPr/>
+        </p:nvGrpSpPr>
+        <p:grpSpPr>
+          <a:xfrm>
+            <a:off x="836612" y="2667000"/>
+            <a:ext cx="3074344" cy="1847058"/>
+            <a:chOff x="4494212" y="1686580"/>
+            <a:chExt cx="3074344" cy="1847058"/>
+          </a:xfrm>
+          <a:noFill/>
+        </p:grpSpPr>
+        <p:sp>
+          <p:nvSpPr>
+            <p:cNvPr id="62" name="Rectangle: Rounded Corners 6">
+              <a:extLst>
+                <a:ext uri="{FF2B5EF4-FFF2-40B4-BE49-F238E27FC236}">
+                  <a16:creationId xmlns:a16="http://schemas.microsoft.com/office/drawing/2014/main" id="{1DC718B7-E2F7-45CA-AA06-558F8BE176FB}"/>
+                </a:ext>
+              </a:extLst>
+            </p:cNvPr>
+            <p:cNvSpPr/>
+            <p:nvPr/>
+          </p:nvSpPr>
+          <p:spPr>
+            <a:xfrm>
+              <a:off x="4494212" y="1686580"/>
+              <a:ext cx="3074344" cy="1847058"/>
+            </a:xfrm>
+            <a:prstGeom prst="roundRect">
+              <a:avLst>
+                <a:gd name="adj" fmla="val 5385"/>
+              </a:avLst>
+            </a:prstGeom>
+            <a:grpFill/>
+            <a:ln w="57150">
+              <a:solidFill>
+                <a:srgbClr val="F3CD60"/>
+              </a:solidFill>
+              <a:prstDash val="sysDash"/>
+            </a:ln>
+          </p:spPr>
+          <p:style>
+            <a:lnRef idx="2">
+              <a:schemeClr val="accent1">
+                <a:shade val="50000"/>
+              </a:schemeClr>
+            </a:lnRef>
+            <a:fillRef idx="1">
+              <a:schemeClr val="accent1"/>
+            </a:fillRef>
+            <a:effectRef idx="0">
+              <a:schemeClr val="accent1"/>
+            </a:effectRef>
+            <a:fontRef idx="minor">
+              <a:schemeClr val="lt1"/>
+            </a:fontRef>
+          </p:style>
+          <p:txBody>
+            <a:bodyPr rtlCol="0" anchor="ctr"/>
+            <a:lstStyle/>
+            <a:p>
+              <a:pPr algn="ctr"/>
+              <a:endParaRPr lang="en-US" sz="2800" dirty="0">
+                <a:effectLst>
+                  <a:outerShdw blurRad="38100" dist="38100" dir="2700000" algn="tl">
+                    <a:srgbClr val="000000">
+                      <a:alpha val="43137"/>
+                    </a:srgbClr>
+                  </a:outerShdw>
+                </a:effectLst>
+              </a:endParaRPr>
+            </a:p>
+          </p:txBody>
+        </p:sp>
+        <p:sp>
+          <p:nvSpPr>
+            <p:cNvPr id="63" name="TextBox 62">
+              <a:extLst>
+                <a:ext uri="{FF2B5EF4-FFF2-40B4-BE49-F238E27FC236}">
+                  <a16:creationId xmlns:a16="http://schemas.microsoft.com/office/drawing/2014/main" id="{479E4084-9BD6-4331-A8BF-FB55DB0D8A5C}"/>
+                </a:ext>
+              </a:extLst>
+            </p:cNvPr>
+            <p:cNvSpPr txBox="1"/>
+            <p:nvPr/>
+          </p:nvSpPr>
+          <p:spPr>
+            <a:xfrm>
+              <a:off x="4656851" y="1686580"/>
+              <a:ext cx="1367682" cy="523220"/>
+            </a:xfrm>
+            <a:prstGeom prst="rect">
+              <a:avLst/>
+            </a:prstGeom>
+            <a:grpFill/>
+          </p:spPr>
+          <p:txBody>
+            <a:bodyPr wrap="none" rtlCol="0">
+              <a:spAutoFit/>
+            </a:bodyPr>
+            <a:lstStyle/>
+            <a:p>
+              <a:r>
+                <a:rPr lang="en-US" sz="2800" b="1" noProof="1">
+                  <a:solidFill>
+                    <a:schemeClr val="tx2">
+                      <a:lumMod val="75000"/>
+                    </a:schemeClr>
+                  </a:solidFill>
+                  <a:effectLst>
+                    <a:outerShdw blurRad="38100" dist="38100" dir="2700000" algn="tl">
+                      <a:srgbClr val="000000">
+                        <a:alpha val="43137"/>
+                      </a:srgbClr>
+                    </a:outerShdw>
+                  </a:effectLst>
+                  <a:latin typeface="Consolas" panose="020B0609020204030204" pitchFamily="49" charset="0"/>
+                </a:rPr>
+                <a:t>Object</a:t>
+              </a:r>
+            </a:p>
+          </p:txBody>
+        </p:sp>
+        <p:sp>
+          <p:nvSpPr>
+            <p:cNvPr id="64" name="Rectangle 63">
+              <a:extLst>
+                <a:ext uri="{FF2B5EF4-FFF2-40B4-BE49-F238E27FC236}">
+                  <a16:creationId xmlns:a16="http://schemas.microsoft.com/office/drawing/2014/main" id="{D7DC10BC-1EE7-4582-B0F8-28295983ACF1}"/>
+                </a:ext>
+              </a:extLst>
+            </p:cNvPr>
+            <p:cNvSpPr/>
+            <p:nvPr/>
+          </p:nvSpPr>
+          <p:spPr>
+            <a:xfrm>
+              <a:off x="5390262" y="2847836"/>
+              <a:ext cx="2127842" cy="523220"/>
+            </a:xfrm>
+            <a:prstGeom prst="rect">
+              <a:avLst/>
+            </a:prstGeom>
+            <a:grpFill/>
+          </p:spPr>
+          <p:txBody>
+            <a:bodyPr wrap="none">
+              <a:spAutoFit/>
+            </a:bodyPr>
+            <a:lstStyle/>
+            <a:p>
+              <a:r>
+                <a:rPr lang="en-US" b="1" dirty="0"/>
+                <a:t>__</a:t>
+              </a:r>
+              <a:r>
+                <a:rPr lang="en-US" sz="2800" b="1" dirty="0">
+                  <a:solidFill>
+                    <a:schemeClr val="lt1"/>
+                  </a:solidFill>
+                  <a:effectLst>
+                    <a:outerShdw blurRad="38100" dist="38100" dir="2700000" algn="tl">
+                      <a:srgbClr val="000000">
+                        <a:alpha val="43137"/>
+                      </a:srgbClr>
+                    </a:outerShdw>
+                  </a:effectLst>
+                </a:rPr>
+                <a:t>proto</a:t>
+              </a:r>
+              <a:r>
+                <a:rPr lang="en-US" b="1" dirty="0"/>
+                <a:t>__</a:t>
+              </a:r>
+            </a:p>
+          </p:txBody>
+        </p:sp>
+        <p:sp>
+          <p:nvSpPr>
+            <p:cNvPr id="65" name="Oval 64">
+              <a:extLst>
+                <a:ext uri="{FF2B5EF4-FFF2-40B4-BE49-F238E27FC236}">
+                  <a16:creationId xmlns:a16="http://schemas.microsoft.com/office/drawing/2014/main" id="{E6F20C4D-140B-4E32-863E-DFE3F3C44240}"/>
+                </a:ext>
+              </a:extLst>
+            </p:cNvPr>
+            <p:cNvSpPr/>
+            <p:nvPr/>
+          </p:nvSpPr>
+          <p:spPr>
+            <a:xfrm>
+              <a:off x="4960649" y="2984152"/>
+              <a:ext cx="321960" cy="306000"/>
+            </a:xfrm>
+            <a:prstGeom prst="ellipse">
+              <a:avLst/>
+            </a:prstGeom>
+            <a:solidFill>
+              <a:schemeClr val="bg1"/>
+            </a:solidFill>
+            <a:ln>
+              <a:solidFill>
+                <a:schemeClr val="tx2">
+                  <a:lumMod val="75000"/>
+                </a:schemeClr>
+              </a:solidFill>
+            </a:ln>
+          </p:spPr>
+          <p:style>
+            <a:lnRef idx="2">
+              <a:schemeClr val="accent1">
+                <a:shade val="50000"/>
+              </a:schemeClr>
+            </a:lnRef>
+            <a:fillRef idx="1">
+              <a:schemeClr val="accent1"/>
+            </a:fillRef>
+            <a:effectRef idx="0">
+              <a:schemeClr val="accent1"/>
+            </a:effectRef>
+            <a:fontRef idx="minor">
+              <a:schemeClr val="lt1"/>
+            </a:fontRef>
+          </p:style>
+          <p:txBody>
+            <a:bodyPr rtlCol="0" anchor="ctr"/>
+            <a:lstStyle/>
+            <a:p>
+              <a:pPr algn="ctr"/>
+              <a:endParaRPr lang="en-US" sz="2800" dirty="0">
+                <a:effectLst>
+                  <a:outerShdw blurRad="38100" dist="38100" dir="2700000" algn="tl">
+                    <a:srgbClr val="000000">
+                      <a:alpha val="43137"/>
+                    </a:srgbClr>
+                  </a:outerShdw>
+                </a:effectLst>
+              </a:endParaRPr>
+            </a:p>
+          </p:txBody>
+        </p:sp>
+        <p:sp>
+          <p:nvSpPr>
+            <p:cNvPr id="66" name="Rectangle: Rounded Corners 13">
+              <a:extLst>
+                <a:ext uri="{FF2B5EF4-FFF2-40B4-BE49-F238E27FC236}">
+                  <a16:creationId xmlns:a16="http://schemas.microsoft.com/office/drawing/2014/main" id="{DC88A003-69DC-4872-971C-90262D571FC7}"/>
+                </a:ext>
+              </a:extLst>
+            </p:cNvPr>
+            <p:cNvSpPr/>
+            <p:nvPr/>
+          </p:nvSpPr>
+          <p:spPr>
+            <a:xfrm>
+              <a:off x="4788269" y="2284370"/>
+              <a:ext cx="2355114" cy="535030"/>
+            </a:xfrm>
+            <a:prstGeom prst="roundRect">
+              <a:avLst>
+                <a:gd name="adj" fmla="val 5319"/>
+              </a:avLst>
+            </a:prstGeom>
+            <a:grpFill/>
+            <a:ln w="38100">
+              <a:solidFill>
+                <a:srgbClr val="F3CD60"/>
+              </a:solidFill>
+              <a:prstDash val="solid"/>
+            </a:ln>
+          </p:spPr>
+          <p:style>
+            <a:lnRef idx="2">
+              <a:schemeClr val="accent1">
+                <a:shade val="50000"/>
+              </a:schemeClr>
+            </a:lnRef>
+            <a:fillRef idx="1">
+              <a:schemeClr val="accent1"/>
+            </a:fillRef>
+            <a:effectRef idx="0">
+              <a:schemeClr val="accent1"/>
+            </a:effectRef>
+            <a:fontRef idx="minor">
+              <a:schemeClr val="lt1"/>
+            </a:fontRef>
+          </p:style>
+          <p:txBody>
+            <a:bodyPr rtlCol="0" anchor="ctr"/>
+            <a:lstStyle/>
+            <a:p>
+              <a:pPr algn="ctr"/>
+              <a:r>
+                <a:rPr lang="en-US" sz="2800" b="1" dirty="0">
+                  <a:solidFill>
+                    <a:schemeClr val="bg1"/>
+                  </a:solidFill>
+                  <a:effectLst>
+                    <a:outerShdw blurRad="38100" dist="38100" dir="2700000" algn="tl">
+                      <a:srgbClr val="000000">
+                        <a:alpha val="43137"/>
+                      </a:srgbClr>
+                    </a:outerShdw>
+                  </a:effectLst>
+                  <a:latin typeface="Consolas" pitchFamily="49" charset="0"/>
+                  <a:cs typeface="Consolas" pitchFamily="49" charset="0"/>
+                </a:rPr>
+                <a:t>prototype</a:t>
+              </a:r>
+            </a:p>
+          </p:txBody>
+        </p:sp>
+      </p:grpSp>
+      <p:cxnSp>
+        <p:nvCxnSpPr>
+          <p:cNvPr id="67" name="Straight Connector 17">
+            <a:extLst>
+              <a:ext uri="{FF2B5EF4-FFF2-40B4-BE49-F238E27FC236}">
+                <a16:creationId xmlns:a16="http://schemas.microsoft.com/office/drawing/2014/main" id="{D22DFDD4-1655-4963-A0CC-23BBB4BADDEF}"/>
+              </a:ext>
+            </a:extLst>
+          </p:cNvPr>
+          <p:cNvCxnSpPr>
+            <a:stCxn id="58" idx="4"/>
+            <a:endCxn id="62" idx="2"/>
+          </p:cNvCxnSpPr>
+          <p:nvPr/>
+        </p:nvCxnSpPr>
+        <p:spPr>
+          <a:xfrm rot="5400000">
+            <a:off x="3669435" y="2974921"/>
+            <a:ext cx="243486" cy="2834788"/>
+          </a:xfrm>
+          <a:prstGeom prst="bentConnector3">
+            <a:avLst>
+              <a:gd name="adj1" fmla="val 468092"/>
+            </a:avLst>
+          </a:prstGeom>
+          <a:solidFill>
+            <a:srgbClr val="F0A22E">
+              <a:alpha val="25098"/>
+            </a:srgbClr>
+          </a:solidFill>
+          <a:ln w="50800">
+            <a:solidFill>
+              <a:srgbClr val="F3CD60"/>
+            </a:solidFill>
+            <a:prstDash val="solid"/>
+            <a:tailEnd type="triangle" w="lg" len="lg"/>
+          </a:ln>
+        </p:spPr>
+        <p:style>
+          <a:lnRef idx="2">
+            <a:schemeClr val="accent1">
+              <a:shade val="50000"/>
+            </a:schemeClr>
+          </a:lnRef>
+          <a:fillRef idx="1">
+            <a:schemeClr val="accent1"/>
+          </a:fillRef>
+          <a:effectRef idx="0">
+            <a:schemeClr val="accent1"/>
+          </a:effectRef>
+          <a:fontRef idx="minor">
+            <a:schemeClr val="lt1"/>
+          </a:fontRef>
+        </p:style>
+      </p:cxnSp>
+    </p:spTree>
+    <p:extLst>
+      <p:ext uri="{BB962C8B-B14F-4D97-AF65-F5344CB8AC3E}">
+        <p14:creationId xmlns:p14="http://schemas.microsoft.com/office/powerpoint/2010/main" val="4147349976"/>
+      </p:ext>
+    </p:extLst>
+  </p:cSld>
+  <p:clrMapOvr>
+    <a:masterClrMapping/>
+  </p:clrMapOvr>
+  <mc:AlternateContent xmlns:mc="http://schemas.openxmlformats.org/markup-compatibility/2006" xmlns:p14="http://schemas.microsoft.com/office/powerpoint/2010/main">
+    <mc:Choice Requires="p14">
+      <p:transition spd="slow" p14:dur="2000" advClick="0" advTm="5000"/>
+    </mc:Choice>
+    <mc:Fallback xmlns="">
+      <p:transition spd="slow" advClick="0" advTm="5000"/>
+    </mc:Fallback>
+  </mc:AlternateContent>
+</p:sld>
+</file>
+
+<file path=ppt/slides/slide24.xml><?xml version="1.0" encoding="utf-8"?>
+<p:sld xmlns:a="http://schemas.openxmlformats.org/drawingml/2006/main" xmlns:r="http://schemas.openxmlformats.org/officeDocument/2006/relationships" xmlns:p="http://schemas.openxmlformats.org/presentationml/2006/main">
+  <p:cSld>
+    <p:spTree>
+      <p:nvGrpSpPr>
+        <p:cNvPr id="1" name=""/>
+        <p:cNvGrpSpPr/>
+        <p:nvPr/>
+      </p:nvGrpSpPr>
+      <p:grpSpPr>
+        <a:xfrm>
+          <a:off x="0" y="0"/>
+          <a:ext cx="0" cy="0"/>
+          <a:chOff x="0" y="0"/>
+          <a:chExt cx="0" cy="0"/>
+        </a:xfrm>
+      </p:grpSpPr>
+      <p:sp>
+        <p:nvSpPr>
           <p:cNvPr id="2" name="Text Placeholder 1"/>
           <p:cNvSpPr>
             <a:spLocks noGrp="1"/>
@@ -24890,7 +28572,7 @@
             <a:fld id="{C014DD1E-5D91-48A3-AD6D-45FBA980D106}" type="slidenum">
               <a:rPr lang="en-US" smtClean="0"/>
               <a:pPr/>
-              <a:t>22</a:t>
+              <a:t>24</a:t>
             </a:fld>
             <a:endParaRPr lang="en-US" dirty="0"/>
           </a:p>
@@ -25260,7 +28942,7 @@
 </p:sld>
 </file>
 
-<file path=ppt/slides/slide23.xml><?xml version="1.0" encoding="utf-8"?>
+<file path=ppt/slides/slide25.xml><?xml version="1.0" encoding="utf-8"?>
 <p:sld xmlns:a="http://schemas.openxmlformats.org/drawingml/2006/main" xmlns:r="http://schemas.openxmlformats.org/officeDocument/2006/relationships" xmlns:p="http://schemas.openxmlformats.org/presentationml/2006/main">
   <p:cSld>
     <p:spTree>
@@ -25545,7 +29227,7 @@
             <a:fld id="{C014DD1E-5D91-48A3-AD6D-45FBA980D106}" type="slidenum">
               <a:rPr lang="en-US" smtClean="0"/>
               <a:pPr/>
-              <a:t>23</a:t>
+              <a:t>25</a:t>
             </a:fld>
             <a:endParaRPr lang="en-US" dirty="0"/>
           </a:p>
@@ -26873,7 +30555,7 @@
 </p:sld>
 </file>
 
-<file path=ppt/slides/slide24.xml><?xml version="1.0" encoding="utf-8"?>
+<file path=ppt/slides/slide26.xml><?xml version="1.0" encoding="utf-8"?>
 <p:sld xmlns:a="http://schemas.openxmlformats.org/drawingml/2006/main" xmlns:r="http://schemas.openxmlformats.org/officeDocument/2006/relationships" xmlns:p="http://schemas.openxmlformats.org/presentationml/2006/main">
   <p:cSld>
     <p:spTree>
@@ -27032,7 +30714,7 @@
             <a:fld id="{C014DD1E-5D91-48A3-AD6D-45FBA980D106}" type="slidenum">
               <a:rPr lang="en-US" smtClean="0"/>
               <a:pPr/>
-              <a:t>24</a:t>
+              <a:t>26</a:t>
             </a:fld>
             <a:endParaRPr lang="en-US" dirty="0"/>
           </a:p>
@@ -28266,7 +31948,7 @@
 </p:sld>
 </file>
 
-<file path=ppt/slides/slide25.xml><?xml version="1.0" encoding="utf-8"?>
+<file path=ppt/slides/slide27.xml><?xml version="1.0" encoding="utf-8"?>
 <p:sld xmlns:a="http://schemas.openxmlformats.org/drawingml/2006/main" xmlns:r="http://schemas.openxmlformats.org/officeDocument/2006/relationships" xmlns:p="http://schemas.openxmlformats.org/presentationml/2006/main">
   <p:cSld>
     <p:spTree>
@@ -28337,7 +32019,7 @@
 </p:sld>
 </file>
 
-<file path=ppt/slides/slide26.xml><?xml version="1.0" encoding="utf-8"?>
+<file path=ppt/slides/slide28.xml><?xml version="1.0" encoding="utf-8"?>
 <p:sld xmlns:a="http://schemas.openxmlformats.org/drawingml/2006/main" xmlns:r="http://schemas.openxmlformats.org/officeDocument/2006/relationships" xmlns:p="http://schemas.openxmlformats.org/presentationml/2006/main">
   <p:cSld>
     <p:spTree>
@@ -28891,7 +32573,7 @@
 </p:sld>
 </file>
 
-<file path=ppt/slides/slide27.xml><?xml version="1.0" encoding="utf-8"?>
+<file path=ppt/slides/slide29.xml><?xml version="1.0" encoding="utf-8"?>
 <p:sld xmlns:a="http://schemas.openxmlformats.org/drawingml/2006/main" xmlns:r="http://schemas.openxmlformats.org/officeDocument/2006/relationships" xmlns:p="http://schemas.openxmlformats.org/presentationml/2006/main">
   <p:cSld>
     <p:spTree>
@@ -29143,7 +32825,143 @@
 </p:sld>
 </file>
 
-<file path=ppt/slides/slide28.xml><?xml version="1.0" encoding="utf-8"?>
+<file path=ppt/slides/slide3.xml><?xml version="1.0" encoding="utf-8"?>
+<p:sld xmlns:a="http://schemas.openxmlformats.org/drawingml/2006/main" xmlns:r="http://schemas.openxmlformats.org/officeDocument/2006/relationships" xmlns:p="http://schemas.openxmlformats.org/presentationml/2006/main">
+  <p:cSld>
+    <p:spTree>
+      <p:nvGrpSpPr>
+        <p:cNvPr id="1" name=""/>
+        <p:cNvGrpSpPr/>
+        <p:nvPr/>
+      </p:nvGrpSpPr>
+      <p:grpSpPr>
+        <a:xfrm>
+          <a:off x="0" y="0"/>
+          <a:ext cx="0" cy="0"/>
+          <a:chOff x="0" y="0"/>
+          <a:chExt cx="0" cy="0"/>
+        </a:xfrm>
+      </p:grpSpPr>
+      <p:sp>
+        <p:nvSpPr>
+          <p:cNvPr id="5" name="Content Placeholder 2"/>
+          <p:cNvSpPr>
+            <a:spLocks noGrp="1"/>
+          </p:cNvSpPr>
+          <p:nvPr>
+            <p:ph type="body" sz="quarter" idx="10"/>
+          </p:nvPr>
+        </p:nvSpPr>
+        <p:spPr/>
+        <p:txBody>
+          <a:bodyPr>
+            <a:normAutofit/>
+          </a:bodyPr>
+          <a:lstStyle/>
+          <a:p>
+            <a:pPr marL="0" indent="0" algn="ctr">
+              <a:buNone/>
+            </a:pPr>
+            <a:endParaRPr lang="bg-BG" sz="4000" b="1" dirty="0"/>
+          </a:p>
+          <a:p>
+            <a:pPr marL="0" indent="0" algn="ctr">
+              <a:buNone/>
+            </a:pPr>
+            <a:r>
+              <a:rPr lang="en-US" sz="8800" b="1" u="sng" dirty="0">
+                <a:solidFill>
+                  <a:schemeClr val="bg1"/>
+                </a:solidFill>
+              </a:rPr>
+              <a:t>sli.do</a:t>
+            </a:r>
+            <a:endParaRPr lang="bg-BG" sz="7200" b="1" u="sng" dirty="0">
+              <a:solidFill>
+                <a:schemeClr val="bg1"/>
+              </a:solidFill>
+            </a:endParaRPr>
+          </a:p>
+          <a:p>
+            <a:pPr marL="0" indent="0" algn="ctr">
+              <a:buNone/>
+            </a:pPr>
+            <a:r>
+              <a:rPr lang="en-US" sz="11500" b="1" dirty="0"/>
+              <a:t>#JS-CORE</a:t>
+            </a:r>
+            <a:endParaRPr lang="en-US" sz="11500" dirty="0"/>
+          </a:p>
+        </p:txBody>
+      </p:sp>
+      <p:sp>
+        <p:nvSpPr>
+          <p:cNvPr id="6" name="Title 3"/>
+          <p:cNvSpPr>
+            <a:spLocks noGrp="1"/>
+          </p:cNvSpPr>
+          <p:nvPr>
+            <p:ph type="title"/>
+          </p:nvPr>
+        </p:nvSpPr>
+        <p:spPr/>
+        <p:txBody>
+          <a:bodyPr/>
+          <a:lstStyle/>
+          <a:p>
+            <a:r>
+              <a:rPr lang="en-US" dirty="0"/>
+              <a:t>Have a Question?</a:t>
+            </a:r>
+          </a:p>
+        </p:txBody>
+      </p:sp>
+      <p:sp>
+        <p:nvSpPr>
+          <p:cNvPr id="2" name="Slide Number Placeholder 1"/>
+          <p:cNvSpPr>
+            <a:spLocks noGrp="1"/>
+          </p:cNvSpPr>
+          <p:nvPr>
+            <p:ph type="sldNum" sz="quarter" idx="13"/>
+          </p:nvPr>
+        </p:nvSpPr>
+        <p:spPr/>
+        <p:txBody>
+          <a:bodyPr/>
+          <a:lstStyle/>
+          <a:p>
+            <a:fld id="{C014DD1E-5D91-48A3-AD6D-45FBA980D106}" type="slidenum">
+              <a:rPr lang="en-US" smtClean="0"/>
+              <a:pPr/>
+              <a:t>3</a:t>
+            </a:fld>
+            <a:endParaRPr lang="en-US" dirty="0"/>
+          </a:p>
+        </p:txBody>
+      </p:sp>
+    </p:spTree>
+    <p:extLst>
+      <p:ext uri="{BB962C8B-B14F-4D97-AF65-F5344CB8AC3E}">
+        <p14:creationId xmlns:p14="http://schemas.microsoft.com/office/powerpoint/2010/main" val="4098662301"/>
+      </p:ext>
+    </p:extLst>
+  </p:cSld>
+  <p:clrMapOvr>
+    <a:masterClrMapping/>
+  </p:clrMapOvr>
+  <mc:AlternateContent xmlns:mc="http://schemas.openxmlformats.org/markup-compatibility/2006" xmlns:p14="http://schemas.microsoft.com/office/powerpoint/2010/main">
+    <mc:Choice Requires="p14">
+      <p:transition spd="slow" p14:dur="2000" advClick="0" advTm="5000"/>
+    </mc:Choice>
+    <mc:Fallback xmlns="">
+      <p:transition spd="slow" advClick="0" advTm="5000"/>
+    </mc:Fallback>
+  </mc:AlternateContent>
+</p:sld>
+</file>
+
+<file path=ppt/slides/slide30.xml><?xml version="1.0" encoding="utf-8"?>
 <p:sld xmlns:a="http://schemas.openxmlformats.org/drawingml/2006/main" xmlns:r="http://schemas.openxmlformats.org/officeDocument/2006/relationships" xmlns:p="http://schemas.openxmlformats.org/presentationml/2006/main">
   <p:cSld>
     <p:spTree>
@@ -29523,7 +33341,7 @@
 </p:sld>
 </file>
 
-<file path=ppt/slides/slide29.xml><?xml version="1.0" encoding="utf-8"?>
+<file path=ppt/slides/slide31.xml><?xml version="1.0" encoding="utf-8"?>
 <p:sld xmlns:a="http://schemas.openxmlformats.org/drawingml/2006/main" xmlns:r="http://schemas.openxmlformats.org/officeDocument/2006/relationships" xmlns:p="http://schemas.openxmlformats.org/presentationml/2006/main">
   <p:cSld>
     <p:spTree>
@@ -29636,7 +33454,7 @@
             <a:fld id="{C014DD1E-5D91-48A3-AD6D-45FBA980D106}" type="slidenum">
               <a:rPr lang="en-US" smtClean="0"/>
               <a:pPr/>
-              <a:t>29</a:t>
+              <a:t>31</a:t>
             </a:fld>
             <a:endParaRPr lang="en-US" dirty="0"/>
           </a:p>
@@ -29698,142 +33516,6 @@
     <p:extLst>
       <p:ext uri="{BB962C8B-B14F-4D97-AF65-F5344CB8AC3E}">
         <p14:creationId xmlns:p14="http://schemas.microsoft.com/office/powerpoint/2010/main" val="1537206252"/>
-      </p:ext>
-    </p:extLst>
-  </p:cSld>
-  <p:clrMapOvr>
-    <a:masterClrMapping/>
-  </p:clrMapOvr>
-  <mc:AlternateContent xmlns:mc="http://schemas.openxmlformats.org/markup-compatibility/2006" xmlns:p14="http://schemas.microsoft.com/office/powerpoint/2010/main">
-    <mc:Choice Requires="p14">
-      <p:transition spd="slow" p14:dur="2000" advClick="0" advTm="5000"/>
-    </mc:Choice>
-    <mc:Fallback xmlns="">
-      <p:transition spd="slow" advClick="0" advTm="5000"/>
-    </mc:Fallback>
-  </mc:AlternateContent>
-</p:sld>
-</file>
-
-<file path=ppt/slides/slide3.xml><?xml version="1.0" encoding="utf-8"?>
-<p:sld xmlns:a="http://schemas.openxmlformats.org/drawingml/2006/main" xmlns:r="http://schemas.openxmlformats.org/officeDocument/2006/relationships" xmlns:p="http://schemas.openxmlformats.org/presentationml/2006/main">
-  <p:cSld>
-    <p:spTree>
-      <p:nvGrpSpPr>
-        <p:cNvPr id="1" name=""/>
-        <p:cNvGrpSpPr/>
-        <p:nvPr/>
-      </p:nvGrpSpPr>
-      <p:grpSpPr>
-        <a:xfrm>
-          <a:off x="0" y="0"/>
-          <a:ext cx="0" cy="0"/>
-          <a:chOff x="0" y="0"/>
-          <a:chExt cx="0" cy="0"/>
-        </a:xfrm>
-      </p:grpSpPr>
-      <p:sp>
-        <p:nvSpPr>
-          <p:cNvPr id="5" name="Content Placeholder 2"/>
-          <p:cNvSpPr>
-            <a:spLocks noGrp="1"/>
-          </p:cNvSpPr>
-          <p:nvPr>
-            <p:ph type="body" sz="quarter" idx="10"/>
-          </p:nvPr>
-        </p:nvSpPr>
-        <p:spPr/>
-        <p:txBody>
-          <a:bodyPr>
-            <a:normAutofit/>
-          </a:bodyPr>
-          <a:lstStyle/>
-          <a:p>
-            <a:pPr marL="0" indent="0" algn="ctr">
-              <a:buNone/>
-            </a:pPr>
-            <a:endParaRPr lang="bg-BG" sz="4000" b="1" dirty="0"/>
-          </a:p>
-          <a:p>
-            <a:pPr marL="0" indent="0" algn="ctr">
-              <a:buNone/>
-            </a:pPr>
-            <a:r>
-              <a:rPr lang="en-US" sz="8800" b="1" u="sng" dirty="0">
-                <a:solidFill>
-                  <a:schemeClr val="bg1"/>
-                </a:solidFill>
-              </a:rPr>
-              <a:t>sli.do</a:t>
-            </a:r>
-            <a:endParaRPr lang="bg-BG" sz="7200" b="1" u="sng" dirty="0">
-              <a:solidFill>
-                <a:schemeClr val="bg1"/>
-              </a:solidFill>
-            </a:endParaRPr>
-          </a:p>
-          <a:p>
-            <a:pPr marL="0" indent="0" algn="ctr">
-              <a:buNone/>
-            </a:pPr>
-            <a:r>
-              <a:rPr lang="en-US" sz="11500" b="1" dirty="0"/>
-              <a:t>#JS-CORE</a:t>
-            </a:r>
-            <a:endParaRPr lang="en-US" sz="11500" dirty="0"/>
-          </a:p>
-        </p:txBody>
-      </p:sp>
-      <p:sp>
-        <p:nvSpPr>
-          <p:cNvPr id="6" name="Title 3"/>
-          <p:cNvSpPr>
-            <a:spLocks noGrp="1"/>
-          </p:cNvSpPr>
-          <p:nvPr>
-            <p:ph type="title"/>
-          </p:nvPr>
-        </p:nvSpPr>
-        <p:spPr/>
-        <p:txBody>
-          <a:bodyPr/>
-          <a:lstStyle/>
-          <a:p>
-            <a:r>
-              <a:rPr lang="en-US" dirty="0"/>
-              <a:t>Have a Question?</a:t>
-            </a:r>
-          </a:p>
-        </p:txBody>
-      </p:sp>
-      <p:sp>
-        <p:nvSpPr>
-          <p:cNvPr id="2" name="Slide Number Placeholder 1"/>
-          <p:cNvSpPr>
-            <a:spLocks noGrp="1"/>
-          </p:cNvSpPr>
-          <p:nvPr>
-            <p:ph type="sldNum" sz="quarter" idx="13"/>
-          </p:nvPr>
-        </p:nvSpPr>
-        <p:spPr/>
-        <p:txBody>
-          <a:bodyPr/>
-          <a:lstStyle/>
-          <a:p>
-            <a:fld id="{C014DD1E-5D91-48A3-AD6D-45FBA980D106}" type="slidenum">
-              <a:rPr lang="en-US" smtClean="0"/>
-              <a:pPr/>
-              <a:t>3</a:t>
-            </a:fld>
-            <a:endParaRPr lang="en-US" dirty="0"/>
-          </a:p>
-        </p:txBody>
-      </p:sp>
-    </p:spTree>
-    <p:extLst>
-      <p:ext uri="{BB962C8B-B14F-4D97-AF65-F5344CB8AC3E}">
-        <p14:creationId xmlns:p14="http://schemas.microsoft.com/office/powerpoint/2010/main" val="4098662301"/>
       </p:ext>
     </p:extLst>
   </p:cSld>

--- a/06. PROTOTYPES AND INHERITANCE/06. JS-Advanced-Prototypes-and-Inheritance.pptx
+++ b/06. PROTOTYPES AND INHERITANCE/06. JS-Advanced-Prototypes-and-Inheritance.pptx
@@ -5,10 +5,10 @@
     <p:sldMasterId id="2147483675" r:id="rId1"/>
   </p:sldMasterIdLst>
   <p:notesMasterIdLst>
-    <p:notesMasterId r:id="rId42"/>
+    <p:notesMasterId r:id="rId41"/>
   </p:notesMasterIdLst>
   <p:handoutMasterIdLst>
-    <p:handoutMasterId r:id="rId43"/>
+    <p:handoutMasterId r:id="rId42"/>
   </p:handoutMasterIdLst>
   <p:sldIdLst>
     <p:sldId id="274" r:id="rId2"/>
@@ -30,27 +30,26 @@
     <p:sldId id="557" r:id="rId18"/>
     <p:sldId id="560" r:id="rId19"/>
     <p:sldId id="561" r:id="rId20"/>
-    <p:sldId id="562" r:id="rId21"/>
-    <p:sldId id="563" r:id="rId22"/>
-    <p:sldId id="583" r:id="rId23"/>
-    <p:sldId id="584" r:id="rId24"/>
-    <p:sldId id="564" r:id="rId25"/>
-    <p:sldId id="565" r:id="rId26"/>
-    <p:sldId id="585" r:id="rId27"/>
-    <p:sldId id="586" r:id="rId28"/>
-    <p:sldId id="587" r:id="rId29"/>
-    <p:sldId id="588" r:id="rId30"/>
-    <p:sldId id="589" r:id="rId31"/>
-    <p:sldId id="590" r:id="rId32"/>
-    <p:sldId id="591" r:id="rId33"/>
-    <p:sldId id="592" r:id="rId34"/>
-    <p:sldId id="593" r:id="rId35"/>
-    <p:sldId id="542" r:id="rId36"/>
-    <p:sldId id="544" r:id="rId37"/>
-    <p:sldId id="581" r:id="rId38"/>
-    <p:sldId id="582" r:id="rId39"/>
-    <p:sldId id="547" r:id="rId40"/>
-    <p:sldId id="548" r:id="rId41"/>
+    <p:sldId id="563" r:id="rId21"/>
+    <p:sldId id="583" r:id="rId22"/>
+    <p:sldId id="584" r:id="rId23"/>
+    <p:sldId id="564" r:id="rId24"/>
+    <p:sldId id="565" r:id="rId25"/>
+    <p:sldId id="585" r:id="rId26"/>
+    <p:sldId id="586" r:id="rId27"/>
+    <p:sldId id="587" r:id="rId28"/>
+    <p:sldId id="588" r:id="rId29"/>
+    <p:sldId id="589" r:id="rId30"/>
+    <p:sldId id="590" r:id="rId31"/>
+    <p:sldId id="591" r:id="rId32"/>
+    <p:sldId id="592" r:id="rId33"/>
+    <p:sldId id="593" r:id="rId34"/>
+    <p:sldId id="542" r:id="rId35"/>
+    <p:sldId id="544" r:id="rId36"/>
+    <p:sldId id="581" r:id="rId37"/>
+    <p:sldId id="582" r:id="rId38"/>
+    <p:sldId id="547" r:id="rId39"/>
+    <p:sldId id="548" r:id="rId40"/>
   </p:sldIdLst>
   <p:sldSz cx="12192000" cy="6858000"/>
   <p:notesSz cx="6858000" cy="9144000"/>
@@ -185,7 +184,6 @@
             <p14:sldId id="557"/>
             <p14:sldId id="560"/>
             <p14:sldId id="561"/>
-            <p14:sldId id="562"/>
             <p14:sldId id="563"/>
             <p14:sldId id="583"/>
             <p14:sldId id="584"/>
@@ -333,7 +331,7 @@
           <a:p>
             <a:fld id="{4E087215-0C8F-4762-A664-737A353EC9A4}" type="datetimeFigureOut">
               <a:rPr lang="bg-BG" smtClean="0"/>
-              <a:t>12.09.2019</a:t>
+              <a:t>18.11.2019 г.</a:t>
             </a:fld>
             <a:endParaRPr lang="bg-BG"/>
           </a:p>
@@ -510,7 +508,7 @@
           <a:p>
             <a:fld id="{72D84649-876A-46C9-8472-14CB09C070D8}" type="datetimeFigureOut">
               <a:rPr lang="en-US" smtClean="0"/>
-              <a:t>9/12/2019</a:t>
+              <a:t>11/18/2019</a:t>
             </a:fld>
             <a:endParaRPr lang="en-US" dirty="0"/>
           </a:p>
@@ -1182,7 +1180,7 @@
                 </a:solidFill>
               </a:rPr>
               <a:pPr/>
-              <a:t>39</a:t>
+              <a:t>38</a:t>
             </a:fld>
             <a:endParaRPr lang="en-US" dirty="0">
               <a:solidFill>
@@ -1320,7 +1318,7 @@
             <a:fld id="{3EBA5BD7-F043-4D1B-AA17-CD412FC534DE}" type="slidenum">
               <a:rPr lang="en-US" smtClean="0"/>
               <a:pPr/>
-              <a:t>40</a:t>
+              <a:t>39</a:t>
             </a:fld>
             <a:endParaRPr lang="en-US" dirty="0"/>
           </a:p>
@@ -1842,7 +1840,7 @@
           <a:p>
             <a:fld id="{2BF067CD-8E6B-4360-9AA8-C5DF2A48A6D1}" type="slidenum">
               <a:rPr lang="en-US" smtClean="0"/>
-              <a:t>22</a:t>
+              <a:t>21</a:t>
             </a:fld>
             <a:endParaRPr lang="en-US" dirty="0"/>
           </a:p>
@@ -1926,7 +1924,7 @@
           <a:p>
             <a:fld id="{2BF067CD-8E6B-4360-9AA8-C5DF2A48A6D1}" type="slidenum">
               <a:rPr lang="en-US" smtClean="0"/>
-              <a:t>23</a:t>
+              <a:t>22</a:t>
             </a:fld>
             <a:endParaRPr lang="en-US" dirty="0"/>
           </a:p>
@@ -2060,7 +2058,7 @@
             <a:fld id="{3EBA5BD7-F043-4D1B-AA17-CD412FC534DE}" type="slidenum">
               <a:rPr lang="en-US" smtClean="0"/>
               <a:pPr/>
-              <a:t>35</a:t>
+              <a:t>34</a:t>
             </a:fld>
             <a:endParaRPr lang="en-US" dirty="0"/>
           </a:p>
@@ -2224,7 +2222,7 @@
                 </a:solidFill>
               </a:rPr>
               <a:pPr/>
-              <a:t>36</a:t>
+              <a:t>35</a:t>
             </a:fld>
             <a:endParaRPr lang="en-US" dirty="0">
               <a:solidFill>
@@ -3618,7 +3616,7 @@
             <a:fld id="{055373AC-9AA7-423B-BA00-BA1C74164DBD}" type="datetime1">
               <a:rPr lang="en-US" smtClean="0"/>
               <a:pPr/>
-              <a:t>9/12/2019</a:t>
+              <a:t>11/18/2019</a:t>
             </a:fld>
             <a:endParaRPr lang="en-US" dirty="0"/>
           </a:p>
@@ -4096,7 +4094,7 @@
             <a:fld id="{055373AC-9AA7-423B-BA00-BA1C74164DBD}" type="datetime1">
               <a:rPr lang="en-US" smtClean="0"/>
               <a:pPr/>
-              <a:t>9/12/2019</a:t>
+              <a:t>11/18/2019</a:t>
             </a:fld>
             <a:endParaRPr lang="en-US" dirty="0"/>
           </a:p>
@@ -5454,7 +5452,7 @@
             <a:fld id="{055373AC-9AA7-423B-BA00-BA1C74164DBD}" type="datetime1">
               <a:rPr lang="en-US" smtClean="0"/>
               <a:pPr/>
-              <a:t>9/12/2019</a:t>
+              <a:t>11/18/2019</a:t>
             </a:fld>
             <a:endParaRPr lang="en-US" dirty="0"/>
           </a:p>
@@ -7274,7 +7272,7 @@
             <a:fld id="{055373AC-9AA7-423B-BA00-BA1C74164DBD}" type="datetime1">
               <a:rPr lang="en-US" smtClean="0"/>
               <a:pPr/>
-              <a:t>9/12/2019</a:t>
+              <a:t>11/18/2019</a:t>
             </a:fld>
             <a:endParaRPr lang="en-US" dirty="0"/>
           </a:p>
@@ -7711,7 +7709,7 @@
             <a:fld id="{055373AC-9AA7-423B-BA00-BA1C74164DBD}" type="datetime1">
               <a:rPr lang="en-US" smtClean="0"/>
               <a:pPr/>
-              <a:t>9/12/2019</a:t>
+              <a:t>11/18/2019</a:t>
             </a:fld>
             <a:endParaRPr lang="en-US" dirty="0"/>
           </a:p>
@@ -8425,7 +8423,7 @@
             <a:fld id="{055373AC-9AA7-423B-BA00-BA1C74164DBD}" type="datetime1">
               <a:rPr lang="en-US" smtClean="0"/>
               <a:pPr/>
-              <a:t>9/12/2019</a:t>
+              <a:t>11/18/2019</a:t>
             </a:fld>
             <a:endParaRPr lang="en-US" dirty="0"/>
           </a:p>
@@ -8836,7 +8834,7 @@
             <a:fld id="{055373AC-9AA7-423B-BA00-BA1C74164DBD}" type="datetime1">
               <a:rPr lang="en-US" smtClean="0"/>
               <a:pPr/>
-              <a:t>9/12/2019</a:t>
+              <a:t>11/18/2019</a:t>
             </a:fld>
             <a:endParaRPr lang="en-US" dirty="0"/>
           </a:p>
@@ -9205,7 +9203,7 @@
             <a:fld id="{055373AC-9AA7-423B-BA00-BA1C74164DBD}" type="datetime1">
               <a:rPr lang="en-US" smtClean="0"/>
               <a:pPr/>
-              <a:t>9/12/2019</a:t>
+              <a:t>11/18/2019</a:t>
             </a:fld>
             <a:endParaRPr lang="en-US" dirty="0"/>
           </a:p>
@@ -9873,7 +9871,7 @@
             <a:fld id="{055373AC-9AA7-423B-BA00-BA1C74164DBD}" type="datetime1">
               <a:rPr lang="en-US" smtClean="0"/>
               <a:pPr/>
-              <a:t>9/12/2019</a:t>
+              <a:t>11/18/2019</a:t>
             </a:fld>
             <a:endParaRPr lang="en-US" dirty="0"/>
           </a:p>
@@ -10334,7 +10332,7 @@
             <a:fld id="{055373AC-9AA7-423B-BA00-BA1C74164DBD}" type="datetime1">
               <a:rPr lang="en-US" smtClean="0"/>
               <a:pPr/>
-              <a:t>9/12/2019</a:t>
+              <a:t>11/18/2019</a:t>
             </a:fld>
             <a:endParaRPr lang="en-US" dirty="0"/>
           </a:p>
@@ -10518,7 +10516,7 @@
             <a:fld id="{055373AC-9AA7-423B-BA00-BA1C74164DBD}" type="datetime1">
               <a:rPr lang="en-US" smtClean="0"/>
               <a:pPr/>
-              <a:t>9/12/2019</a:t>
+              <a:t>11/18/2019</a:t>
             </a:fld>
             <a:endParaRPr lang="en-US" dirty="0"/>
           </a:p>
@@ -21184,7 +21182,7 @@
           <a:p>
             <a:r>
               <a:rPr lang="en-US" dirty="0"/>
-              <a:t>Object Instantiation (Create New Object)</a:t>
+              <a:t>Prototype Chain for JS Objects</a:t>
             </a:r>
             <a:endParaRPr lang="bg-BG" dirty="0"/>
           </a:p>
@@ -21209,2115 +21207,6 @@
               <a:rPr lang="en-US" smtClean="0"/>
               <a:pPr/>
               <a:t>20</a:t>
-            </a:fld>
-            <a:endParaRPr lang="en-US" dirty="0"/>
-          </a:p>
-        </p:txBody>
-      </p:sp>
-      <p:cxnSp>
-        <p:nvCxnSpPr>
-          <p:cNvPr id="6" name="Straight Arrow Connector 35"/>
-          <p:cNvCxnSpPr>
-            <a:stCxn id="11" idx="2"/>
-            <a:endCxn id="28" idx="3"/>
-          </p:cNvCxnSpPr>
-          <p:nvPr/>
-        </p:nvCxnSpPr>
-        <p:spPr>
-          <a:xfrm rot="10800000">
-            <a:off x="3743667" y="2077239"/>
-            <a:ext cx="987187" cy="1574527"/>
-          </a:xfrm>
-          <a:prstGeom prst="bentConnector3">
-            <a:avLst>
-              <a:gd name="adj1" fmla="val 50000"/>
-            </a:avLst>
-          </a:prstGeom>
-          <a:solidFill>
-            <a:srgbClr val="F0A22E">
-              <a:alpha val="25098"/>
-            </a:srgbClr>
-          </a:solidFill>
-          <a:ln w="50800">
-            <a:solidFill>
-              <a:srgbClr val="F3CD60"/>
-            </a:solidFill>
-            <a:prstDash val="solid"/>
-            <a:tailEnd type="triangle" w="lg" len="lg"/>
-          </a:ln>
-        </p:spPr>
-        <p:style>
-          <a:lnRef idx="2">
-            <a:schemeClr val="accent1">
-              <a:shade val="50000"/>
-            </a:schemeClr>
-          </a:lnRef>
-          <a:fillRef idx="1">
-            <a:schemeClr val="accent1"/>
-          </a:fillRef>
-          <a:effectRef idx="0">
-            <a:schemeClr val="accent1"/>
-          </a:effectRef>
-          <a:fontRef idx="minor">
-            <a:schemeClr val="lt1"/>
-          </a:fontRef>
-        </p:style>
-      </p:cxnSp>
-      <p:cxnSp>
-        <p:nvCxnSpPr>
-          <p:cNvPr id="7" name="Straight Arrow Connector 35"/>
-          <p:cNvCxnSpPr>
-            <a:stCxn id="20" idx="2"/>
-            <a:endCxn id="9" idx="3"/>
-          </p:cNvCxnSpPr>
-          <p:nvPr/>
-        </p:nvCxnSpPr>
-        <p:spPr>
-          <a:xfrm rot="10800000">
-            <a:off x="7113187" y="2589875"/>
-            <a:ext cx="1252803" cy="557268"/>
-          </a:xfrm>
-          <a:prstGeom prst="bentConnector3">
-            <a:avLst>
-              <a:gd name="adj1" fmla="val 50000"/>
-            </a:avLst>
-          </a:prstGeom>
-          <a:solidFill>
-            <a:srgbClr val="F0A22E">
-              <a:alpha val="25098"/>
-            </a:srgbClr>
-          </a:solidFill>
-          <a:ln w="50800">
-            <a:solidFill>
-              <a:srgbClr val="F3CD60"/>
-            </a:solidFill>
-            <a:prstDash val="solid"/>
-            <a:tailEnd type="triangle" w="lg" len="lg"/>
-          </a:ln>
-        </p:spPr>
-        <p:style>
-          <a:lnRef idx="2">
-            <a:schemeClr val="accent1">
-              <a:shade val="50000"/>
-            </a:schemeClr>
-          </a:lnRef>
-          <a:fillRef idx="1">
-            <a:schemeClr val="accent1"/>
-          </a:fillRef>
-          <a:effectRef idx="0">
-            <a:schemeClr val="accent1"/>
-          </a:effectRef>
-          <a:fontRef idx="minor">
-            <a:schemeClr val="lt1"/>
-          </a:fontRef>
-        </p:style>
-      </p:cxnSp>
-      <p:grpSp>
-        <p:nvGrpSpPr>
-          <p:cNvPr id="8" name="Group 7"/>
-          <p:cNvGrpSpPr/>
-          <p:nvPr/>
-        </p:nvGrpSpPr>
-        <p:grpSpPr>
-          <a:xfrm>
-            <a:off x="4624589" y="1202315"/>
-            <a:ext cx="2488597" cy="2775119"/>
-            <a:chOff x="3803084" y="1566154"/>
-            <a:chExt cx="2943428" cy="2981842"/>
-          </a:xfrm>
-        </p:grpSpPr>
-        <p:sp>
-          <p:nvSpPr>
-            <p:cNvPr id="9" name="Rectangle: Rounded Corners 22"/>
-            <p:cNvSpPr/>
-            <p:nvPr/>
-          </p:nvSpPr>
-          <p:spPr>
-            <a:xfrm>
-              <a:off x="3803084" y="1566154"/>
-              <a:ext cx="2943428" cy="2981842"/>
-            </a:xfrm>
-            <a:prstGeom prst="roundRect">
-              <a:avLst>
-                <a:gd name="adj" fmla="val 5385"/>
-              </a:avLst>
-            </a:prstGeom>
-            <a:ln>
-              <a:prstDash val="dash"/>
-            </a:ln>
-          </p:spPr>
-          <p:style>
-            <a:lnRef idx="2">
-              <a:schemeClr val="accent6">
-                <a:shade val="50000"/>
-              </a:schemeClr>
-            </a:lnRef>
-            <a:fillRef idx="1">
-              <a:schemeClr val="accent6"/>
-            </a:fillRef>
-            <a:effectRef idx="0">
-              <a:schemeClr val="accent6"/>
-            </a:effectRef>
-            <a:fontRef idx="minor">
-              <a:schemeClr val="lt1"/>
-            </a:fontRef>
-          </p:style>
-          <p:txBody>
-            <a:bodyPr rtlCol="0" anchor="t"/>
-            <a:lstStyle/>
-            <a:p>
-              <a:endParaRPr lang="en-US" sz="2800" b="1" dirty="0">
-                <a:solidFill>
-                  <a:schemeClr val="tx1"/>
-                </a:solidFill>
-                <a:latin typeface="Consolas" panose="020B0609020204030204" pitchFamily="49" charset="0"/>
-              </a:endParaRPr>
-            </a:p>
-          </p:txBody>
-        </p:sp>
-        <p:sp>
-          <p:nvSpPr>
-            <p:cNvPr id="10" name="TextBox 9"/>
-            <p:cNvSpPr txBox="1"/>
-            <p:nvPr/>
-          </p:nvSpPr>
-          <p:spPr>
-            <a:xfrm>
-              <a:off x="4433812" y="1660315"/>
-              <a:ext cx="1681970" cy="441218"/>
-            </a:xfrm>
-            <a:prstGeom prst="rect">
-              <a:avLst/>
-            </a:prstGeom>
-            <a:ln>
-              <a:noFill/>
-              <a:prstDash val="dash"/>
-            </a:ln>
-          </p:spPr>
-          <p:style>
-            <a:lnRef idx="2">
-              <a:schemeClr val="accent6">
-                <a:shade val="50000"/>
-              </a:schemeClr>
-            </a:lnRef>
-            <a:fillRef idx="1">
-              <a:schemeClr val="accent6"/>
-            </a:fillRef>
-            <a:effectRef idx="0">
-              <a:schemeClr val="accent6"/>
-            </a:effectRef>
-            <a:fontRef idx="minor">
-              <a:schemeClr val="lt1"/>
-            </a:fontRef>
-          </p:style>
-          <p:txBody>
-            <a:bodyPr rtlCol="0" anchor="t"/>
-            <a:lstStyle>
-              <a:defPPr>
-                <a:defRPr lang="en-US"/>
-              </a:defPPr>
-              <a:lvl1pPr>
-                <a:defRPr sz="2800" b="1">
-                  <a:latin typeface="Consolas" panose="020B0609020204030204" pitchFamily="49" charset="0"/>
-                </a:defRPr>
-              </a:lvl1pPr>
-              <a:lvl2pPr>
-                <a:defRPr>
-                  <a:solidFill>
-                    <a:schemeClr val="lt1"/>
-                  </a:solidFill>
-                </a:defRPr>
-              </a:lvl2pPr>
-              <a:lvl3pPr>
-                <a:defRPr>
-                  <a:solidFill>
-                    <a:schemeClr val="lt1"/>
-                  </a:solidFill>
-                </a:defRPr>
-              </a:lvl3pPr>
-              <a:lvl4pPr>
-                <a:defRPr>
-                  <a:solidFill>
-                    <a:schemeClr val="lt1"/>
-                  </a:solidFill>
-                </a:defRPr>
-              </a:lvl4pPr>
-              <a:lvl5pPr>
-                <a:defRPr>
-                  <a:solidFill>
-                    <a:schemeClr val="lt1"/>
-                  </a:solidFill>
-                </a:defRPr>
-              </a:lvl5pPr>
-              <a:lvl6pPr>
-                <a:defRPr>
-                  <a:solidFill>
-                    <a:schemeClr val="lt1"/>
-                  </a:solidFill>
-                </a:defRPr>
-              </a:lvl6pPr>
-              <a:lvl7pPr>
-                <a:defRPr>
-                  <a:solidFill>
-                    <a:schemeClr val="lt1"/>
-                  </a:solidFill>
-                </a:defRPr>
-              </a:lvl7pPr>
-              <a:lvl8pPr>
-                <a:defRPr>
-                  <a:solidFill>
-                    <a:schemeClr val="lt1"/>
-                  </a:solidFill>
-                </a:defRPr>
-              </a:lvl8pPr>
-              <a:lvl9pPr>
-                <a:defRPr>
-                  <a:solidFill>
-                    <a:schemeClr val="lt1"/>
-                  </a:solidFill>
-                </a:defRPr>
-              </a:lvl9pPr>
-            </a:lstStyle>
-            <a:p>
-              <a:pPr algn="ctr"/>
-              <a:r>
-                <a:rPr lang="en-US" sz="2600" noProof="1">
-                  <a:solidFill>
-                    <a:schemeClr val="bg1"/>
-                  </a:solidFill>
-                </a:rPr>
-                <a:t>Person</a:t>
-              </a:r>
-            </a:p>
-          </p:txBody>
-        </p:sp>
-        <p:sp>
-          <p:nvSpPr>
-            <p:cNvPr id="11" name="Oval 10"/>
-            <p:cNvSpPr/>
-            <p:nvPr/>
-          </p:nvSpPr>
-          <p:spPr>
-            <a:xfrm>
-              <a:off x="3928769" y="4045667"/>
-              <a:ext cx="304800" cy="304800"/>
-            </a:xfrm>
-            <a:prstGeom prst="ellipse">
-              <a:avLst/>
-            </a:prstGeom>
-            <a:ln>
-              <a:prstDash val="dash"/>
-            </a:ln>
-          </p:spPr>
-          <p:style>
-            <a:lnRef idx="2">
-              <a:schemeClr val="accent6">
-                <a:shade val="50000"/>
-              </a:schemeClr>
-            </a:lnRef>
-            <a:fillRef idx="1">
-              <a:schemeClr val="accent6"/>
-            </a:fillRef>
-            <a:effectRef idx="0">
-              <a:schemeClr val="accent6"/>
-            </a:effectRef>
-            <a:fontRef idx="minor">
-              <a:schemeClr val="lt1"/>
-            </a:fontRef>
-          </p:style>
-          <p:txBody>
-            <a:bodyPr rtlCol="0" anchor="t"/>
-            <a:lstStyle/>
-            <a:p>
-              <a:endParaRPr lang="en-US" sz="2800" b="1">
-                <a:solidFill>
-                  <a:schemeClr val="tx1"/>
-                </a:solidFill>
-                <a:latin typeface="Consolas" panose="020B0609020204030204" pitchFamily="49" charset="0"/>
-              </a:endParaRPr>
-            </a:p>
-          </p:txBody>
-        </p:sp>
-        <p:sp>
-          <p:nvSpPr>
-            <p:cNvPr id="12" name="Rectangle 11"/>
-            <p:cNvSpPr/>
-            <p:nvPr/>
-          </p:nvSpPr>
-          <p:spPr>
-            <a:xfrm>
-              <a:off x="4312068" y="3969560"/>
-              <a:ext cx="2332992" cy="473237"/>
-            </a:xfrm>
-            <a:prstGeom prst="rect">
-              <a:avLst/>
-            </a:prstGeom>
-            <a:ln>
-              <a:prstDash val="dash"/>
-            </a:ln>
-          </p:spPr>
-          <p:style>
-            <a:lnRef idx="2">
-              <a:schemeClr val="accent6">
-                <a:shade val="50000"/>
-              </a:schemeClr>
-            </a:lnRef>
-            <a:fillRef idx="1">
-              <a:schemeClr val="accent6"/>
-            </a:fillRef>
-            <a:effectRef idx="0">
-              <a:schemeClr val="accent6"/>
-            </a:effectRef>
-            <a:fontRef idx="minor">
-              <a:schemeClr val="lt1"/>
-            </a:fontRef>
-          </p:style>
-          <p:txBody>
-            <a:bodyPr rtlCol="0" anchor="t"/>
-            <a:lstStyle/>
-            <a:p>
-              <a:pPr algn="ctr"/>
-              <a:r>
-                <a:rPr lang="en-US" sz="2400" b="1" dirty="0">
-                  <a:solidFill>
-                    <a:schemeClr val="bg1"/>
-                  </a:solidFill>
-                  <a:latin typeface="Consolas" panose="020B0609020204030204" pitchFamily="49" charset="0"/>
-                </a:rPr>
-                <a:t>__proto__</a:t>
-              </a:r>
-            </a:p>
-          </p:txBody>
-        </p:sp>
-        <p:sp>
-          <p:nvSpPr>
-            <p:cNvPr id="13" name="Rectangle: Rounded Corners 13"/>
-            <p:cNvSpPr/>
-            <p:nvPr/>
-          </p:nvSpPr>
-          <p:spPr>
-            <a:xfrm>
-              <a:off x="3989350" y="2116142"/>
-              <a:ext cx="2639409" cy="546778"/>
-            </a:xfrm>
-            <a:prstGeom prst="roundRect">
-              <a:avLst>
-                <a:gd name="adj" fmla="val 5319"/>
-              </a:avLst>
-            </a:prstGeom>
-            <a:ln>
-              <a:prstDash val="dash"/>
-            </a:ln>
-          </p:spPr>
-          <p:style>
-            <a:lnRef idx="2">
-              <a:schemeClr val="accent6">
-                <a:shade val="50000"/>
-              </a:schemeClr>
-            </a:lnRef>
-            <a:fillRef idx="1">
-              <a:schemeClr val="accent6"/>
-            </a:fillRef>
-            <a:effectRef idx="0">
-              <a:schemeClr val="accent6"/>
-            </a:effectRef>
-            <a:fontRef idx="minor">
-              <a:schemeClr val="lt1"/>
-            </a:fontRef>
-          </p:style>
-          <p:txBody>
-            <a:bodyPr rtlCol="0" anchor="t"/>
-            <a:lstStyle/>
-            <a:p>
-              <a:pPr algn="ctr"/>
-              <a:r>
-                <a:rPr lang="en-US" sz="2600" b="1" dirty="0">
-                  <a:solidFill>
-                    <a:schemeClr val="tx1"/>
-                  </a:solidFill>
-                  <a:latin typeface="Consolas" panose="020B0609020204030204" pitchFamily="49" charset="0"/>
-                </a:rPr>
-                <a:t>name</a:t>
-              </a:r>
-            </a:p>
-          </p:txBody>
-        </p:sp>
-        <p:sp>
-          <p:nvSpPr>
-            <p:cNvPr id="14" name="Rectangle: Rounded Corners 13"/>
-            <p:cNvSpPr/>
-            <p:nvPr/>
-          </p:nvSpPr>
-          <p:spPr>
-            <a:xfrm>
-              <a:off x="3989350" y="2730960"/>
-              <a:ext cx="2639409" cy="544631"/>
-            </a:xfrm>
-            <a:prstGeom prst="roundRect">
-              <a:avLst>
-                <a:gd name="adj" fmla="val 5319"/>
-              </a:avLst>
-            </a:prstGeom>
-            <a:ln>
-              <a:prstDash val="dash"/>
-            </a:ln>
-          </p:spPr>
-          <p:style>
-            <a:lnRef idx="2">
-              <a:schemeClr val="accent6">
-                <a:shade val="50000"/>
-              </a:schemeClr>
-            </a:lnRef>
-            <a:fillRef idx="1">
-              <a:schemeClr val="accent6"/>
-            </a:fillRef>
-            <a:effectRef idx="0">
-              <a:schemeClr val="accent6"/>
-            </a:effectRef>
-            <a:fontRef idx="minor">
-              <a:schemeClr val="lt1"/>
-            </a:fontRef>
-          </p:style>
-          <p:txBody>
-            <a:bodyPr rtlCol="0" anchor="t"/>
-            <a:lstStyle/>
-            <a:p>
-              <a:pPr algn="ctr"/>
-              <a:r>
-                <a:rPr lang="en-US" sz="2600" b="1" dirty="0">
-                  <a:solidFill>
-                    <a:schemeClr val="tx1"/>
-                  </a:solidFill>
-                  <a:latin typeface="Consolas" panose="020B0609020204030204" pitchFamily="49" charset="0"/>
-                </a:rPr>
-                <a:t>email</a:t>
-              </a:r>
-            </a:p>
-          </p:txBody>
-        </p:sp>
-        <p:sp>
-          <p:nvSpPr>
-            <p:cNvPr id="15" name="Rectangle: Rounded Corners 13"/>
-            <p:cNvSpPr/>
-            <p:nvPr/>
-          </p:nvSpPr>
-          <p:spPr>
-            <a:xfrm>
-              <a:off x="3989346" y="3352161"/>
-              <a:ext cx="2639415" cy="539370"/>
-            </a:xfrm>
-            <a:prstGeom prst="roundRect">
-              <a:avLst>
-                <a:gd name="adj" fmla="val 5319"/>
-              </a:avLst>
-            </a:prstGeom>
-            <a:ln>
-              <a:prstDash val="dash"/>
-            </a:ln>
-          </p:spPr>
-          <p:style>
-            <a:lnRef idx="2">
-              <a:schemeClr val="accent6">
-                <a:shade val="50000"/>
-              </a:schemeClr>
-            </a:lnRef>
-            <a:fillRef idx="1">
-              <a:schemeClr val="accent6"/>
-            </a:fillRef>
-            <a:effectRef idx="0">
-              <a:schemeClr val="accent6"/>
-            </a:effectRef>
-            <a:fontRef idx="minor">
-              <a:schemeClr val="lt1"/>
-            </a:fontRef>
-          </p:style>
-          <p:txBody>
-            <a:bodyPr rtlCol="0" anchor="t"/>
-            <a:lstStyle/>
-            <a:p>
-              <a:pPr algn="ctr"/>
-              <a:r>
-                <a:rPr lang="en-US" sz="2600" b="1" noProof="1">
-                  <a:solidFill>
-                    <a:schemeClr val="tx1"/>
-                  </a:solidFill>
-                  <a:latin typeface="Consolas" panose="020B0609020204030204" pitchFamily="49" charset="0"/>
-                </a:rPr>
-                <a:t>toString()</a:t>
-              </a:r>
-            </a:p>
-          </p:txBody>
-        </p:sp>
-      </p:grpSp>
-      <p:grpSp>
-        <p:nvGrpSpPr>
-          <p:cNvPr id="16" name="Group 15"/>
-          <p:cNvGrpSpPr/>
-          <p:nvPr/>
-        </p:nvGrpSpPr>
-        <p:grpSpPr>
-          <a:xfrm>
-            <a:off x="8249423" y="1238575"/>
-            <a:ext cx="2599283" cy="2271354"/>
-            <a:chOff x="7820668" y="1121938"/>
-            <a:chExt cx="2921944" cy="2482339"/>
-          </a:xfrm>
-        </p:grpSpPr>
-        <p:sp>
-          <p:nvSpPr>
-            <p:cNvPr id="17" name="Rectangle: Rounded Corners 6"/>
-            <p:cNvSpPr/>
-            <p:nvPr/>
-          </p:nvSpPr>
-          <p:spPr>
-            <a:xfrm>
-              <a:off x="7820668" y="1121938"/>
-              <a:ext cx="2921944" cy="2482339"/>
-            </a:xfrm>
-            <a:prstGeom prst="roundRect">
-              <a:avLst>
-                <a:gd name="adj" fmla="val 5385"/>
-              </a:avLst>
-            </a:prstGeom>
-            <a:ln>
-              <a:prstDash val="dash"/>
-            </a:ln>
-          </p:spPr>
-          <p:style>
-            <a:lnRef idx="2">
-              <a:schemeClr val="accent6">
-                <a:shade val="50000"/>
-              </a:schemeClr>
-            </a:lnRef>
-            <a:fillRef idx="1">
-              <a:schemeClr val="accent6"/>
-            </a:fillRef>
-            <a:effectRef idx="0">
-              <a:schemeClr val="accent6"/>
-            </a:effectRef>
-            <a:fontRef idx="minor">
-              <a:schemeClr val="lt1"/>
-            </a:fontRef>
-          </p:style>
-          <p:txBody>
-            <a:bodyPr rtlCol="0" anchor="t"/>
-            <a:lstStyle/>
-            <a:p>
-              <a:endParaRPr lang="en-US" sz="2800" b="1" dirty="0">
-                <a:solidFill>
-                  <a:schemeClr val="tx1"/>
-                </a:solidFill>
-                <a:latin typeface="Consolas" panose="020B0609020204030204" pitchFamily="49" charset="0"/>
-              </a:endParaRPr>
-            </a:p>
-          </p:txBody>
-        </p:sp>
-        <p:sp>
-          <p:nvSpPr>
-            <p:cNvPr id="18" name="TextBox 17"/>
-            <p:cNvSpPr txBox="1"/>
-            <p:nvPr/>
-          </p:nvSpPr>
-          <p:spPr>
-            <a:xfrm>
-              <a:off x="8444908" y="1148883"/>
-              <a:ext cx="1800886" cy="461664"/>
-            </a:xfrm>
-            <a:prstGeom prst="rect">
-              <a:avLst/>
-            </a:prstGeom>
-            <a:ln>
-              <a:noFill/>
-              <a:prstDash val="dash"/>
-            </a:ln>
-          </p:spPr>
-          <p:style>
-            <a:lnRef idx="2">
-              <a:schemeClr val="accent6">
-                <a:shade val="50000"/>
-              </a:schemeClr>
-            </a:lnRef>
-            <a:fillRef idx="1">
-              <a:schemeClr val="accent6"/>
-            </a:fillRef>
-            <a:effectRef idx="0">
-              <a:schemeClr val="accent6"/>
-            </a:effectRef>
-            <a:fontRef idx="minor">
-              <a:schemeClr val="lt1"/>
-            </a:fontRef>
-          </p:style>
-          <p:txBody>
-            <a:bodyPr rtlCol="0" anchor="t"/>
-            <a:lstStyle>
-              <a:defPPr>
-                <a:defRPr lang="en-US"/>
-              </a:defPPr>
-              <a:lvl1pPr>
-                <a:defRPr sz="2800" b="1">
-                  <a:latin typeface="Consolas" panose="020B0609020204030204" pitchFamily="49" charset="0"/>
-                </a:defRPr>
-              </a:lvl1pPr>
-              <a:lvl2pPr>
-                <a:defRPr>
-                  <a:solidFill>
-                    <a:schemeClr val="lt1"/>
-                  </a:solidFill>
-                </a:defRPr>
-              </a:lvl2pPr>
-              <a:lvl3pPr>
-                <a:defRPr>
-                  <a:solidFill>
-                    <a:schemeClr val="lt1"/>
-                  </a:solidFill>
-                </a:defRPr>
-              </a:lvl3pPr>
-              <a:lvl4pPr>
-                <a:defRPr>
-                  <a:solidFill>
-                    <a:schemeClr val="lt1"/>
-                  </a:solidFill>
-                </a:defRPr>
-              </a:lvl4pPr>
-              <a:lvl5pPr>
-                <a:defRPr>
-                  <a:solidFill>
-                    <a:schemeClr val="lt1"/>
-                  </a:solidFill>
-                </a:defRPr>
-              </a:lvl5pPr>
-              <a:lvl6pPr>
-                <a:defRPr>
-                  <a:solidFill>
-                    <a:schemeClr val="lt1"/>
-                  </a:solidFill>
-                </a:defRPr>
-              </a:lvl6pPr>
-              <a:lvl7pPr>
-                <a:defRPr>
-                  <a:solidFill>
-                    <a:schemeClr val="lt1"/>
-                  </a:solidFill>
-                </a:defRPr>
-              </a:lvl7pPr>
-              <a:lvl8pPr>
-                <a:defRPr>
-                  <a:solidFill>
-                    <a:schemeClr val="lt1"/>
-                  </a:solidFill>
-                </a:defRPr>
-              </a:lvl8pPr>
-              <a:lvl9pPr>
-                <a:defRPr>
-                  <a:solidFill>
-                    <a:schemeClr val="lt1"/>
-                  </a:solidFill>
-                </a:defRPr>
-              </a:lvl9pPr>
-            </a:lstStyle>
-            <a:p>
-              <a:pPr algn="ctr"/>
-              <a:r>
-                <a:rPr lang="en-US" sz="2600" noProof="1">
-                  <a:solidFill>
-                    <a:schemeClr val="bg1"/>
-                  </a:solidFill>
-                </a:rPr>
-                <a:t>Teacher</a:t>
-              </a:r>
-            </a:p>
-          </p:txBody>
-        </p:sp>
-        <p:sp>
-          <p:nvSpPr>
-            <p:cNvPr id="19" name="Rectangle 18"/>
-            <p:cNvSpPr/>
-            <p:nvPr/>
-          </p:nvSpPr>
-          <p:spPr>
-            <a:xfrm>
-              <a:off x="8356115" y="2937238"/>
-              <a:ext cx="2217342" cy="572616"/>
-            </a:xfrm>
-            <a:prstGeom prst="rect">
-              <a:avLst/>
-            </a:prstGeom>
-            <a:ln>
-              <a:prstDash val="dash"/>
-            </a:ln>
-          </p:spPr>
-          <p:style>
-            <a:lnRef idx="2">
-              <a:schemeClr val="accent6">
-                <a:shade val="50000"/>
-              </a:schemeClr>
-            </a:lnRef>
-            <a:fillRef idx="1">
-              <a:schemeClr val="accent6"/>
-            </a:fillRef>
-            <a:effectRef idx="0">
-              <a:schemeClr val="accent6"/>
-            </a:effectRef>
-            <a:fontRef idx="minor">
-              <a:schemeClr val="lt1"/>
-            </a:fontRef>
-          </p:style>
-          <p:txBody>
-            <a:bodyPr rtlCol="0" anchor="t"/>
-            <a:lstStyle/>
-            <a:p>
-              <a:pPr algn="ctr"/>
-              <a:r>
-                <a:rPr lang="en-US" sz="2400" b="1" dirty="0">
-                  <a:solidFill>
-                    <a:schemeClr val="bg1"/>
-                  </a:solidFill>
-                  <a:latin typeface="Consolas" panose="020B0609020204030204" pitchFamily="49" charset="0"/>
-                </a:rPr>
-                <a:t>__proto__</a:t>
-              </a:r>
-            </a:p>
-          </p:txBody>
-        </p:sp>
-        <p:sp>
-          <p:nvSpPr>
-            <p:cNvPr id="20" name="Oval 19"/>
-            <p:cNvSpPr/>
-            <p:nvPr/>
-          </p:nvSpPr>
-          <p:spPr>
-            <a:xfrm>
-              <a:off x="7951704" y="3054791"/>
-              <a:ext cx="306000" cy="306001"/>
-            </a:xfrm>
-            <a:prstGeom prst="ellipse">
-              <a:avLst/>
-            </a:prstGeom>
-            <a:ln>
-              <a:prstDash val="dash"/>
-            </a:ln>
-          </p:spPr>
-          <p:style>
-            <a:lnRef idx="2">
-              <a:schemeClr val="accent6">
-                <a:shade val="50000"/>
-              </a:schemeClr>
-            </a:lnRef>
-            <a:fillRef idx="1">
-              <a:schemeClr val="accent6"/>
-            </a:fillRef>
-            <a:effectRef idx="0">
-              <a:schemeClr val="accent6"/>
-            </a:effectRef>
-            <a:fontRef idx="minor">
-              <a:schemeClr val="lt1"/>
-            </a:fontRef>
-          </p:style>
-          <p:txBody>
-            <a:bodyPr rtlCol="0" anchor="t"/>
-            <a:lstStyle/>
-            <a:p>
-              <a:endParaRPr lang="en-US" sz="2800" b="1">
-                <a:solidFill>
-                  <a:schemeClr val="tx1"/>
-                </a:solidFill>
-                <a:latin typeface="Consolas" panose="020B0609020204030204" pitchFamily="49" charset="0"/>
-              </a:endParaRPr>
-            </a:p>
-          </p:txBody>
-        </p:sp>
-        <p:sp>
-          <p:nvSpPr>
-            <p:cNvPr id="21" name="Rectangle: Rounded Corners 13"/>
-            <p:cNvSpPr/>
-            <p:nvPr/>
-          </p:nvSpPr>
-          <p:spPr>
-            <a:xfrm>
-              <a:off x="8117246" y="1637491"/>
-              <a:ext cx="2456211" cy="535030"/>
-            </a:xfrm>
-            <a:prstGeom prst="roundRect">
-              <a:avLst>
-                <a:gd name="adj" fmla="val 5319"/>
-              </a:avLst>
-            </a:prstGeom>
-            <a:ln>
-              <a:prstDash val="dash"/>
-            </a:ln>
-          </p:spPr>
-          <p:style>
-            <a:lnRef idx="2">
-              <a:schemeClr val="accent6">
-                <a:shade val="50000"/>
-              </a:schemeClr>
-            </a:lnRef>
-            <a:fillRef idx="1">
-              <a:schemeClr val="accent6"/>
-            </a:fillRef>
-            <a:effectRef idx="0">
-              <a:schemeClr val="accent6"/>
-            </a:effectRef>
-            <a:fontRef idx="minor">
-              <a:schemeClr val="lt1"/>
-            </a:fontRef>
-          </p:style>
-          <p:txBody>
-            <a:bodyPr rtlCol="0" anchor="t"/>
-            <a:lstStyle/>
-            <a:p>
-              <a:pPr algn="ctr"/>
-              <a:r>
-                <a:rPr lang="en-US" sz="2600" b="1" dirty="0">
-                  <a:solidFill>
-                    <a:schemeClr val="tx1"/>
-                  </a:solidFill>
-                  <a:latin typeface="Consolas" panose="020B0609020204030204" pitchFamily="49" charset="0"/>
-                </a:rPr>
-                <a:t>subject</a:t>
-              </a:r>
-            </a:p>
-          </p:txBody>
-        </p:sp>
-        <p:sp>
-          <p:nvSpPr>
-            <p:cNvPr id="22" name="Rectangle: Rounded Corners 13"/>
-            <p:cNvSpPr/>
-            <p:nvPr/>
-          </p:nvSpPr>
-          <p:spPr>
-            <a:xfrm>
-              <a:off x="8117246" y="2285293"/>
-              <a:ext cx="2462203" cy="539172"/>
-            </a:xfrm>
-            <a:prstGeom prst="roundRect">
-              <a:avLst>
-                <a:gd name="adj" fmla="val 5319"/>
-              </a:avLst>
-            </a:prstGeom>
-            <a:ln>
-              <a:prstDash val="dash"/>
-            </a:ln>
-          </p:spPr>
-          <p:style>
-            <a:lnRef idx="2">
-              <a:schemeClr val="accent6">
-                <a:shade val="50000"/>
-              </a:schemeClr>
-            </a:lnRef>
-            <a:fillRef idx="1">
-              <a:schemeClr val="accent6"/>
-            </a:fillRef>
-            <a:effectRef idx="0">
-              <a:schemeClr val="accent6"/>
-            </a:effectRef>
-            <a:fontRef idx="minor">
-              <a:schemeClr val="lt1"/>
-            </a:fontRef>
-          </p:style>
-          <p:txBody>
-            <a:bodyPr rtlCol="0" anchor="t"/>
-            <a:lstStyle/>
-            <a:p>
-              <a:pPr algn="ctr"/>
-              <a:r>
-                <a:rPr lang="en-US" sz="2600" b="1" noProof="1">
-                  <a:solidFill>
-                    <a:schemeClr val="tx1"/>
-                  </a:solidFill>
-                  <a:latin typeface="Consolas" panose="020B0609020204030204" pitchFamily="49" charset="0"/>
-                </a:rPr>
-                <a:t>toString()</a:t>
-              </a:r>
-            </a:p>
-          </p:txBody>
-        </p:sp>
-      </p:grpSp>
-      <p:grpSp>
-        <p:nvGrpSpPr>
-          <p:cNvPr id="23" name="Group 22"/>
-          <p:cNvGrpSpPr/>
-          <p:nvPr/>
-        </p:nvGrpSpPr>
-        <p:grpSpPr>
-          <a:xfrm>
-            <a:off x="1445222" y="3249587"/>
-            <a:ext cx="2298444" cy="732473"/>
-            <a:chOff x="2409707" y="1052646"/>
-            <a:chExt cx="1600200" cy="684667"/>
-          </a:xfrm>
-        </p:grpSpPr>
-        <p:sp>
-          <p:nvSpPr>
-            <p:cNvPr id="24" name="Rectangle: Rounded Corners 67"/>
-            <p:cNvSpPr/>
-            <p:nvPr/>
-          </p:nvSpPr>
-          <p:spPr>
-            <a:xfrm>
-              <a:off x="2409707" y="1052646"/>
-              <a:ext cx="1600200" cy="684667"/>
-            </a:xfrm>
-            <a:prstGeom prst="roundRect">
-              <a:avLst>
-                <a:gd name="adj" fmla="val 5385"/>
-              </a:avLst>
-            </a:prstGeom>
-            <a:ln>
-              <a:prstDash val="dash"/>
-            </a:ln>
-          </p:spPr>
-          <p:style>
-            <a:lnRef idx="2">
-              <a:schemeClr val="accent6">
-                <a:shade val="50000"/>
-              </a:schemeClr>
-            </a:lnRef>
-            <a:fillRef idx="1">
-              <a:schemeClr val="accent6"/>
-            </a:fillRef>
-            <a:effectRef idx="0">
-              <a:schemeClr val="accent6"/>
-            </a:effectRef>
-            <a:fontRef idx="minor">
-              <a:schemeClr val="lt1"/>
-            </a:fontRef>
-          </p:style>
-          <p:txBody>
-            <a:bodyPr rtlCol="0" anchor="t"/>
-            <a:lstStyle/>
-            <a:p>
-              <a:endParaRPr lang="en-US" sz="2800" b="1" dirty="0">
-                <a:solidFill>
-                  <a:schemeClr val="tx1"/>
-                </a:solidFill>
-                <a:latin typeface="Consolas" panose="020B0609020204030204" pitchFamily="49" charset="0"/>
-              </a:endParaRPr>
-            </a:p>
-          </p:txBody>
-        </p:sp>
-        <p:sp>
-          <p:nvSpPr>
-            <p:cNvPr id="25" name="TextBox 24"/>
-            <p:cNvSpPr txBox="1"/>
-            <p:nvPr/>
-          </p:nvSpPr>
-          <p:spPr>
-            <a:xfrm>
-              <a:off x="2543564" y="1184815"/>
-              <a:ext cx="1355158" cy="430992"/>
-            </a:xfrm>
-            <a:prstGeom prst="rect">
-              <a:avLst/>
-            </a:prstGeom>
-            <a:ln>
-              <a:prstDash val="dash"/>
-            </a:ln>
-          </p:spPr>
-          <p:style>
-            <a:lnRef idx="2">
-              <a:schemeClr val="accent6">
-                <a:shade val="50000"/>
-              </a:schemeClr>
-            </a:lnRef>
-            <a:fillRef idx="1">
-              <a:schemeClr val="accent6"/>
-            </a:fillRef>
-            <a:effectRef idx="0">
-              <a:schemeClr val="accent6"/>
-            </a:effectRef>
-            <a:fontRef idx="minor">
-              <a:schemeClr val="lt1"/>
-            </a:fontRef>
-          </p:style>
-          <p:txBody>
-            <a:bodyPr rtlCol="0" anchor="t"/>
-            <a:lstStyle>
-              <a:defPPr>
-                <a:defRPr lang="en-US"/>
-              </a:defPPr>
-              <a:lvl1pPr>
-                <a:defRPr sz="2800" b="1">
-                  <a:latin typeface="Consolas" panose="020B0609020204030204" pitchFamily="49" charset="0"/>
-                </a:defRPr>
-              </a:lvl1pPr>
-              <a:lvl2pPr>
-                <a:defRPr>
-                  <a:solidFill>
-                    <a:schemeClr val="lt1"/>
-                  </a:solidFill>
-                </a:defRPr>
-              </a:lvl2pPr>
-              <a:lvl3pPr>
-                <a:defRPr>
-                  <a:solidFill>
-                    <a:schemeClr val="lt1"/>
-                  </a:solidFill>
-                </a:defRPr>
-              </a:lvl3pPr>
-              <a:lvl4pPr>
-                <a:defRPr>
-                  <a:solidFill>
-                    <a:schemeClr val="lt1"/>
-                  </a:solidFill>
-                </a:defRPr>
-              </a:lvl4pPr>
-              <a:lvl5pPr>
-                <a:defRPr>
-                  <a:solidFill>
-                    <a:schemeClr val="lt1"/>
-                  </a:solidFill>
-                </a:defRPr>
-              </a:lvl5pPr>
-              <a:lvl6pPr>
-                <a:defRPr>
-                  <a:solidFill>
-                    <a:schemeClr val="lt1"/>
-                  </a:solidFill>
-                </a:defRPr>
-              </a:lvl6pPr>
-              <a:lvl7pPr>
-                <a:defRPr>
-                  <a:solidFill>
-                    <a:schemeClr val="lt1"/>
-                  </a:solidFill>
-                </a:defRPr>
-              </a:lvl7pPr>
-              <a:lvl8pPr>
-                <a:defRPr>
-                  <a:solidFill>
-                    <a:schemeClr val="lt1"/>
-                  </a:solidFill>
-                </a:defRPr>
-              </a:lvl8pPr>
-              <a:lvl9pPr>
-                <a:defRPr>
-                  <a:solidFill>
-                    <a:schemeClr val="lt1"/>
-                  </a:solidFill>
-                </a:defRPr>
-              </a:lvl9pPr>
-            </a:lstStyle>
-            <a:p>
-              <a:pPr algn="ctr"/>
-              <a:r>
-                <a:rPr lang="en-US" sz="2600" noProof="1">
-                  <a:solidFill>
-                    <a:schemeClr val="bg1"/>
-                  </a:solidFill>
-                </a:rPr>
-                <a:t>Object{…}</a:t>
-              </a:r>
-            </a:p>
-          </p:txBody>
-        </p:sp>
-      </p:grpSp>
-      <p:cxnSp>
-        <p:nvCxnSpPr>
-          <p:cNvPr id="26" name="Straight Arrow Connector 35"/>
-          <p:cNvCxnSpPr>
-            <a:stCxn id="30" idx="2"/>
-            <a:endCxn id="24" idx="1"/>
-          </p:cNvCxnSpPr>
-          <p:nvPr/>
-        </p:nvCxnSpPr>
-        <p:spPr>
-          <a:xfrm rot="10800000" flipV="1">
-            <a:off x="1445222" y="2629436"/>
-            <a:ext cx="86866" cy="986388"/>
-          </a:xfrm>
-          <a:prstGeom prst="bentConnector3">
-            <a:avLst>
-              <a:gd name="adj1" fmla="val 584775"/>
-            </a:avLst>
-          </a:prstGeom>
-          <a:solidFill>
-            <a:srgbClr val="F0A22E">
-              <a:alpha val="25098"/>
-            </a:srgbClr>
-          </a:solidFill>
-          <a:ln w="50800">
-            <a:solidFill>
-              <a:srgbClr val="F3CD60"/>
-            </a:solidFill>
-            <a:prstDash val="solid"/>
-            <a:tailEnd type="triangle" w="lg" len="lg"/>
-          </a:ln>
-        </p:spPr>
-        <p:style>
-          <a:lnRef idx="2">
-            <a:schemeClr val="accent1">
-              <a:shade val="50000"/>
-            </a:schemeClr>
-          </a:lnRef>
-          <a:fillRef idx="1">
-            <a:schemeClr val="accent1"/>
-          </a:fillRef>
-          <a:effectRef idx="0">
-            <a:schemeClr val="accent1"/>
-          </a:effectRef>
-          <a:fontRef idx="minor">
-            <a:schemeClr val="lt1"/>
-          </a:fontRef>
-        </p:style>
-      </p:cxnSp>
-      <p:grpSp>
-        <p:nvGrpSpPr>
-          <p:cNvPr id="27" name="Group 26"/>
-          <p:cNvGrpSpPr/>
-          <p:nvPr/>
-        </p:nvGrpSpPr>
-        <p:grpSpPr>
-          <a:xfrm>
-            <a:off x="1446214" y="1197330"/>
-            <a:ext cx="2297452" cy="1759815"/>
-            <a:chOff x="3803084" y="1566154"/>
-            <a:chExt cx="2545296" cy="1699829"/>
-          </a:xfrm>
-        </p:grpSpPr>
-        <p:sp>
-          <p:nvSpPr>
-            <p:cNvPr id="28" name="Rectangle: Rounded Corners 72"/>
-            <p:cNvSpPr/>
-            <p:nvPr/>
-          </p:nvSpPr>
-          <p:spPr>
-            <a:xfrm>
-              <a:off x="3803084" y="1566154"/>
-              <a:ext cx="2545296" cy="1699829"/>
-            </a:xfrm>
-            <a:prstGeom prst="roundRect">
-              <a:avLst>
-                <a:gd name="adj" fmla="val 5385"/>
-              </a:avLst>
-            </a:prstGeom>
-            <a:ln>
-              <a:prstDash val="dash"/>
-            </a:ln>
-          </p:spPr>
-          <p:style>
-            <a:lnRef idx="2">
-              <a:schemeClr val="accent6">
-                <a:shade val="50000"/>
-              </a:schemeClr>
-            </a:lnRef>
-            <a:fillRef idx="1">
-              <a:schemeClr val="accent6"/>
-            </a:fillRef>
-            <a:effectRef idx="0">
-              <a:schemeClr val="accent6"/>
-            </a:effectRef>
-            <a:fontRef idx="minor">
-              <a:schemeClr val="lt1"/>
-            </a:fontRef>
-          </p:style>
-          <p:txBody>
-            <a:bodyPr rtlCol="0" anchor="t"/>
-            <a:lstStyle/>
-            <a:p>
-              <a:endParaRPr lang="en-US" sz="2800" b="1" dirty="0">
-                <a:solidFill>
-                  <a:schemeClr val="tx1"/>
-                </a:solidFill>
-                <a:latin typeface="Consolas" panose="020B0609020204030204" pitchFamily="49" charset="0"/>
-              </a:endParaRPr>
-            </a:p>
-          </p:txBody>
-        </p:sp>
-        <p:sp>
-          <p:nvSpPr>
-            <p:cNvPr id="29" name="TextBox 28"/>
-            <p:cNvSpPr txBox="1"/>
-            <p:nvPr/>
-          </p:nvSpPr>
-          <p:spPr>
-            <a:xfrm>
-              <a:off x="3908689" y="1646277"/>
-              <a:ext cx="2324487" cy="845630"/>
-            </a:xfrm>
-            <a:prstGeom prst="rect">
-              <a:avLst/>
-            </a:prstGeom>
-            <a:ln>
-              <a:prstDash val="dash"/>
-            </a:ln>
-          </p:spPr>
-          <p:style>
-            <a:lnRef idx="2">
-              <a:schemeClr val="accent6">
-                <a:shade val="50000"/>
-              </a:schemeClr>
-            </a:lnRef>
-            <a:fillRef idx="1">
-              <a:schemeClr val="accent6"/>
-            </a:fillRef>
-            <a:effectRef idx="0">
-              <a:schemeClr val="accent6"/>
-            </a:effectRef>
-            <a:fontRef idx="minor">
-              <a:schemeClr val="lt1"/>
-            </a:fontRef>
-          </p:style>
-          <p:txBody>
-            <a:bodyPr rtlCol="0" anchor="t"/>
-            <a:lstStyle>
-              <a:defPPr>
-                <a:defRPr lang="en-US"/>
-              </a:defPPr>
-              <a:lvl1pPr>
-                <a:defRPr sz="2800" b="1">
-                  <a:latin typeface="Consolas" panose="020B0609020204030204" pitchFamily="49" charset="0"/>
-                </a:defRPr>
-              </a:lvl1pPr>
-              <a:lvl2pPr>
-                <a:defRPr>
-                  <a:solidFill>
-                    <a:schemeClr val="lt1"/>
-                  </a:solidFill>
-                </a:defRPr>
-              </a:lvl2pPr>
-              <a:lvl3pPr>
-                <a:defRPr>
-                  <a:solidFill>
-                    <a:schemeClr val="lt1"/>
-                  </a:solidFill>
-                </a:defRPr>
-              </a:lvl3pPr>
-              <a:lvl4pPr>
-                <a:defRPr>
-                  <a:solidFill>
-                    <a:schemeClr val="lt1"/>
-                  </a:solidFill>
-                </a:defRPr>
-              </a:lvl4pPr>
-              <a:lvl5pPr>
-                <a:defRPr>
-                  <a:solidFill>
-                    <a:schemeClr val="lt1"/>
-                  </a:solidFill>
-                </a:defRPr>
-              </a:lvl5pPr>
-              <a:lvl6pPr>
-                <a:defRPr>
-                  <a:solidFill>
-                    <a:schemeClr val="lt1"/>
-                  </a:solidFill>
-                </a:defRPr>
-              </a:lvl6pPr>
-              <a:lvl7pPr>
-                <a:defRPr>
-                  <a:solidFill>
-                    <a:schemeClr val="lt1"/>
-                  </a:solidFill>
-                </a:defRPr>
-              </a:lvl7pPr>
-              <a:lvl8pPr>
-                <a:defRPr>
-                  <a:solidFill>
-                    <a:schemeClr val="lt1"/>
-                  </a:solidFill>
-                </a:defRPr>
-              </a:lvl8pPr>
-              <a:lvl9pPr>
-                <a:defRPr>
-                  <a:solidFill>
-                    <a:schemeClr val="lt1"/>
-                  </a:solidFill>
-                </a:defRPr>
-              </a:lvl9pPr>
-            </a:lstStyle>
-            <a:p>
-              <a:pPr algn="ctr"/>
-              <a:r>
-                <a:rPr lang="en-US" sz="2600" noProof="1">
-                  <a:solidFill>
-                    <a:schemeClr val="bg1"/>
-                  </a:solidFill>
-                </a:rPr>
-                <a:t>Function.</a:t>
-              </a:r>
-              <a:br>
-                <a:rPr lang="en-US" sz="2600" noProof="1">
-                  <a:solidFill>
-                    <a:schemeClr val="bg1"/>
-                  </a:solidFill>
-                </a:rPr>
-              </a:br>
-              <a:r>
-                <a:rPr lang="en-US" sz="2600" noProof="1">
-                  <a:solidFill>
-                    <a:schemeClr val="bg1"/>
-                  </a:solidFill>
-                </a:rPr>
-                <a:t>__proto__</a:t>
-              </a:r>
-            </a:p>
-          </p:txBody>
-        </p:sp>
-        <p:sp>
-          <p:nvSpPr>
-            <p:cNvPr id="30" name="Oval 29"/>
-            <p:cNvSpPr/>
-            <p:nvPr/>
-          </p:nvSpPr>
-          <p:spPr>
-            <a:xfrm>
-              <a:off x="3898222" y="2847788"/>
-              <a:ext cx="203312" cy="203312"/>
-            </a:xfrm>
-            <a:prstGeom prst="ellipse">
-              <a:avLst/>
-            </a:prstGeom>
-            <a:ln>
-              <a:prstDash val="dash"/>
-            </a:ln>
-          </p:spPr>
-          <p:style>
-            <a:lnRef idx="2">
-              <a:schemeClr val="accent6">
-                <a:shade val="50000"/>
-              </a:schemeClr>
-            </a:lnRef>
-            <a:fillRef idx="1">
-              <a:schemeClr val="accent6"/>
-            </a:fillRef>
-            <a:effectRef idx="0">
-              <a:schemeClr val="accent6"/>
-            </a:effectRef>
-            <a:fontRef idx="minor">
-              <a:schemeClr val="lt1"/>
-            </a:fontRef>
-          </p:style>
-          <p:txBody>
-            <a:bodyPr rtlCol="0" anchor="t"/>
-            <a:lstStyle/>
-            <a:p>
-              <a:endParaRPr lang="en-US" sz="2800" b="1">
-                <a:solidFill>
-                  <a:schemeClr val="tx1"/>
-                </a:solidFill>
-                <a:latin typeface="Consolas" panose="020B0609020204030204" pitchFamily="49" charset="0"/>
-              </a:endParaRPr>
-            </a:p>
-          </p:txBody>
-        </p:sp>
-        <p:sp>
-          <p:nvSpPr>
-            <p:cNvPr id="31" name="Rectangle 30"/>
-            <p:cNvSpPr/>
-            <p:nvPr/>
-          </p:nvSpPr>
-          <p:spPr>
-            <a:xfrm>
-              <a:off x="4216359" y="2685030"/>
-              <a:ext cx="2016818" cy="448787"/>
-            </a:xfrm>
-            <a:prstGeom prst="rect">
-              <a:avLst/>
-            </a:prstGeom>
-            <a:ln>
-              <a:prstDash val="dash"/>
-            </a:ln>
-          </p:spPr>
-          <p:style>
-            <a:lnRef idx="2">
-              <a:schemeClr val="accent6">
-                <a:shade val="50000"/>
-              </a:schemeClr>
-            </a:lnRef>
-            <a:fillRef idx="1">
-              <a:schemeClr val="accent6"/>
-            </a:fillRef>
-            <a:effectRef idx="0">
-              <a:schemeClr val="accent6"/>
-            </a:effectRef>
-            <a:fontRef idx="minor">
-              <a:schemeClr val="lt1"/>
-            </a:fontRef>
-          </p:style>
-          <p:txBody>
-            <a:bodyPr rtlCol="0" anchor="t"/>
-            <a:lstStyle/>
-            <a:p>
-              <a:r>
-                <a:rPr lang="en-US" sz="2400" b="1" dirty="0">
-                  <a:solidFill>
-                    <a:schemeClr val="bg1"/>
-                  </a:solidFill>
-                  <a:latin typeface="Consolas" panose="020B0609020204030204" pitchFamily="49" charset="0"/>
-                </a:rPr>
-                <a:t>__proto__</a:t>
-              </a:r>
-            </a:p>
-          </p:txBody>
-        </p:sp>
-      </p:grpSp>
-      <p:grpSp>
-        <p:nvGrpSpPr>
-          <p:cNvPr id="32" name="Group 31"/>
-          <p:cNvGrpSpPr/>
-          <p:nvPr/>
-        </p:nvGrpSpPr>
-        <p:grpSpPr>
-          <a:xfrm>
-            <a:off x="7958414" y="3977434"/>
-            <a:ext cx="3643555" cy="2619144"/>
-            <a:chOff x="4259601" y="3977434"/>
-            <a:chExt cx="3643555" cy="2619144"/>
-          </a:xfrm>
-        </p:grpSpPr>
-        <p:sp>
-          <p:nvSpPr>
-            <p:cNvPr id="34" name="Rectangle: Rounded Corners 63"/>
-            <p:cNvSpPr/>
-            <p:nvPr/>
-          </p:nvSpPr>
-          <p:spPr>
-            <a:xfrm>
-              <a:off x="4259601" y="3977434"/>
-              <a:ext cx="3643555" cy="2619144"/>
-            </a:xfrm>
-            <a:prstGeom prst="roundRect">
-              <a:avLst>
-                <a:gd name="adj" fmla="val 5385"/>
-              </a:avLst>
-            </a:prstGeom>
-            <a:ln>
-              <a:prstDash val="dash"/>
-            </a:ln>
-          </p:spPr>
-          <p:style>
-            <a:lnRef idx="2">
-              <a:schemeClr val="accent6">
-                <a:shade val="50000"/>
-              </a:schemeClr>
-            </a:lnRef>
-            <a:fillRef idx="1">
-              <a:schemeClr val="accent6"/>
-            </a:fillRef>
-            <a:effectRef idx="0">
-              <a:schemeClr val="accent6"/>
-            </a:effectRef>
-            <a:fontRef idx="minor">
-              <a:schemeClr val="lt1"/>
-            </a:fontRef>
-          </p:style>
-          <p:txBody>
-            <a:bodyPr rtlCol="0" anchor="t"/>
-            <a:lstStyle/>
-            <a:p>
-              <a:endParaRPr lang="en-US" sz="2800" b="1" dirty="0">
-                <a:solidFill>
-                  <a:schemeClr val="tx1"/>
-                </a:solidFill>
-                <a:latin typeface="Consolas" panose="020B0609020204030204" pitchFamily="49" charset="0"/>
-              </a:endParaRPr>
-            </a:p>
-          </p:txBody>
-        </p:sp>
-        <p:sp>
-          <p:nvSpPr>
-            <p:cNvPr id="35" name="Oval 34"/>
-            <p:cNvSpPr/>
-            <p:nvPr/>
-          </p:nvSpPr>
-          <p:spPr>
-            <a:xfrm>
-              <a:off x="5070668" y="6252896"/>
-              <a:ext cx="257701" cy="257701"/>
-            </a:xfrm>
-            <a:prstGeom prst="ellipse">
-              <a:avLst/>
-            </a:prstGeom>
-            <a:ln>
-              <a:prstDash val="dash"/>
-            </a:ln>
-          </p:spPr>
-          <p:style>
-            <a:lnRef idx="2">
-              <a:schemeClr val="accent6">
-                <a:shade val="50000"/>
-              </a:schemeClr>
-            </a:lnRef>
-            <a:fillRef idx="1">
-              <a:schemeClr val="accent6"/>
-            </a:fillRef>
-            <a:effectRef idx="0">
-              <a:schemeClr val="accent6"/>
-            </a:effectRef>
-            <a:fontRef idx="minor">
-              <a:schemeClr val="lt1"/>
-            </a:fontRef>
-          </p:style>
-          <p:txBody>
-            <a:bodyPr rtlCol="0" anchor="t"/>
-            <a:lstStyle/>
-            <a:p>
-              <a:endParaRPr lang="en-US" sz="2800" b="1">
-                <a:solidFill>
-                  <a:schemeClr val="tx1"/>
-                </a:solidFill>
-                <a:latin typeface="Consolas" panose="020B0609020204030204" pitchFamily="49" charset="0"/>
-              </a:endParaRPr>
-            </a:p>
-          </p:txBody>
-        </p:sp>
-        <p:sp>
-          <p:nvSpPr>
-            <p:cNvPr id="36" name="Rectangle 35"/>
-            <p:cNvSpPr/>
-            <p:nvPr/>
-          </p:nvSpPr>
-          <p:spPr>
-            <a:xfrm>
-              <a:off x="5371585" y="6098966"/>
-              <a:ext cx="2375335" cy="432024"/>
-            </a:xfrm>
-            <a:prstGeom prst="rect">
-              <a:avLst/>
-            </a:prstGeom>
-            <a:ln>
-              <a:prstDash val="dash"/>
-            </a:ln>
-          </p:spPr>
-          <p:style>
-            <a:lnRef idx="2">
-              <a:schemeClr val="accent6">
-                <a:shade val="50000"/>
-              </a:schemeClr>
-            </a:lnRef>
-            <a:fillRef idx="1">
-              <a:schemeClr val="accent6"/>
-            </a:fillRef>
-            <a:effectRef idx="0">
-              <a:schemeClr val="accent6"/>
-            </a:effectRef>
-            <a:fontRef idx="minor">
-              <a:schemeClr val="lt1"/>
-            </a:fontRef>
-          </p:style>
-          <p:txBody>
-            <a:bodyPr rtlCol="0" anchor="t"/>
-            <a:lstStyle/>
-            <a:p>
-              <a:pPr algn="ctr"/>
-              <a:r>
-                <a:rPr lang="en-US" sz="2400" b="1" dirty="0">
-                  <a:solidFill>
-                    <a:schemeClr val="bg1"/>
-                  </a:solidFill>
-                  <a:latin typeface="Consolas" panose="020B0609020204030204" pitchFamily="49" charset="0"/>
-                </a:rPr>
-                <a:t>__proto__</a:t>
-              </a:r>
-            </a:p>
-          </p:txBody>
-        </p:sp>
-        <p:sp>
-          <p:nvSpPr>
-            <p:cNvPr id="37" name="Rectangle: Rounded Corners 13"/>
-            <p:cNvSpPr/>
-            <p:nvPr/>
-          </p:nvSpPr>
-          <p:spPr>
-            <a:xfrm>
-              <a:off x="4615787" y="4483003"/>
-              <a:ext cx="3131134" cy="462288"/>
-            </a:xfrm>
-            <a:prstGeom prst="roundRect">
-              <a:avLst>
-                <a:gd name="adj" fmla="val 5319"/>
-              </a:avLst>
-            </a:prstGeom>
-            <a:ln>
-              <a:prstDash val="dash"/>
-            </a:ln>
-          </p:spPr>
-          <p:style>
-            <a:lnRef idx="2">
-              <a:schemeClr val="accent6">
-                <a:shade val="50000"/>
-              </a:schemeClr>
-            </a:lnRef>
-            <a:fillRef idx="1">
-              <a:schemeClr val="accent6"/>
-            </a:fillRef>
-            <a:effectRef idx="0">
-              <a:schemeClr val="accent6"/>
-            </a:effectRef>
-            <a:fontRef idx="minor">
-              <a:schemeClr val="lt1"/>
-            </a:fontRef>
-          </p:style>
-          <p:txBody>
-            <a:bodyPr rtlCol="0" anchor="t"/>
-            <a:lstStyle/>
-            <a:p>
-              <a:pPr algn="ctr"/>
-              <a:r>
-                <a:rPr lang="en-US" sz="2600" b="1" dirty="0">
-                  <a:solidFill>
-                    <a:schemeClr val="tx1"/>
-                  </a:solidFill>
-                  <a:latin typeface="Consolas" panose="020B0609020204030204" pitchFamily="49" charset="0"/>
-                </a:rPr>
-                <a:t>'Ivan'</a:t>
-              </a:r>
-            </a:p>
-          </p:txBody>
-        </p:sp>
-        <p:sp>
-          <p:nvSpPr>
-            <p:cNvPr id="38" name="Rectangle: Rounded Corners 13"/>
-            <p:cNvSpPr/>
-            <p:nvPr/>
-          </p:nvSpPr>
-          <p:spPr>
-            <a:xfrm>
-              <a:off x="4615792" y="5020652"/>
-              <a:ext cx="3131129" cy="460472"/>
-            </a:xfrm>
-            <a:prstGeom prst="roundRect">
-              <a:avLst>
-                <a:gd name="adj" fmla="val 5319"/>
-              </a:avLst>
-            </a:prstGeom>
-            <a:ln>
-              <a:prstDash val="dash"/>
-            </a:ln>
-          </p:spPr>
-          <p:style>
-            <a:lnRef idx="2">
-              <a:schemeClr val="accent6">
-                <a:shade val="50000"/>
-              </a:schemeClr>
-            </a:lnRef>
-            <a:fillRef idx="1">
-              <a:schemeClr val="accent6"/>
-            </a:fillRef>
-            <a:effectRef idx="0">
-              <a:schemeClr val="accent6"/>
-            </a:effectRef>
-            <a:fontRef idx="minor">
-              <a:schemeClr val="lt1"/>
-            </a:fontRef>
-          </p:style>
-          <p:txBody>
-            <a:bodyPr rtlCol="0" anchor="t"/>
-            <a:lstStyle/>
-            <a:p>
-              <a:pPr algn="ctr"/>
-              <a:r>
-                <a:rPr lang="en-US" sz="2600" b="1" dirty="0">
-                  <a:solidFill>
-                    <a:schemeClr val="tx1"/>
-                  </a:solidFill>
-                  <a:latin typeface="Consolas" panose="020B0609020204030204" pitchFamily="49" charset="0"/>
-                </a:rPr>
-                <a:t>'ivan@email.cx'</a:t>
-              </a:r>
-            </a:p>
-          </p:txBody>
-        </p:sp>
-        <p:sp>
-          <p:nvSpPr>
-            <p:cNvPr id="39" name="Rectangle: Rounded Corners 13"/>
-            <p:cNvSpPr/>
-            <p:nvPr/>
-          </p:nvSpPr>
-          <p:spPr>
-            <a:xfrm>
-              <a:off x="4631559" y="5563132"/>
-              <a:ext cx="3131129" cy="460472"/>
-            </a:xfrm>
-            <a:prstGeom prst="roundRect">
-              <a:avLst>
-                <a:gd name="adj" fmla="val 5319"/>
-              </a:avLst>
-            </a:prstGeom>
-            <a:ln>
-              <a:prstDash val="dash"/>
-            </a:ln>
-          </p:spPr>
-          <p:style>
-            <a:lnRef idx="2">
-              <a:schemeClr val="accent6">
-                <a:shade val="50000"/>
-              </a:schemeClr>
-            </a:lnRef>
-            <a:fillRef idx="1">
-              <a:schemeClr val="accent6"/>
-            </a:fillRef>
-            <a:effectRef idx="0">
-              <a:schemeClr val="accent6"/>
-            </a:effectRef>
-            <a:fontRef idx="minor">
-              <a:schemeClr val="lt1"/>
-            </a:fontRef>
-          </p:style>
-          <p:txBody>
-            <a:bodyPr rtlCol="0" anchor="t"/>
-            <a:lstStyle/>
-            <a:p>
-              <a:pPr algn="ctr"/>
-              <a:r>
-                <a:rPr lang="en-US" sz="2600" b="1" dirty="0">
-                  <a:solidFill>
-                    <a:schemeClr val="tx1"/>
-                  </a:solidFill>
-                  <a:latin typeface="Consolas" panose="020B0609020204030204" pitchFamily="49" charset="0"/>
-                </a:rPr>
-                <a:t>'Biology'</a:t>
-              </a:r>
-            </a:p>
-          </p:txBody>
-        </p:sp>
-      </p:grpSp>
-      <p:cxnSp>
-        <p:nvCxnSpPr>
-          <p:cNvPr id="40" name="Straight Connector 9"/>
-          <p:cNvCxnSpPr>
-            <a:stCxn id="35" idx="2"/>
-          </p:cNvCxnSpPr>
-          <p:nvPr/>
-        </p:nvCxnSpPr>
-        <p:spPr>
-          <a:xfrm rot="10800000" flipH="1">
-            <a:off x="8769480" y="3437357"/>
-            <a:ext cx="779585" cy="2944390"/>
-          </a:xfrm>
-          <a:prstGeom prst="bentConnector4">
-            <a:avLst>
-              <a:gd name="adj1" fmla="val -158494"/>
-              <a:gd name="adj2" fmla="val 85209"/>
-            </a:avLst>
-          </a:prstGeom>
-          <a:solidFill>
-            <a:srgbClr val="F0A22E">
-              <a:alpha val="25098"/>
-            </a:srgbClr>
-          </a:solidFill>
-          <a:ln w="50800">
-            <a:solidFill>
-              <a:srgbClr val="F3CD60"/>
-            </a:solidFill>
-            <a:prstDash val="solid"/>
-            <a:tailEnd type="triangle" w="lg" len="lg"/>
-          </a:ln>
-        </p:spPr>
-        <p:style>
-          <a:lnRef idx="2">
-            <a:schemeClr val="accent1">
-              <a:shade val="50000"/>
-            </a:schemeClr>
-          </a:lnRef>
-          <a:fillRef idx="1">
-            <a:schemeClr val="accent1"/>
-          </a:fillRef>
-          <a:effectRef idx="0">
-            <a:schemeClr val="accent1"/>
-          </a:effectRef>
-          <a:fontRef idx="minor">
-            <a:schemeClr val="lt1"/>
-          </a:fontRef>
-        </p:style>
-      </p:cxnSp>
-      <p:sp>
-        <p:nvSpPr>
-          <p:cNvPr id="42" name="Rectangle 41"/>
-          <p:cNvSpPr/>
-          <p:nvPr/>
-        </p:nvSpPr>
-        <p:spPr>
-          <a:xfrm>
-            <a:off x="8502094" y="3996041"/>
-            <a:ext cx="2699265" cy="492443"/>
-          </a:xfrm>
-          <a:prstGeom prst="rect">
-            <a:avLst/>
-          </a:prstGeom>
-        </p:spPr>
-        <p:txBody>
-          <a:bodyPr wrap="none">
-            <a:spAutoFit/>
-          </a:bodyPr>
-          <a:lstStyle/>
-          <a:p>
-            <a:pPr algn="ctr"/>
-            <a:r>
-              <a:rPr lang="en-US" sz="2600" b="1" noProof="1">
-                <a:solidFill>
-                  <a:schemeClr val="bg1"/>
-                </a:solidFill>
-              </a:rPr>
-              <a:t>Teacher (instance)</a:t>
-            </a:r>
-          </a:p>
-        </p:txBody>
-      </p:sp>
-    </p:spTree>
-    <p:extLst>
-      <p:ext uri="{BB962C8B-B14F-4D97-AF65-F5344CB8AC3E}">
-        <p14:creationId xmlns:p14="http://schemas.microsoft.com/office/powerpoint/2010/main" val="1890831155"/>
-      </p:ext>
-    </p:extLst>
-  </p:cSld>
-  <p:clrMapOvr>
-    <a:masterClrMapping/>
-  </p:clrMapOvr>
-  <mc:AlternateContent xmlns:mc="http://schemas.openxmlformats.org/markup-compatibility/2006" xmlns:p14="http://schemas.microsoft.com/office/powerpoint/2010/main">
-    <mc:Choice Requires="p14">
-      <p:transition spd="slow" p14:dur="2000" advClick="0" advTm="5000"/>
-    </mc:Choice>
-    <mc:Fallback xmlns="">
-      <p:transition spd="slow" advClick="0" advTm="5000"/>
-    </mc:Fallback>
-  </mc:AlternateContent>
-  <p:timing>
-    <p:tnLst>
-      <p:par>
-        <p:cTn id="1" dur="indefinite" restart="never" nodeType="tmRoot">
-          <p:childTnLst>
-            <p:seq concurrent="1" nextAc="seek">
-              <p:cTn id="2" dur="indefinite" nodeType="mainSeq">
-                <p:childTnLst>
-                  <p:par>
-                    <p:cTn id="3" fill="hold">
-                      <p:stCondLst>
-                        <p:cond delay="indefinite"/>
-                        <p:cond evt="onBegin" delay="0">
-                          <p:tn val="2"/>
-                        </p:cond>
-                      </p:stCondLst>
-                      <p:childTnLst>
-                        <p:par>
-                          <p:cTn id="4" fill="hold">
-                            <p:stCondLst>
-                              <p:cond delay="0"/>
-                            </p:stCondLst>
-                            <p:childTnLst>
-                              <p:par>
-                                <p:cTn id="5" presetID="1" presetClass="entr" presetSubtype="0" fill="hold" nodeType="afterEffect">
-                                  <p:stCondLst>
-                                    <p:cond delay="0"/>
-                                  </p:stCondLst>
-                                  <p:childTnLst>
-                                    <p:set>
-                                      <p:cBhvr>
-                                        <p:cTn id="6" dur="1" fill="hold">
-                                          <p:stCondLst>
-                                            <p:cond delay="0"/>
-                                          </p:stCondLst>
-                                        </p:cTn>
-                                        <p:tgtEl>
-                                          <p:spTgt spid="32"/>
-                                        </p:tgtEl>
-                                        <p:attrNameLst>
-                                          <p:attrName>style.visibility</p:attrName>
-                                        </p:attrNameLst>
-                                      </p:cBhvr>
-                                      <p:to>
-                                        <p:strVal val="visible"/>
-                                      </p:to>
-                                    </p:set>
-                                  </p:childTnLst>
-                                </p:cTn>
-                              </p:par>
-                            </p:childTnLst>
-                          </p:cTn>
-                        </p:par>
-                        <p:par>
-                          <p:cTn id="7" fill="hold">
-                            <p:stCondLst>
-                              <p:cond delay="0"/>
-                            </p:stCondLst>
-                            <p:childTnLst>
-                              <p:par>
-                                <p:cTn id="8" presetID="63" presetClass="path" presetSubtype="0" accel="50000" decel="50000" fill="hold" nodeType="afterEffect">
-                                  <p:stCondLst>
-                                    <p:cond delay="0"/>
-                                  </p:stCondLst>
-                                  <p:childTnLst>
-                                    <p:animMotion origin="layout" path="M -4.16667E-7 -4.81481E-6 L -0.30312 -4.81481E-6 " pathEditMode="relative" rAng="0" ptsTypes="AA">
-                                      <p:cBhvr>
-                                        <p:cTn id="9" dur="2000" spd="-100000" fill="hold"/>
-                                        <p:tgtEl>
-                                          <p:spTgt spid="32"/>
-                                        </p:tgtEl>
-                                        <p:attrNameLst>
-                                          <p:attrName>ppt_x</p:attrName>
-                                          <p:attrName>ppt_y</p:attrName>
-                                        </p:attrNameLst>
-                                      </p:cBhvr>
-                                      <p:rCtr x="-15156" y="0"/>
-                                    </p:animMotion>
-                                  </p:childTnLst>
-                                </p:cTn>
-                              </p:par>
-                              <p:par>
-                                <p:cTn id="10" presetID="1" presetClass="entr" presetSubtype="0" fill="hold" grpId="0" nodeType="withEffect">
-                                  <p:stCondLst>
-                                    <p:cond delay="0"/>
-                                  </p:stCondLst>
-                                  <p:childTnLst>
-                                    <p:set>
-                                      <p:cBhvr>
-                                        <p:cTn id="11" dur="1" fill="hold">
-                                          <p:stCondLst>
-                                            <p:cond delay="0"/>
-                                          </p:stCondLst>
-                                        </p:cTn>
-                                        <p:tgtEl>
-                                          <p:spTgt spid="42"/>
-                                        </p:tgtEl>
-                                        <p:attrNameLst>
-                                          <p:attrName>style.visibility</p:attrName>
-                                        </p:attrNameLst>
-                                      </p:cBhvr>
-                                      <p:to>
-                                        <p:strVal val="visible"/>
-                                      </p:to>
-                                    </p:set>
-                                  </p:childTnLst>
-                                </p:cTn>
-                              </p:par>
-                            </p:childTnLst>
-                          </p:cTn>
-                        </p:par>
-                        <p:par>
-                          <p:cTn id="12" fill="hold">
-                            <p:stCondLst>
-                              <p:cond delay="2000"/>
-                            </p:stCondLst>
-                            <p:childTnLst>
-                              <p:par>
-                                <p:cTn id="13" presetID="10" presetClass="entr" presetSubtype="0" fill="hold" nodeType="afterEffect">
-                                  <p:stCondLst>
-                                    <p:cond delay="0"/>
-                                  </p:stCondLst>
-                                  <p:childTnLst>
-                                    <p:set>
-                                      <p:cBhvr>
-                                        <p:cTn id="14" dur="1" fill="hold">
-                                          <p:stCondLst>
-                                            <p:cond delay="0"/>
-                                          </p:stCondLst>
-                                        </p:cTn>
-                                        <p:tgtEl>
-                                          <p:spTgt spid="40"/>
-                                        </p:tgtEl>
-                                        <p:attrNameLst>
-                                          <p:attrName>style.visibility</p:attrName>
-                                        </p:attrNameLst>
-                                      </p:cBhvr>
-                                      <p:to>
-                                        <p:strVal val="visible"/>
-                                      </p:to>
-                                    </p:set>
-                                    <p:animEffect transition="in" filter="fade">
-                                      <p:cBhvr>
-                                        <p:cTn id="15" dur="500"/>
-                                        <p:tgtEl>
-                                          <p:spTgt spid="40"/>
-                                        </p:tgtEl>
-                                      </p:cBhvr>
-                                    </p:animEffect>
-                                  </p:childTnLst>
-                                </p:cTn>
-                              </p:par>
-                            </p:childTnLst>
-                          </p:cTn>
-                        </p:par>
-                      </p:childTnLst>
-                    </p:cTn>
-                  </p:par>
-                </p:childTnLst>
-              </p:cTn>
-              <p:prevCondLst>
-                <p:cond evt="onPrev" delay="0">
-                  <p:tgtEl>
-                    <p:sldTgt/>
-                  </p:tgtEl>
-                </p:cond>
-              </p:prevCondLst>
-              <p:nextCondLst>
-                <p:cond evt="onNext" delay="0">
-                  <p:tgtEl>
-                    <p:sldTgt/>
-                  </p:tgtEl>
-                </p:cond>
-              </p:nextCondLst>
-            </p:seq>
-          </p:childTnLst>
-        </p:cTn>
-      </p:par>
-    </p:tnLst>
-    <p:bldLst>
-      <p:bldP spid="42" grpId="0"/>
-    </p:bldLst>
-  </p:timing>
-</p:sld>
-</file>
-
-<file path=ppt/slides/slide21.xml><?xml version="1.0" encoding="utf-8"?>
-<p:sld xmlns:a="http://schemas.openxmlformats.org/drawingml/2006/main" xmlns:r="http://schemas.openxmlformats.org/officeDocument/2006/relationships" xmlns:p="http://schemas.openxmlformats.org/presentationml/2006/main">
-  <p:cSld>
-    <p:spTree>
-      <p:nvGrpSpPr>
-        <p:cNvPr id="1" name=""/>
-        <p:cNvGrpSpPr/>
-        <p:nvPr/>
-      </p:nvGrpSpPr>
-      <p:grpSpPr>
-        <a:xfrm>
-          <a:off x="0" y="0"/>
-          <a:ext cx="0" cy="0"/>
-          <a:chOff x="0" y="0"/>
-          <a:chExt cx="0" cy="0"/>
-        </a:xfrm>
-      </p:grpSpPr>
-      <p:sp>
-        <p:nvSpPr>
-          <p:cNvPr id="4" name="Title 3"/>
-          <p:cNvSpPr>
-            <a:spLocks noGrp="1"/>
-          </p:cNvSpPr>
-          <p:nvPr>
-            <p:ph type="title"/>
-          </p:nvPr>
-        </p:nvSpPr>
-        <p:spPr/>
-        <p:txBody>
-          <a:bodyPr/>
-          <a:lstStyle/>
-          <a:p>
-            <a:r>
-              <a:rPr lang="en-US" dirty="0"/>
-              <a:t>Prototype Chain for JS Objects</a:t>
-            </a:r>
-            <a:endParaRPr lang="bg-BG" dirty="0"/>
-          </a:p>
-        </p:txBody>
-      </p:sp>
-      <p:sp>
-        <p:nvSpPr>
-          <p:cNvPr id="5" name="Slide Number Placeholder 4"/>
-          <p:cNvSpPr>
-            <a:spLocks noGrp="1"/>
-          </p:cNvSpPr>
-          <p:nvPr>
-            <p:ph type="sldNum" sz="quarter" idx="14"/>
-          </p:nvPr>
-        </p:nvSpPr>
-        <p:spPr/>
-        <p:txBody>
-          <a:bodyPr/>
-          <a:lstStyle/>
-          <a:p>
-            <a:fld id="{C014DD1E-5D91-48A3-AD6D-45FBA980D106}" type="slidenum">
-              <a:rPr lang="en-US" smtClean="0"/>
-              <a:pPr/>
-              <a:t>21</a:t>
             </a:fld>
             <a:endParaRPr lang="en-US" dirty="0"/>
           </a:p>
@@ -24816,7 +22705,7 @@
 </p:sld>
 </file>
 
-<file path=ppt/slides/slide22.xml><?xml version="1.0" encoding="utf-8"?>
+<file path=ppt/slides/slide21.xml><?xml version="1.0" encoding="utf-8"?>
 <p:sld xmlns:a="http://schemas.openxmlformats.org/drawingml/2006/main" xmlns:r="http://schemas.openxmlformats.org/officeDocument/2006/relationships" xmlns:p="http://schemas.openxmlformats.org/presentationml/2006/main">
   <p:cSld>
     <p:spTree>
@@ -24874,7 +22763,7 @@
             <a:fld id="{C014DD1E-5D91-48A3-AD6D-45FBA980D106}" type="slidenum">
               <a:rPr lang="en-US" smtClean="0"/>
               <a:pPr/>
-              <a:t>22</a:t>
+              <a:t>21</a:t>
             </a:fld>
             <a:endParaRPr lang="en-US" dirty="0"/>
           </a:p>
@@ -27162,7 +25051,7 @@
 </p:sld>
 </file>
 
-<file path=ppt/slides/slide23.xml><?xml version="1.0" encoding="utf-8"?>
+<file path=ppt/slides/slide22.xml><?xml version="1.0" encoding="utf-8"?>
 <p:sld xmlns:a="http://schemas.openxmlformats.org/drawingml/2006/main" xmlns:r="http://schemas.openxmlformats.org/officeDocument/2006/relationships" xmlns:p="http://schemas.openxmlformats.org/presentationml/2006/main">
   <p:cSld>
     <p:spTree>
@@ -27220,7 +25109,7 @@
             <a:fld id="{C014DD1E-5D91-48A3-AD6D-45FBA980D106}" type="slidenum">
               <a:rPr lang="en-US" smtClean="0"/>
               <a:pPr/>
-              <a:t>23</a:t>
+              <a:t>22</a:t>
             </a:fld>
             <a:endParaRPr lang="en-US" dirty="0"/>
           </a:p>
@@ -28326,7 +26215,7 @@
 </p:sld>
 </file>
 
-<file path=ppt/slides/slide24.xml><?xml version="1.0" encoding="utf-8"?>
+<file path=ppt/slides/slide23.xml><?xml version="1.0" encoding="utf-8"?>
 <p:sld xmlns:a="http://schemas.openxmlformats.org/drawingml/2006/main" xmlns:r="http://schemas.openxmlformats.org/officeDocument/2006/relationships" xmlns:p="http://schemas.openxmlformats.org/presentationml/2006/main">
   <p:cSld>
     <p:spTree>
@@ -28594,7 +26483,7 @@
             <a:fld id="{C014DD1E-5D91-48A3-AD6D-45FBA980D106}" type="slidenum">
               <a:rPr lang="en-US" smtClean="0"/>
               <a:pPr/>
-              <a:t>24</a:t>
+              <a:t>23</a:t>
             </a:fld>
             <a:endParaRPr lang="en-US" dirty="0"/>
           </a:p>
@@ -28964,7 +26853,7 @@
 </p:sld>
 </file>
 
-<file path=ppt/slides/slide25.xml><?xml version="1.0" encoding="utf-8"?>
+<file path=ppt/slides/slide24.xml><?xml version="1.0" encoding="utf-8"?>
 <p:sld xmlns:a="http://schemas.openxmlformats.org/drawingml/2006/main" xmlns:r="http://schemas.openxmlformats.org/officeDocument/2006/relationships" xmlns:p="http://schemas.openxmlformats.org/presentationml/2006/main">
   <p:cSld>
     <p:spTree>
@@ -29249,7 +27138,7 @@
             <a:fld id="{C014DD1E-5D91-48A3-AD6D-45FBA980D106}" type="slidenum">
               <a:rPr lang="en-US" smtClean="0"/>
               <a:pPr/>
-              <a:t>25</a:t>
+              <a:t>24</a:t>
             </a:fld>
             <a:endParaRPr lang="en-US" dirty="0"/>
           </a:p>
@@ -30577,7 +28466,7 @@
 </p:sld>
 </file>
 
-<file path=ppt/slides/slide26.xml><?xml version="1.0" encoding="utf-8"?>
+<file path=ppt/slides/slide25.xml><?xml version="1.0" encoding="utf-8"?>
 <p:sld xmlns:a="http://schemas.openxmlformats.org/drawingml/2006/main" xmlns:r="http://schemas.openxmlformats.org/officeDocument/2006/relationships" xmlns:p="http://schemas.openxmlformats.org/presentationml/2006/main">
   <p:cSld>
     <p:bg>
@@ -31550,7 +29439,7 @@
 </p:sld>
 </file>
 
-<file path=ppt/slides/slide27.xml><?xml version="1.0" encoding="utf-8"?>
+<file path=ppt/slides/slide26.xml><?xml version="1.0" encoding="utf-8"?>
 <p:sld xmlns:a="http://schemas.openxmlformats.org/drawingml/2006/main" xmlns:r="http://schemas.openxmlformats.org/officeDocument/2006/relationships" xmlns:p="http://schemas.openxmlformats.org/presentationml/2006/main">
   <p:cSld>
     <p:spTree>
@@ -31869,7 +29758,7 @@
             <a:fld id="{C014DD1E-5D91-48A3-AD6D-45FBA980D106}" type="slidenum">
               <a:rPr lang="en-US" smtClean="0"/>
               <a:pPr/>
-              <a:t>27</a:t>
+              <a:t>26</a:t>
             </a:fld>
             <a:endParaRPr lang="en-US" dirty="0"/>
           </a:p>
@@ -32142,7 +30031,7 @@
 </p:sld>
 </file>
 
-<file path=ppt/slides/slide28.xml><?xml version="1.0" encoding="utf-8"?>
+<file path=ppt/slides/slide27.xml><?xml version="1.0" encoding="utf-8"?>
 <p:sld xmlns:a="http://schemas.openxmlformats.org/drawingml/2006/main" xmlns:r="http://schemas.openxmlformats.org/officeDocument/2006/relationships" xmlns:p="http://schemas.openxmlformats.org/presentationml/2006/main">
   <p:cSld>
     <p:spTree>
@@ -32447,7 +30336,7 @@
             <a:fld id="{C014DD1E-5D91-48A3-AD6D-45FBA980D106}" type="slidenum">
               <a:rPr lang="en-US" smtClean="0"/>
               <a:pPr/>
-              <a:t>28</a:t>
+              <a:t>27</a:t>
             </a:fld>
             <a:endParaRPr lang="en-US" dirty="0"/>
           </a:p>
@@ -32641,7 +30530,7 @@
 </p:sld>
 </file>
 
-<file path=ppt/slides/slide29.xml><?xml version="1.0" encoding="utf-8"?>
+<file path=ppt/slides/slide28.xml><?xml version="1.0" encoding="utf-8"?>
 <p:sld xmlns:a="http://schemas.openxmlformats.org/drawingml/2006/main" xmlns:r="http://schemas.openxmlformats.org/officeDocument/2006/relationships" xmlns:p="http://schemas.openxmlformats.org/presentationml/2006/main">
   <p:cSld>
     <p:spTree>
@@ -32699,7 +30588,7 @@
             <a:fld id="{C014DD1E-5D91-48A3-AD6D-45FBA980D106}" type="slidenum">
               <a:rPr lang="en-US" smtClean="0"/>
               <a:pPr/>
-              <a:t>29</a:t>
+              <a:t>28</a:t>
             </a:fld>
             <a:endParaRPr lang="en-US" dirty="0"/>
           </a:p>
@@ -34367,143 +32256,7 @@
 </p:sld>
 </file>
 
-<file path=ppt/slides/slide3.xml><?xml version="1.0" encoding="utf-8"?>
-<p:sld xmlns:a="http://schemas.openxmlformats.org/drawingml/2006/main" xmlns:r="http://schemas.openxmlformats.org/officeDocument/2006/relationships" xmlns:p="http://schemas.openxmlformats.org/presentationml/2006/main">
-  <p:cSld>
-    <p:spTree>
-      <p:nvGrpSpPr>
-        <p:cNvPr id="1" name=""/>
-        <p:cNvGrpSpPr/>
-        <p:nvPr/>
-      </p:nvGrpSpPr>
-      <p:grpSpPr>
-        <a:xfrm>
-          <a:off x="0" y="0"/>
-          <a:ext cx="0" cy="0"/>
-          <a:chOff x="0" y="0"/>
-          <a:chExt cx="0" cy="0"/>
-        </a:xfrm>
-      </p:grpSpPr>
-      <p:sp>
-        <p:nvSpPr>
-          <p:cNvPr id="5" name="Content Placeholder 2"/>
-          <p:cNvSpPr>
-            <a:spLocks noGrp="1"/>
-          </p:cNvSpPr>
-          <p:nvPr>
-            <p:ph type="body" sz="quarter" idx="10"/>
-          </p:nvPr>
-        </p:nvSpPr>
-        <p:spPr/>
-        <p:txBody>
-          <a:bodyPr>
-            <a:normAutofit/>
-          </a:bodyPr>
-          <a:lstStyle/>
-          <a:p>
-            <a:pPr marL="0" indent="0" algn="ctr">
-              <a:buNone/>
-            </a:pPr>
-            <a:endParaRPr lang="bg-BG" sz="4000" b="1" dirty="0"/>
-          </a:p>
-          <a:p>
-            <a:pPr marL="0" indent="0" algn="ctr">
-              <a:buNone/>
-            </a:pPr>
-            <a:r>
-              <a:rPr lang="en-US" sz="8800" b="1" u="sng" dirty="0">
-                <a:solidFill>
-                  <a:schemeClr val="bg1"/>
-                </a:solidFill>
-              </a:rPr>
-              <a:t>sli.do</a:t>
-            </a:r>
-            <a:endParaRPr lang="bg-BG" sz="7200" b="1" u="sng" dirty="0">
-              <a:solidFill>
-                <a:schemeClr val="bg1"/>
-              </a:solidFill>
-            </a:endParaRPr>
-          </a:p>
-          <a:p>
-            <a:pPr marL="0" indent="0" algn="ctr">
-              <a:buNone/>
-            </a:pPr>
-            <a:r>
-              <a:rPr lang="en-US" sz="11500" b="1" dirty="0"/>
-              <a:t>#JS-CORE</a:t>
-            </a:r>
-            <a:endParaRPr lang="en-US" sz="11500" dirty="0"/>
-          </a:p>
-        </p:txBody>
-      </p:sp>
-      <p:sp>
-        <p:nvSpPr>
-          <p:cNvPr id="6" name="Title 3"/>
-          <p:cNvSpPr>
-            <a:spLocks noGrp="1"/>
-          </p:cNvSpPr>
-          <p:nvPr>
-            <p:ph type="title"/>
-          </p:nvPr>
-        </p:nvSpPr>
-        <p:spPr/>
-        <p:txBody>
-          <a:bodyPr/>
-          <a:lstStyle/>
-          <a:p>
-            <a:r>
-              <a:rPr lang="en-US" dirty="0"/>
-              <a:t>Have a Question?</a:t>
-            </a:r>
-          </a:p>
-        </p:txBody>
-      </p:sp>
-      <p:sp>
-        <p:nvSpPr>
-          <p:cNvPr id="2" name="Slide Number Placeholder 1"/>
-          <p:cNvSpPr>
-            <a:spLocks noGrp="1"/>
-          </p:cNvSpPr>
-          <p:nvPr>
-            <p:ph type="sldNum" sz="quarter" idx="13"/>
-          </p:nvPr>
-        </p:nvSpPr>
-        <p:spPr/>
-        <p:txBody>
-          <a:bodyPr/>
-          <a:lstStyle/>
-          <a:p>
-            <a:fld id="{C014DD1E-5D91-48A3-AD6D-45FBA980D106}" type="slidenum">
-              <a:rPr lang="en-US" smtClean="0"/>
-              <a:pPr/>
-              <a:t>3</a:t>
-            </a:fld>
-            <a:endParaRPr lang="en-US" dirty="0"/>
-          </a:p>
-        </p:txBody>
-      </p:sp>
-    </p:spTree>
-    <p:extLst>
-      <p:ext uri="{BB962C8B-B14F-4D97-AF65-F5344CB8AC3E}">
-        <p14:creationId xmlns:p14="http://schemas.microsoft.com/office/powerpoint/2010/main" val="4098662301"/>
-      </p:ext>
-    </p:extLst>
-  </p:cSld>
-  <p:clrMapOvr>
-    <a:masterClrMapping/>
-  </p:clrMapOvr>
-  <mc:AlternateContent xmlns:mc="http://schemas.openxmlformats.org/markup-compatibility/2006" xmlns:p14="http://schemas.microsoft.com/office/powerpoint/2010/main">
-    <mc:Choice Requires="p14">
-      <p:transition spd="slow" p14:dur="2000" advClick="0" advTm="5000"/>
-    </mc:Choice>
-    <mc:Fallback xmlns="">
-      <p:transition spd="slow" advClick="0" advTm="5000"/>
-    </mc:Fallback>
-  </mc:AlternateContent>
-</p:sld>
-</file>
-
-<file path=ppt/slides/slide30.xml><?xml version="1.0" encoding="utf-8"?>
+<file path=ppt/slides/slide29.xml><?xml version="1.0" encoding="utf-8"?>
 <p:sld xmlns:a="http://schemas.openxmlformats.org/drawingml/2006/main" xmlns:r="http://schemas.openxmlformats.org/officeDocument/2006/relationships" xmlns:p="http://schemas.openxmlformats.org/presentationml/2006/main">
   <p:cSld>
     <p:spTree>
@@ -34561,7 +32314,7 @@
             <a:fld id="{C014DD1E-5D91-48A3-AD6D-45FBA980D106}" type="slidenum">
               <a:rPr lang="en-US" smtClean="0"/>
               <a:pPr/>
-              <a:t>30</a:t>
+              <a:t>29</a:t>
             </a:fld>
             <a:endParaRPr lang="en-US" dirty="0"/>
           </a:p>
@@ -36103,7 +33856,143 @@
 </p:sld>
 </file>
 
-<file path=ppt/slides/slide31.xml><?xml version="1.0" encoding="utf-8"?>
+<file path=ppt/slides/slide3.xml><?xml version="1.0" encoding="utf-8"?>
+<p:sld xmlns:a="http://schemas.openxmlformats.org/drawingml/2006/main" xmlns:r="http://schemas.openxmlformats.org/officeDocument/2006/relationships" xmlns:p="http://schemas.openxmlformats.org/presentationml/2006/main">
+  <p:cSld>
+    <p:spTree>
+      <p:nvGrpSpPr>
+        <p:cNvPr id="1" name=""/>
+        <p:cNvGrpSpPr/>
+        <p:nvPr/>
+      </p:nvGrpSpPr>
+      <p:grpSpPr>
+        <a:xfrm>
+          <a:off x="0" y="0"/>
+          <a:ext cx="0" cy="0"/>
+          <a:chOff x="0" y="0"/>
+          <a:chExt cx="0" cy="0"/>
+        </a:xfrm>
+      </p:grpSpPr>
+      <p:sp>
+        <p:nvSpPr>
+          <p:cNvPr id="5" name="Content Placeholder 2"/>
+          <p:cNvSpPr>
+            <a:spLocks noGrp="1"/>
+          </p:cNvSpPr>
+          <p:nvPr>
+            <p:ph type="body" sz="quarter" idx="10"/>
+          </p:nvPr>
+        </p:nvSpPr>
+        <p:spPr/>
+        <p:txBody>
+          <a:bodyPr>
+            <a:normAutofit/>
+          </a:bodyPr>
+          <a:lstStyle/>
+          <a:p>
+            <a:pPr marL="0" indent="0" algn="ctr">
+              <a:buNone/>
+            </a:pPr>
+            <a:endParaRPr lang="bg-BG" sz="4000" b="1" dirty="0"/>
+          </a:p>
+          <a:p>
+            <a:pPr marL="0" indent="0" algn="ctr">
+              <a:buNone/>
+            </a:pPr>
+            <a:r>
+              <a:rPr lang="en-US" sz="8800" b="1" u="sng" dirty="0">
+                <a:solidFill>
+                  <a:schemeClr val="bg1"/>
+                </a:solidFill>
+              </a:rPr>
+              <a:t>sli.do</a:t>
+            </a:r>
+            <a:endParaRPr lang="bg-BG" sz="7200" b="1" u="sng" dirty="0">
+              <a:solidFill>
+                <a:schemeClr val="bg1"/>
+              </a:solidFill>
+            </a:endParaRPr>
+          </a:p>
+          <a:p>
+            <a:pPr marL="0" indent="0" algn="ctr">
+              <a:buNone/>
+            </a:pPr>
+            <a:r>
+              <a:rPr lang="en-US" sz="11500" b="1" dirty="0"/>
+              <a:t>#JS-CORE</a:t>
+            </a:r>
+            <a:endParaRPr lang="en-US" sz="11500" dirty="0"/>
+          </a:p>
+        </p:txBody>
+      </p:sp>
+      <p:sp>
+        <p:nvSpPr>
+          <p:cNvPr id="6" name="Title 3"/>
+          <p:cNvSpPr>
+            <a:spLocks noGrp="1"/>
+          </p:cNvSpPr>
+          <p:nvPr>
+            <p:ph type="title"/>
+          </p:nvPr>
+        </p:nvSpPr>
+        <p:spPr/>
+        <p:txBody>
+          <a:bodyPr/>
+          <a:lstStyle/>
+          <a:p>
+            <a:r>
+              <a:rPr lang="en-US" dirty="0"/>
+              <a:t>Have a Question?</a:t>
+            </a:r>
+          </a:p>
+        </p:txBody>
+      </p:sp>
+      <p:sp>
+        <p:nvSpPr>
+          <p:cNvPr id="2" name="Slide Number Placeholder 1"/>
+          <p:cNvSpPr>
+            <a:spLocks noGrp="1"/>
+          </p:cNvSpPr>
+          <p:nvPr>
+            <p:ph type="sldNum" sz="quarter" idx="13"/>
+          </p:nvPr>
+        </p:nvSpPr>
+        <p:spPr/>
+        <p:txBody>
+          <a:bodyPr/>
+          <a:lstStyle/>
+          <a:p>
+            <a:fld id="{C014DD1E-5D91-48A3-AD6D-45FBA980D106}" type="slidenum">
+              <a:rPr lang="en-US" smtClean="0"/>
+              <a:pPr/>
+              <a:t>3</a:t>
+            </a:fld>
+            <a:endParaRPr lang="en-US" dirty="0"/>
+          </a:p>
+        </p:txBody>
+      </p:sp>
+    </p:spTree>
+    <p:extLst>
+      <p:ext uri="{BB962C8B-B14F-4D97-AF65-F5344CB8AC3E}">
+        <p14:creationId xmlns:p14="http://schemas.microsoft.com/office/powerpoint/2010/main" val="4098662301"/>
+      </p:ext>
+    </p:extLst>
+  </p:cSld>
+  <p:clrMapOvr>
+    <a:masterClrMapping/>
+  </p:clrMapOvr>
+  <mc:AlternateContent xmlns:mc="http://schemas.openxmlformats.org/markup-compatibility/2006" xmlns:p14="http://schemas.microsoft.com/office/powerpoint/2010/main">
+    <mc:Choice Requires="p14">
+      <p:transition spd="slow" p14:dur="2000" advClick="0" advTm="5000"/>
+    </mc:Choice>
+    <mc:Fallback xmlns="">
+      <p:transition spd="slow" advClick="0" advTm="5000"/>
+    </mc:Fallback>
+  </mc:AlternateContent>
+</p:sld>
+</file>
+
+<file path=ppt/slides/slide30.xml><?xml version="1.0" encoding="utf-8"?>
 <p:sld xmlns:a="http://schemas.openxmlformats.org/drawingml/2006/main" xmlns:r="http://schemas.openxmlformats.org/officeDocument/2006/relationships" xmlns:p="http://schemas.openxmlformats.org/presentationml/2006/main">
   <p:cSld>
     <p:spTree>
@@ -36161,7 +34050,7 @@
             <a:fld id="{C014DD1E-5D91-48A3-AD6D-45FBA980D106}" type="slidenum">
               <a:rPr lang="en-US" smtClean="0"/>
               <a:pPr/>
-              <a:t>31</a:t>
+              <a:t>30</a:t>
             </a:fld>
             <a:endParaRPr lang="en-US" dirty="0"/>
           </a:p>
@@ -38175,7 +36064,7 @@
 </p:sld>
 </file>
 
-<file path=ppt/slides/slide32.xml><?xml version="1.0" encoding="utf-8"?>
+<file path=ppt/slides/slide31.xml><?xml version="1.0" encoding="utf-8"?>
 <p:sld xmlns:a="http://schemas.openxmlformats.org/drawingml/2006/main" xmlns:r="http://schemas.openxmlformats.org/officeDocument/2006/relationships" xmlns:p="http://schemas.openxmlformats.org/presentationml/2006/main">
   <p:cSld>
     <p:spTree>
@@ -38233,7 +36122,7 @@
             <a:fld id="{C014DD1E-5D91-48A3-AD6D-45FBA980D106}" type="slidenum">
               <a:rPr lang="en-US" smtClean="0"/>
               <a:pPr/>
-              <a:t>32</a:t>
+              <a:t>31</a:t>
             </a:fld>
             <a:endParaRPr lang="en-US" dirty="0"/>
           </a:p>
@@ -39508,7 +37397,7 @@
 </p:sld>
 </file>
 
-<file path=ppt/slides/slide33.xml><?xml version="1.0" encoding="utf-8"?>
+<file path=ppt/slides/slide32.xml><?xml version="1.0" encoding="utf-8"?>
 <p:sld xmlns:a="http://schemas.openxmlformats.org/drawingml/2006/main" xmlns:r="http://schemas.openxmlformats.org/officeDocument/2006/relationships" xmlns:p="http://schemas.openxmlformats.org/presentationml/2006/main">
   <p:cSld>
     <p:spTree>
@@ -39566,7 +37455,7 @@
             <a:fld id="{C014DD1E-5D91-48A3-AD6D-45FBA980D106}" type="slidenum">
               <a:rPr lang="en-US" smtClean="0"/>
               <a:pPr/>
-              <a:t>33</a:t>
+              <a:t>32</a:t>
             </a:fld>
             <a:endParaRPr lang="en-US" dirty="0"/>
           </a:p>
@@ -41011,7 +38900,7 @@
 </p:sld>
 </file>
 
-<file path=ppt/slides/slide34.xml><?xml version="1.0" encoding="utf-8"?>
+<file path=ppt/slides/slide33.xml><?xml version="1.0" encoding="utf-8"?>
 <p:sld xmlns:a="http://schemas.openxmlformats.org/drawingml/2006/main" xmlns:r="http://schemas.openxmlformats.org/officeDocument/2006/relationships" xmlns:p="http://schemas.openxmlformats.org/presentationml/2006/main">
   <p:cSld>
     <p:spTree>
@@ -41069,7 +38958,7 @@
             <a:fld id="{C014DD1E-5D91-48A3-AD6D-45FBA980D106}" type="slidenum">
               <a:rPr lang="en-US" smtClean="0"/>
               <a:pPr/>
-              <a:t>34</a:t>
+              <a:t>33</a:t>
             </a:fld>
             <a:endParaRPr lang="en-US" dirty="0"/>
           </a:p>
@@ -42446,7 +40335,7 @@
 </p:sld>
 </file>
 
-<file path=ppt/slides/slide35.xml><?xml version="1.0" encoding="utf-8"?>
+<file path=ppt/slides/slide34.xml><?xml version="1.0" encoding="utf-8"?>
 <p:sld xmlns:a="http://schemas.openxmlformats.org/drawingml/2006/main" xmlns:r="http://schemas.openxmlformats.org/officeDocument/2006/relationships" xmlns:p="http://schemas.openxmlformats.org/presentationml/2006/main">
   <p:cSld>
     <p:spTree>
@@ -42605,7 +40494,7 @@
             <a:fld id="{C014DD1E-5D91-48A3-AD6D-45FBA980D106}" type="slidenum">
               <a:rPr lang="en-US" smtClean="0"/>
               <a:pPr/>
-              <a:t>35</a:t>
+              <a:t>34</a:t>
             </a:fld>
             <a:endParaRPr lang="en-US" dirty="0"/>
           </a:p>
@@ -43839,7 +41728,7 @@
 </p:sld>
 </file>
 
-<file path=ppt/slides/slide36.xml><?xml version="1.0" encoding="utf-8"?>
+<file path=ppt/slides/slide35.xml><?xml version="1.0" encoding="utf-8"?>
 <p:sld xmlns:a="http://schemas.openxmlformats.org/drawingml/2006/main" xmlns:r="http://schemas.openxmlformats.org/officeDocument/2006/relationships" xmlns:p="http://schemas.openxmlformats.org/presentationml/2006/main">
   <p:cSld>
     <p:spTree>
@@ -43910,7 +41799,7 @@
 </p:sld>
 </file>
 
-<file path=ppt/slides/slide37.xml><?xml version="1.0" encoding="utf-8"?>
+<file path=ppt/slides/slide36.xml><?xml version="1.0" encoding="utf-8"?>
 <p:sld xmlns:a="http://schemas.openxmlformats.org/drawingml/2006/main" xmlns:r="http://schemas.openxmlformats.org/officeDocument/2006/relationships" xmlns:p="http://schemas.openxmlformats.org/presentationml/2006/main">
   <p:cSld>
     <p:spTree>
@@ -44464,7 +42353,7 @@
 </p:sld>
 </file>
 
-<file path=ppt/slides/slide38.xml><?xml version="1.0" encoding="utf-8"?>
+<file path=ppt/slides/slide37.xml><?xml version="1.0" encoding="utf-8"?>
 <p:sld xmlns:a="http://schemas.openxmlformats.org/drawingml/2006/main" xmlns:r="http://schemas.openxmlformats.org/officeDocument/2006/relationships" xmlns:p="http://schemas.openxmlformats.org/presentationml/2006/main">
   <p:cSld>
     <p:spTree>
@@ -44716,7 +42605,7 @@
 </p:sld>
 </file>
 
-<file path=ppt/slides/slide39.xml><?xml version="1.0" encoding="utf-8"?>
+<file path=ppt/slides/slide38.xml><?xml version="1.0" encoding="utf-8"?>
 <p:sld xmlns:a="http://schemas.openxmlformats.org/drawingml/2006/main" xmlns:r="http://schemas.openxmlformats.org/officeDocument/2006/relationships" xmlns:p="http://schemas.openxmlformats.org/presentationml/2006/main">
   <p:cSld>
     <p:spTree>
@@ -45096,149 +42985,7 @@
 </p:sld>
 </file>
 
-<file path=ppt/slides/slide4.xml><?xml version="1.0" encoding="utf-8"?>
-<p:sld xmlns:a="http://schemas.openxmlformats.org/drawingml/2006/main" xmlns:r="http://schemas.openxmlformats.org/officeDocument/2006/relationships" xmlns:p="http://schemas.openxmlformats.org/presentationml/2006/main">
-  <p:cSld>
-    <p:spTree>
-      <p:nvGrpSpPr>
-        <p:cNvPr id="1" name=""/>
-        <p:cNvGrpSpPr/>
-        <p:nvPr/>
-      </p:nvGrpSpPr>
-      <p:grpSpPr>
-        <a:xfrm>
-          <a:off x="0" y="0"/>
-          <a:ext cx="0" cy="0"/>
-          <a:chOff x="0" y="0"/>
-          <a:chExt cx="0" cy="0"/>
-        </a:xfrm>
-      </p:grpSpPr>
-      <p:sp>
-        <p:nvSpPr>
-          <p:cNvPr id="5" name="Text Placeholder 4"/>
-          <p:cNvSpPr>
-            <a:spLocks noGrp="1"/>
-          </p:cNvSpPr>
-          <p:nvPr>
-            <p:ph type="body" sz="quarter" idx="10"/>
-          </p:nvPr>
-        </p:nvSpPr>
-        <p:spPr/>
-        <p:txBody>
-          <a:bodyPr/>
-          <a:lstStyle/>
-          <a:p>
-            <a:r>
-              <a:rPr lang="en-US" dirty="0"/>
-              <a:t>Simple Class Inheritance</a:t>
-            </a:r>
-            <a:endParaRPr lang="bg-BG" dirty="0"/>
-          </a:p>
-        </p:txBody>
-      </p:sp>
-      <p:sp>
-        <p:nvSpPr>
-          <p:cNvPr id="6" name="Text Placeholder 5"/>
-          <p:cNvSpPr>
-            <a:spLocks noGrp="1"/>
-          </p:cNvSpPr>
-          <p:nvPr>
-            <p:ph type="body" sz="quarter" idx="11"/>
-          </p:nvPr>
-        </p:nvSpPr>
-        <p:spPr/>
-        <p:txBody>
-          <a:bodyPr/>
-          <a:lstStyle/>
-          <a:p>
-            <a:r>
-              <a:rPr lang="en-US" dirty="0"/>
-              <a:t>Inheriting Data and Methods</a:t>
-            </a:r>
-          </a:p>
-        </p:txBody>
-      </p:sp>
-      <p:sp>
-        <p:nvSpPr>
-          <p:cNvPr id="4" name="Slide Number Placeholder 3"/>
-          <p:cNvSpPr>
-            <a:spLocks noGrp="1"/>
-          </p:cNvSpPr>
-          <p:nvPr>
-            <p:ph type="sldNum" sz="quarter" idx="4294967295"/>
-          </p:nvPr>
-        </p:nvSpPr>
-        <p:spPr>
-          <a:xfrm>
-            <a:off x="11761789" y="6397626"/>
-            <a:ext cx="428625" cy="307975"/>
-          </a:xfrm>
-        </p:spPr>
-        <p:txBody>
-          <a:bodyPr/>
-          <a:lstStyle/>
-          <a:p>
-            <a:fld id="{C014DD1E-5D91-48A3-AD6D-45FBA980D106}" type="slidenum">
-              <a:rPr lang="en-US" smtClean="0"/>
-              <a:pPr/>
-              <a:t>4</a:t>
-            </a:fld>
-            <a:endParaRPr lang="en-US" dirty="0"/>
-          </a:p>
-        </p:txBody>
-      </p:sp>
-      <p:pic>
-        <p:nvPicPr>
-          <p:cNvPr id="9" name="Picture 8"/>
-          <p:cNvPicPr>
-            <a:picLocks noChangeAspect="1"/>
-          </p:cNvPicPr>
-          <p:nvPr/>
-        </p:nvPicPr>
-        <p:blipFill>
-          <a:blip r:embed="rId2">
-            <a:extLst>
-              <a:ext uri="{28A0092B-C50C-407E-A947-70E740481C1C}">
-                <a14:useLocalDpi xmlns:a14="http://schemas.microsoft.com/office/drawing/2010/main" val="0"/>
-              </a:ext>
-            </a:extLst>
-          </a:blip>
-          <a:stretch>
-            <a:fillRect/>
-          </a:stretch>
-        </p:blipFill>
-        <p:spPr>
-          <a:xfrm>
-            <a:off x="4720390" y="1455820"/>
-            <a:ext cx="2402305" cy="2402305"/>
-          </a:xfrm>
-          <a:prstGeom prst="rect">
-            <a:avLst/>
-          </a:prstGeom>
-        </p:spPr>
-      </p:pic>
-    </p:spTree>
-    <p:extLst>
-      <p:ext uri="{BB962C8B-B14F-4D97-AF65-F5344CB8AC3E}">
-        <p14:creationId xmlns:p14="http://schemas.microsoft.com/office/powerpoint/2010/main" val="2076407272"/>
-      </p:ext>
-    </p:extLst>
-  </p:cSld>
-  <p:clrMapOvr>
-    <a:masterClrMapping/>
-  </p:clrMapOvr>
-  <mc:AlternateContent xmlns:mc="http://schemas.openxmlformats.org/markup-compatibility/2006" xmlns:p14="http://schemas.microsoft.com/office/powerpoint/2010/main">
-    <mc:Choice Requires="p14">
-      <p:transition spd="slow" p14:dur="2000" advClick="0" advTm="5000"/>
-    </mc:Choice>
-    <mc:Fallback xmlns="">
-      <p:transition spd="slow" advClick="0" advTm="5000"/>
-    </mc:Fallback>
-  </mc:AlternateContent>
-</p:sld>
-</file>
-
-<file path=ppt/slides/slide40.xml><?xml version="1.0" encoding="utf-8"?>
+<file path=ppt/slides/slide39.xml><?xml version="1.0" encoding="utf-8"?>
 <p:sld xmlns:a="http://schemas.openxmlformats.org/drawingml/2006/main" xmlns:r="http://schemas.openxmlformats.org/officeDocument/2006/relationships" xmlns:p="http://schemas.openxmlformats.org/presentationml/2006/main">
   <p:cSld>
     <p:spTree>
@@ -45351,7 +43098,7 @@
             <a:fld id="{C014DD1E-5D91-48A3-AD6D-45FBA980D106}" type="slidenum">
               <a:rPr lang="en-US" smtClean="0"/>
               <a:pPr/>
-              <a:t>40</a:t>
+              <a:t>39</a:t>
             </a:fld>
             <a:endParaRPr lang="en-US" dirty="0"/>
           </a:p>
@@ -45413,6 +43160,148 @@
     <p:extLst>
       <p:ext uri="{BB962C8B-B14F-4D97-AF65-F5344CB8AC3E}">
         <p14:creationId xmlns:p14="http://schemas.microsoft.com/office/powerpoint/2010/main" val="1537206252"/>
+      </p:ext>
+    </p:extLst>
+  </p:cSld>
+  <p:clrMapOvr>
+    <a:masterClrMapping/>
+  </p:clrMapOvr>
+  <mc:AlternateContent xmlns:mc="http://schemas.openxmlformats.org/markup-compatibility/2006" xmlns:p14="http://schemas.microsoft.com/office/powerpoint/2010/main">
+    <mc:Choice Requires="p14">
+      <p:transition spd="slow" p14:dur="2000" advClick="0" advTm="5000"/>
+    </mc:Choice>
+    <mc:Fallback xmlns="">
+      <p:transition spd="slow" advClick="0" advTm="5000"/>
+    </mc:Fallback>
+  </mc:AlternateContent>
+</p:sld>
+</file>
+
+<file path=ppt/slides/slide4.xml><?xml version="1.0" encoding="utf-8"?>
+<p:sld xmlns:a="http://schemas.openxmlformats.org/drawingml/2006/main" xmlns:r="http://schemas.openxmlformats.org/officeDocument/2006/relationships" xmlns:p="http://schemas.openxmlformats.org/presentationml/2006/main">
+  <p:cSld>
+    <p:spTree>
+      <p:nvGrpSpPr>
+        <p:cNvPr id="1" name=""/>
+        <p:cNvGrpSpPr/>
+        <p:nvPr/>
+      </p:nvGrpSpPr>
+      <p:grpSpPr>
+        <a:xfrm>
+          <a:off x="0" y="0"/>
+          <a:ext cx="0" cy="0"/>
+          <a:chOff x="0" y="0"/>
+          <a:chExt cx="0" cy="0"/>
+        </a:xfrm>
+      </p:grpSpPr>
+      <p:sp>
+        <p:nvSpPr>
+          <p:cNvPr id="5" name="Text Placeholder 4"/>
+          <p:cNvSpPr>
+            <a:spLocks noGrp="1"/>
+          </p:cNvSpPr>
+          <p:nvPr>
+            <p:ph type="body" sz="quarter" idx="10"/>
+          </p:nvPr>
+        </p:nvSpPr>
+        <p:spPr/>
+        <p:txBody>
+          <a:bodyPr/>
+          <a:lstStyle/>
+          <a:p>
+            <a:r>
+              <a:rPr lang="en-US" dirty="0"/>
+              <a:t>Simple Class Inheritance</a:t>
+            </a:r>
+            <a:endParaRPr lang="bg-BG" dirty="0"/>
+          </a:p>
+        </p:txBody>
+      </p:sp>
+      <p:sp>
+        <p:nvSpPr>
+          <p:cNvPr id="6" name="Text Placeholder 5"/>
+          <p:cNvSpPr>
+            <a:spLocks noGrp="1"/>
+          </p:cNvSpPr>
+          <p:nvPr>
+            <p:ph type="body" sz="quarter" idx="11"/>
+          </p:nvPr>
+        </p:nvSpPr>
+        <p:spPr/>
+        <p:txBody>
+          <a:bodyPr/>
+          <a:lstStyle/>
+          <a:p>
+            <a:r>
+              <a:rPr lang="en-US" dirty="0"/>
+              <a:t>Inheriting Data and Methods</a:t>
+            </a:r>
+          </a:p>
+        </p:txBody>
+      </p:sp>
+      <p:sp>
+        <p:nvSpPr>
+          <p:cNvPr id="4" name="Slide Number Placeholder 3"/>
+          <p:cNvSpPr>
+            <a:spLocks noGrp="1"/>
+          </p:cNvSpPr>
+          <p:nvPr>
+            <p:ph type="sldNum" sz="quarter" idx="4294967295"/>
+          </p:nvPr>
+        </p:nvSpPr>
+        <p:spPr>
+          <a:xfrm>
+            <a:off x="11761789" y="6397626"/>
+            <a:ext cx="428625" cy="307975"/>
+          </a:xfrm>
+        </p:spPr>
+        <p:txBody>
+          <a:bodyPr/>
+          <a:lstStyle/>
+          <a:p>
+            <a:fld id="{C014DD1E-5D91-48A3-AD6D-45FBA980D106}" type="slidenum">
+              <a:rPr lang="en-US" smtClean="0"/>
+              <a:pPr/>
+              <a:t>4</a:t>
+            </a:fld>
+            <a:endParaRPr lang="en-US" dirty="0"/>
+          </a:p>
+        </p:txBody>
+      </p:sp>
+      <p:pic>
+        <p:nvPicPr>
+          <p:cNvPr id="9" name="Picture 8"/>
+          <p:cNvPicPr>
+            <a:picLocks noChangeAspect="1"/>
+          </p:cNvPicPr>
+          <p:nvPr/>
+        </p:nvPicPr>
+        <p:blipFill>
+          <a:blip r:embed="rId2">
+            <a:extLst>
+              <a:ext uri="{28A0092B-C50C-407E-A947-70E740481C1C}">
+                <a14:useLocalDpi xmlns:a14="http://schemas.microsoft.com/office/drawing/2010/main" val="0"/>
+              </a:ext>
+            </a:extLst>
+          </a:blip>
+          <a:stretch>
+            <a:fillRect/>
+          </a:stretch>
+        </p:blipFill>
+        <p:spPr>
+          <a:xfrm>
+            <a:off x="4720390" y="1455820"/>
+            <a:ext cx="2402305" cy="2402305"/>
+          </a:xfrm>
+          <a:prstGeom prst="rect">
+            <a:avLst/>
+          </a:prstGeom>
+        </p:spPr>
+      </p:pic>
+    </p:spTree>
+    <p:extLst>
+      <p:ext uri="{BB962C8B-B14F-4D97-AF65-F5344CB8AC3E}">
+        <p14:creationId xmlns:p14="http://schemas.microsoft.com/office/powerpoint/2010/main" val="2076407272"/>
       </p:ext>
     </p:extLst>
   </p:cSld>
